--- a/docs/diagrams/ModelComponentClassDiagram.pptx
+++ b/docs/diagrams/ModelComponentClassDiagram.pptx
@@ -208,7 +208,7 @@
           <a:p>
             <a:fld id="{F5CC4B3F-88C1-4FFA-B1B6-F41C21DC6924}" type="datetimeFigureOut">
               <a:rPr lang="en-US" smtClean="0"/>
-              <a:t>6/27/2018</a:t>
+              <a:t>9/29/2018</a:t>
             </a:fld>
             <a:endParaRPr lang="en-US"/>
           </a:p>
@@ -654,7 +654,7 @@
           <a:p>
             <a:fld id="{78C97017-6FC3-485B-9764-EAC9E56C1D49}" type="datetimeFigureOut">
               <a:rPr lang="en-US" smtClean="0"/>
-              <a:t>6/27/2018</a:t>
+              <a:t>9/29/2018</a:t>
             </a:fld>
             <a:endParaRPr lang="en-US"/>
           </a:p>
@@ -822,7 +822,7 @@
           <a:p>
             <a:fld id="{78C97017-6FC3-485B-9764-EAC9E56C1D49}" type="datetimeFigureOut">
               <a:rPr lang="en-US" smtClean="0"/>
-              <a:t>6/27/2018</a:t>
+              <a:t>9/29/2018</a:t>
             </a:fld>
             <a:endParaRPr lang="en-US"/>
           </a:p>
@@ -1000,7 +1000,7 @@
           <a:p>
             <a:fld id="{78C97017-6FC3-485B-9764-EAC9E56C1D49}" type="datetimeFigureOut">
               <a:rPr lang="en-US" smtClean="0"/>
-              <a:t>6/27/2018</a:t>
+              <a:t>9/29/2018</a:t>
             </a:fld>
             <a:endParaRPr lang="en-US"/>
           </a:p>
@@ -1168,7 +1168,7 @@
           <a:p>
             <a:fld id="{78C97017-6FC3-485B-9764-EAC9E56C1D49}" type="datetimeFigureOut">
               <a:rPr lang="en-US" smtClean="0"/>
-              <a:t>6/27/2018</a:t>
+              <a:t>9/29/2018</a:t>
             </a:fld>
             <a:endParaRPr lang="en-US"/>
           </a:p>
@@ -1413,7 +1413,7 @@
           <a:p>
             <a:fld id="{78C97017-6FC3-485B-9764-EAC9E56C1D49}" type="datetimeFigureOut">
               <a:rPr lang="en-US" smtClean="0"/>
-              <a:t>6/27/2018</a:t>
+              <a:t>9/29/2018</a:t>
             </a:fld>
             <a:endParaRPr lang="en-US"/>
           </a:p>
@@ -1698,7 +1698,7 @@
           <a:p>
             <a:fld id="{78C97017-6FC3-485B-9764-EAC9E56C1D49}" type="datetimeFigureOut">
               <a:rPr lang="en-US" smtClean="0"/>
-              <a:t>6/27/2018</a:t>
+              <a:t>9/29/2018</a:t>
             </a:fld>
             <a:endParaRPr lang="en-US"/>
           </a:p>
@@ -2117,7 +2117,7 @@
           <a:p>
             <a:fld id="{78C97017-6FC3-485B-9764-EAC9E56C1D49}" type="datetimeFigureOut">
               <a:rPr lang="en-US" smtClean="0"/>
-              <a:t>6/27/2018</a:t>
+              <a:t>9/29/2018</a:t>
             </a:fld>
             <a:endParaRPr lang="en-US"/>
           </a:p>
@@ -2234,7 +2234,7 @@
           <a:p>
             <a:fld id="{78C97017-6FC3-485B-9764-EAC9E56C1D49}" type="datetimeFigureOut">
               <a:rPr lang="en-US" smtClean="0"/>
-              <a:t>6/27/2018</a:t>
+              <a:t>9/29/2018</a:t>
             </a:fld>
             <a:endParaRPr lang="en-US"/>
           </a:p>
@@ -2329,7 +2329,7 @@
           <a:p>
             <a:fld id="{78C97017-6FC3-485B-9764-EAC9E56C1D49}" type="datetimeFigureOut">
               <a:rPr lang="en-US" smtClean="0"/>
-              <a:t>6/27/2018</a:t>
+              <a:t>9/29/2018</a:t>
             </a:fld>
             <a:endParaRPr lang="en-US"/>
           </a:p>
@@ -2604,7 +2604,7 @@
           <a:p>
             <a:fld id="{78C97017-6FC3-485B-9764-EAC9E56C1D49}" type="datetimeFigureOut">
               <a:rPr lang="en-US" smtClean="0"/>
-              <a:t>6/27/2018</a:t>
+              <a:t>9/29/2018</a:t>
             </a:fld>
             <a:endParaRPr lang="en-US"/>
           </a:p>
@@ -2856,7 +2856,7 @@
           <a:p>
             <a:fld id="{78C97017-6FC3-485B-9764-EAC9E56C1D49}" type="datetimeFigureOut">
               <a:rPr lang="en-US" smtClean="0"/>
-              <a:t>6/27/2018</a:t>
+              <a:t>9/29/2018</a:t>
             </a:fld>
             <a:endParaRPr lang="en-US"/>
           </a:p>
@@ -3067,7 +3067,7 @@
           <a:p>
             <a:fld id="{78C97017-6FC3-485B-9764-EAC9E56C1D49}" type="datetimeFigureOut">
               <a:rPr lang="en-US" smtClean="0"/>
-              <a:t>6/27/2018</a:t>
+              <a:t>9/29/2018</a:t>
             </a:fld>
             <a:endParaRPr lang="en-US"/>
           </a:p>
@@ -3450,8 +3450,8 @@
         </p:nvSpPr>
         <p:spPr>
           <a:xfrm>
-            <a:off x="1119865" y="1600200"/>
-            <a:ext cx="7490735" cy="3124200"/>
+            <a:off x="1143000" y="1143000"/>
+            <a:ext cx="7467600" cy="3581400"/>
           </a:xfrm>
           <a:prstGeom prst="roundRect">
             <a:avLst>
@@ -3994,7 +3994,7 @@
           <a:p>
             <a:pPr algn="ctr"/>
             <a:r>
-              <a:rPr lang="en-US" sz="1050" dirty="0" err="1" smtClean="0">
+              <a:rPr lang="en-US" sz="1050" dirty="0" err="1">
                 <a:solidFill>
                   <a:srgbClr val="7030A0"/>
                 </a:solidFill>
@@ -5022,14 +5022,6 @@
                 </a:solidFill>
               </a:rPr>
               <a:t>&lt;&lt;interface&gt;&gt;</a:t>
-            </a:r>
-            <a:r>
-              <a:rPr lang="en-US" sz="1050">
-                <a:solidFill>
-                  <a:srgbClr val="7030A0"/>
-                </a:solidFill>
-              </a:rPr>
-              <a:t/>
             </a:r>
             <a:br>
               <a:rPr lang="en-US" sz="1050">
@@ -5508,6 +5500,7 @@
         <p:nvCxnSpPr>
           <p:cNvPr id="60" name="Straight Arrow Connector 59"/>
           <p:cNvCxnSpPr>
+            <a:cxnSpLocks/>
             <a:stCxn id="51" idx="1"/>
             <a:endCxn id="49" idx="1"/>
           </p:cNvCxnSpPr>
@@ -5623,6 +5616,557 @@
             <a:prstDash val="sysDot"/>
             <a:headEnd type="none" w="med" len="med"/>
             <a:tailEnd type="none" w="med" len="med"/>
+          </a:ln>
+          <a:effectLst/>
+        </p:spPr>
+        <p:style>
+          <a:lnRef idx="1">
+            <a:schemeClr val="accent2"/>
+          </a:lnRef>
+          <a:fillRef idx="2">
+            <a:schemeClr val="accent2"/>
+          </a:fillRef>
+          <a:effectRef idx="1">
+            <a:schemeClr val="accent2"/>
+          </a:effectRef>
+          <a:fontRef idx="minor">
+            <a:schemeClr val="dk1"/>
+          </a:fontRef>
+        </p:style>
+      </p:cxnSp>
+      <p:cxnSp>
+        <p:nvCxnSpPr>
+          <p:cNvPr id="72" name="Elbow Connector 106">
+            <a:extLst>
+              <a:ext uri="{FF2B5EF4-FFF2-40B4-BE49-F238E27FC236}">
+                <a16:creationId xmlns:a16="http://schemas.microsoft.com/office/drawing/2014/main" id="{CB1F9307-DD28-41C9-8B89-14F16F08FCB9}"/>
+              </a:ext>
+            </a:extLst>
+          </p:cNvPr>
+          <p:cNvCxnSpPr>
+            <a:cxnSpLocks/>
+            <a:stCxn id="51" idx="0"/>
+            <a:endCxn id="82" idx="1"/>
+          </p:cNvCxnSpPr>
+          <p:nvPr/>
+        </p:nvCxnSpPr>
+        <p:spPr>
+          <a:xfrm rot="5400000" flipH="1" flipV="1">
+            <a:off x="4399674" y="2620486"/>
+            <a:ext cx="343368" cy="256724"/>
+          </a:xfrm>
+          <a:prstGeom prst="bentConnector2">
+            <a:avLst/>
+          </a:prstGeom>
+          <a:ln w="19050">
+            <a:solidFill>
+              <a:srgbClr val="7030A0"/>
+            </a:solidFill>
+            <a:prstDash val="solid"/>
+            <a:headEnd type="none" w="med" len="med"/>
+            <a:tailEnd type="arrow" w="med" len="med"/>
+          </a:ln>
+          <a:effectLst/>
+        </p:spPr>
+        <p:style>
+          <a:lnRef idx="1">
+            <a:schemeClr val="accent2"/>
+          </a:lnRef>
+          <a:fillRef idx="2">
+            <a:schemeClr val="accent2"/>
+          </a:fillRef>
+          <a:effectRef idx="1">
+            <a:schemeClr val="accent2"/>
+          </a:effectRef>
+          <a:fontRef idx="minor">
+            <a:schemeClr val="dk1"/>
+          </a:fontRef>
+        </p:style>
+      </p:cxnSp>
+      <p:sp>
+        <p:nvSpPr>
+          <p:cNvPr id="82" name="Rectangle 8">
+            <a:extLst>
+              <a:ext uri="{FF2B5EF4-FFF2-40B4-BE49-F238E27FC236}">
+                <a16:creationId xmlns:a16="http://schemas.microsoft.com/office/drawing/2014/main" id="{3E406892-1DD2-4A41-BC10-8C62C3332E9C}"/>
+              </a:ext>
+            </a:extLst>
+          </p:cNvPr>
+          <p:cNvSpPr/>
+          <p:nvPr/>
+        </p:nvSpPr>
+        <p:spPr>
+          <a:xfrm>
+            <a:off x="4699720" y="2403784"/>
+            <a:ext cx="1156969" cy="346760"/>
+          </a:xfrm>
+          <a:prstGeom prst="rect">
+            <a:avLst/>
+          </a:prstGeom>
+          <a:ln w="19050">
+            <a:solidFill>
+              <a:srgbClr val="7030A0"/>
+            </a:solidFill>
+          </a:ln>
+          <a:effectLst/>
+        </p:spPr>
+        <p:style>
+          <a:lnRef idx="1">
+            <a:schemeClr val="accent4"/>
+          </a:lnRef>
+          <a:fillRef idx="2">
+            <a:schemeClr val="accent4"/>
+          </a:fillRef>
+          <a:effectRef idx="1">
+            <a:schemeClr val="accent4"/>
+          </a:effectRef>
+          <a:fontRef idx="minor">
+            <a:schemeClr val="dk1"/>
+          </a:fontRef>
+        </p:style>
+        <p:txBody>
+          <a:bodyPr rtlCol="0" anchor="ctr"/>
+          <a:lstStyle/>
+          <a:p>
+            <a:pPr algn="ctr"/>
+            <a:r>
+              <a:rPr lang="en-US" sz="1050" dirty="0" err="1">
+                <a:solidFill>
+                  <a:srgbClr val="7030A0"/>
+                </a:solidFill>
+              </a:rPr>
+              <a:t>UniqueAdminList</a:t>
+            </a:r>
+            <a:endParaRPr lang="en-SG" sz="1050" dirty="0">
+              <a:solidFill>
+                <a:srgbClr val="7030A0"/>
+              </a:solidFill>
+            </a:endParaRPr>
+          </a:p>
+        </p:txBody>
+      </p:sp>
+      <p:sp>
+        <p:nvSpPr>
+          <p:cNvPr id="87" name="Rectangle 8">
+            <a:extLst>
+              <a:ext uri="{FF2B5EF4-FFF2-40B4-BE49-F238E27FC236}">
+                <a16:creationId xmlns:a16="http://schemas.microsoft.com/office/drawing/2014/main" id="{B6B48C47-D8DF-4127-8D15-20D74F26A4C3}"/>
+              </a:ext>
+            </a:extLst>
+          </p:cNvPr>
+          <p:cNvSpPr/>
+          <p:nvPr/>
+        </p:nvSpPr>
+        <p:spPr>
+          <a:xfrm>
+            <a:off x="6287510" y="2402088"/>
+            <a:ext cx="708186" cy="346760"/>
+          </a:xfrm>
+          <a:prstGeom prst="rect">
+            <a:avLst/>
+          </a:prstGeom>
+          <a:ln w="19050">
+            <a:solidFill>
+              <a:srgbClr val="7030A0"/>
+            </a:solidFill>
+          </a:ln>
+          <a:effectLst/>
+        </p:spPr>
+        <p:style>
+          <a:lnRef idx="1">
+            <a:schemeClr val="accent4"/>
+          </a:lnRef>
+          <a:fillRef idx="2">
+            <a:schemeClr val="accent4"/>
+          </a:fillRef>
+          <a:effectRef idx="1">
+            <a:schemeClr val="accent4"/>
+          </a:effectRef>
+          <a:fontRef idx="minor">
+            <a:schemeClr val="dk1"/>
+          </a:fontRef>
+        </p:style>
+        <p:txBody>
+          <a:bodyPr rtlCol="0" anchor="ctr"/>
+          <a:lstStyle/>
+          <a:p>
+            <a:pPr algn="ctr"/>
+            <a:r>
+              <a:rPr lang="en-US" sz="1050" dirty="0">
+                <a:solidFill>
+                  <a:srgbClr val="7030A0"/>
+                </a:solidFill>
+              </a:rPr>
+              <a:t>Admin</a:t>
+            </a:r>
+            <a:endParaRPr lang="en-SG" sz="1050" dirty="0">
+              <a:solidFill>
+                <a:srgbClr val="7030A0"/>
+              </a:solidFill>
+            </a:endParaRPr>
+          </a:p>
+        </p:txBody>
+      </p:sp>
+      <p:sp>
+        <p:nvSpPr>
+          <p:cNvPr id="88" name="Flowchart: Decision 96">
+            <a:extLst>
+              <a:ext uri="{FF2B5EF4-FFF2-40B4-BE49-F238E27FC236}">
+                <a16:creationId xmlns:a16="http://schemas.microsoft.com/office/drawing/2014/main" id="{CEBB3BA1-2193-4C41-B8D7-2D5D4CABC993}"/>
+              </a:ext>
+            </a:extLst>
+          </p:cNvPr>
+          <p:cNvSpPr/>
+          <p:nvPr/>
+        </p:nvSpPr>
+        <p:spPr>
+          <a:xfrm>
+            <a:off x="5861568" y="2486575"/>
+            <a:ext cx="236048" cy="173380"/>
+          </a:xfrm>
+          <a:prstGeom prst="flowChartDecision">
+            <a:avLst/>
+          </a:prstGeom>
+          <a:noFill/>
+          <a:ln w="19050">
+            <a:solidFill>
+              <a:srgbClr val="7030A0"/>
+            </a:solidFill>
+          </a:ln>
+          <a:effectLst/>
+        </p:spPr>
+        <p:style>
+          <a:lnRef idx="1">
+            <a:schemeClr val="accent6"/>
+          </a:lnRef>
+          <a:fillRef idx="2">
+            <a:schemeClr val="accent6"/>
+          </a:fillRef>
+          <a:effectRef idx="1">
+            <a:schemeClr val="accent6"/>
+          </a:effectRef>
+          <a:fontRef idx="minor">
+            <a:schemeClr val="dk1"/>
+          </a:fontRef>
+        </p:style>
+        <p:txBody>
+          <a:bodyPr rtlCol="0" anchor="ctr"/>
+          <a:lstStyle/>
+          <a:p>
+            <a:pPr algn="ctr"/>
+            <a:endParaRPr lang="en-US" sz="1050"/>
+          </a:p>
+        </p:txBody>
+      </p:sp>
+      <p:cxnSp>
+        <p:nvCxnSpPr>
+          <p:cNvPr id="89" name="Elbow Connector 63">
+            <a:extLst>
+              <a:ext uri="{FF2B5EF4-FFF2-40B4-BE49-F238E27FC236}">
+                <a16:creationId xmlns:a16="http://schemas.microsoft.com/office/drawing/2014/main" id="{D5B73A90-8A96-426D-B950-62E6A856C2AA}"/>
+              </a:ext>
+            </a:extLst>
+          </p:cNvPr>
+          <p:cNvCxnSpPr>
+            <a:cxnSpLocks/>
+            <a:stCxn id="88" idx="3"/>
+            <a:endCxn id="87" idx="1"/>
+          </p:cNvCxnSpPr>
+          <p:nvPr/>
+        </p:nvCxnSpPr>
+        <p:spPr>
+          <a:xfrm>
+            <a:off x="6097616" y="2573265"/>
+            <a:ext cx="189894" cy="2203"/>
+          </a:xfrm>
+          <a:prstGeom prst="bentConnector3">
+            <a:avLst>
+              <a:gd name="adj1" fmla="val 50000"/>
+            </a:avLst>
+          </a:prstGeom>
+          <a:ln w="19050">
+            <a:solidFill>
+              <a:srgbClr val="7030A0"/>
+            </a:solidFill>
+            <a:headEnd type="none" w="med" len="med"/>
+            <a:tailEnd type="arrow" w="med" len="med"/>
+          </a:ln>
+          <a:effectLst/>
+        </p:spPr>
+        <p:style>
+          <a:lnRef idx="1">
+            <a:schemeClr val="accent2"/>
+          </a:lnRef>
+          <a:fillRef idx="2">
+            <a:schemeClr val="accent2"/>
+          </a:fillRef>
+          <a:effectRef idx="1">
+            <a:schemeClr val="accent2"/>
+          </a:effectRef>
+          <a:fontRef idx="minor">
+            <a:schemeClr val="dk1"/>
+          </a:fontRef>
+        </p:style>
+      </p:cxnSp>
+      <p:sp>
+        <p:nvSpPr>
+          <p:cNvPr id="90" name="Flowchart: Decision 96">
+            <a:extLst>
+              <a:ext uri="{FF2B5EF4-FFF2-40B4-BE49-F238E27FC236}">
+                <a16:creationId xmlns:a16="http://schemas.microsoft.com/office/drawing/2014/main" id="{F61F44C8-A9B8-4A8A-AD05-1B7E4F777787}"/>
+              </a:ext>
+            </a:extLst>
+          </p:cNvPr>
+          <p:cNvSpPr/>
+          <p:nvPr/>
+        </p:nvSpPr>
+        <p:spPr>
+          <a:xfrm>
+            <a:off x="6995696" y="2486575"/>
+            <a:ext cx="236048" cy="173380"/>
+          </a:xfrm>
+          <a:prstGeom prst="flowChartDecision">
+            <a:avLst/>
+          </a:prstGeom>
+          <a:solidFill>
+            <a:srgbClr val="7030A0"/>
+          </a:solidFill>
+          <a:ln w="19050">
+            <a:solidFill>
+              <a:srgbClr val="7030A0"/>
+            </a:solidFill>
+          </a:ln>
+          <a:effectLst/>
+        </p:spPr>
+        <p:style>
+          <a:lnRef idx="1">
+            <a:schemeClr val="accent6"/>
+          </a:lnRef>
+          <a:fillRef idx="2">
+            <a:schemeClr val="accent6"/>
+          </a:fillRef>
+          <a:effectRef idx="1">
+            <a:schemeClr val="accent6"/>
+          </a:effectRef>
+          <a:fontRef idx="minor">
+            <a:schemeClr val="dk1"/>
+          </a:fontRef>
+        </p:style>
+        <p:txBody>
+          <a:bodyPr rtlCol="0" anchor="ctr"/>
+          <a:lstStyle/>
+          <a:p>
+            <a:pPr algn="ctr"/>
+            <a:endParaRPr lang="en-US" sz="1050"/>
+          </a:p>
+        </p:txBody>
+      </p:sp>
+      <p:cxnSp>
+        <p:nvCxnSpPr>
+          <p:cNvPr id="91" name="Elbow Connector 78">
+            <a:extLst>
+              <a:ext uri="{FF2B5EF4-FFF2-40B4-BE49-F238E27FC236}">
+                <a16:creationId xmlns:a16="http://schemas.microsoft.com/office/drawing/2014/main" id="{F63D8190-1F79-412D-A570-C7EB41B47F55}"/>
+              </a:ext>
+            </a:extLst>
+          </p:cNvPr>
+          <p:cNvCxnSpPr>
+            <a:cxnSpLocks/>
+            <a:stCxn id="90" idx="3"/>
+            <a:endCxn id="92" idx="1"/>
+          </p:cNvCxnSpPr>
+          <p:nvPr/>
+        </p:nvCxnSpPr>
+        <p:spPr>
+          <a:xfrm flipV="1">
+            <a:off x="7231744" y="1486838"/>
+            <a:ext cx="386023" cy="1086427"/>
+          </a:xfrm>
+          <a:prstGeom prst="bentConnector3">
+            <a:avLst>
+              <a:gd name="adj1" fmla="val 50000"/>
+            </a:avLst>
+          </a:prstGeom>
+          <a:ln w="19050">
+            <a:solidFill>
+              <a:srgbClr val="7030A0"/>
+            </a:solidFill>
+            <a:headEnd type="none" w="med" len="med"/>
+            <a:tailEnd type="arrow" w="med" len="med"/>
+          </a:ln>
+          <a:effectLst/>
+        </p:spPr>
+        <p:style>
+          <a:lnRef idx="1">
+            <a:schemeClr val="accent2"/>
+          </a:lnRef>
+          <a:fillRef idx="2">
+            <a:schemeClr val="accent2"/>
+          </a:fillRef>
+          <a:effectRef idx="1">
+            <a:schemeClr val="accent2"/>
+          </a:effectRef>
+          <a:fontRef idx="minor">
+            <a:schemeClr val="dk1"/>
+          </a:fontRef>
+        </p:style>
+      </p:cxnSp>
+      <p:sp>
+        <p:nvSpPr>
+          <p:cNvPr id="92" name="Rectangle 8">
+            <a:extLst>
+              <a:ext uri="{FF2B5EF4-FFF2-40B4-BE49-F238E27FC236}">
+                <a16:creationId xmlns:a16="http://schemas.microsoft.com/office/drawing/2014/main" id="{32E9A715-EC5A-400A-B74E-D05A8EB16E0B}"/>
+              </a:ext>
+            </a:extLst>
+          </p:cNvPr>
+          <p:cNvSpPr/>
+          <p:nvPr/>
+        </p:nvSpPr>
+        <p:spPr>
+          <a:xfrm>
+            <a:off x="7617767" y="1343946"/>
+            <a:ext cx="802815" cy="285783"/>
+          </a:xfrm>
+          <a:prstGeom prst="rect">
+            <a:avLst/>
+          </a:prstGeom>
+          <a:ln w="19050">
+            <a:solidFill>
+              <a:srgbClr val="7030A0"/>
+            </a:solidFill>
+          </a:ln>
+          <a:effectLst/>
+        </p:spPr>
+        <p:style>
+          <a:lnRef idx="1">
+            <a:schemeClr val="accent4"/>
+          </a:lnRef>
+          <a:fillRef idx="2">
+            <a:schemeClr val="accent4"/>
+          </a:fillRef>
+          <a:effectRef idx="1">
+            <a:schemeClr val="accent4"/>
+          </a:effectRef>
+          <a:fontRef idx="minor">
+            <a:schemeClr val="dk1"/>
+          </a:fontRef>
+        </p:style>
+        <p:txBody>
+          <a:bodyPr rtlCol="0" anchor="ctr"/>
+          <a:lstStyle/>
+          <a:p>
+            <a:pPr algn="ctr"/>
+            <a:r>
+              <a:rPr lang="en-US" sz="1050" dirty="0">
+                <a:solidFill>
+                  <a:srgbClr val="7030A0"/>
+                </a:solidFill>
+              </a:rPr>
+              <a:t>Username</a:t>
+            </a:r>
+            <a:endParaRPr lang="en-SG" sz="1050" dirty="0">
+              <a:solidFill>
+                <a:srgbClr val="7030A0"/>
+              </a:solidFill>
+            </a:endParaRPr>
+          </a:p>
+        </p:txBody>
+      </p:sp>
+      <p:sp>
+        <p:nvSpPr>
+          <p:cNvPr id="98" name="Rectangle 8">
+            <a:extLst>
+              <a:ext uri="{FF2B5EF4-FFF2-40B4-BE49-F238E27FC236}">
+                <a16:creationId xmlns:a16="http://schemas.microsoft.com/office/drawing/2014/main" id="{AD43284B-15FB-4344-B6A8-6D02497B80E5}"/>
+              </a:ext>
+            </a:extLst>
+          </p:cNvPr>
+          <p:cNvSpPr/>
+          <p:nvPr/>
+        </p:nvSpPr>
+        <p:spPr>
+          <a:xfrm>
+            <a:off x="7617768" y="1701489"/>
+            <a:ext cx="802815" cy="285783"/>
+          </a:xfrm>
+          <a:prstGeom prst="rect">
+            <a:avLst/>
+          </a:prstGeom>
+          <a:ln w="19050">
+            <a:solidFill>
+              <a:srgbClr val="7030A0"/>
+            </a:solidFill>
+          </a:ln>
+          <a:effectLst/>
+        </p:spPr>
+        <p:style>
+          <a:lnRef idx="1">
+            <a:schemeClr val="accent4"/>
+          </a:lnRef>
+          <a:fillRef idx="2">
+            <a:schemeClr val="accent4"/>
+          </a:fillRef>
+          <a:effectRef idx="1">
+            <a:schemeClr val="accent4"/>
+          </a:effectRef>
+          <a:fontRef idx="minor">
+            <a:schemeClr val="dk1"/>
+          </a:fontRef>
+        </p:style>
+        <p:txBody>
+          <a:bodyPr rtlCol="0" anchor="ctr"/>
+          <a:lstStyle/>
+          <a:p>
+            <a:pPr algn="ctr"/>
+            <a:r>
+              <a:rPr lang="en-US" sz="1050" dirty="0">
+                <a:solidFill>
+                  <a:srgbClr val="7030A0"/>
+                </a:solidFill>
+              </a:rPr>
+              <a:t>Password</a:t>
+            </a:r>
+            <a:endParaRPr lang="en-SG" sz="1050" dirty="0">
+              <a:solidFill>
+                <a:srgbClr val="7030A0"/>
+              </a:solidFill>
+            </a:endParaRPr>
+          </a:p>
+        </p:txBody>
+      </p:sp>
+      <p:cxnSp>
+        <p:nvCxnSpPr>
+          <p:cNvPr id="101" name="Elbow Connector 78">
+            <a:extLst>
+              <a:ext uri="{FF2B5EF4-FFF2-40B4-BE49-F238E27FC236}">
+                <a16:creationId xmlns:a16="http://schemas.microsoft.com/office/drawing/2014/main" id="{7C844078-B987-40E4-B4F2-85BD7552F5C0}"/>
+              </a:ext>
+            </a:extLst>
+          </p:cNvPr>
+          <p:cNvCxnSpPr>
+            <a:cxnSpLocks/>
+            <a:stCxn id="90" idx="3"/>
+            <a:endCxn id="98" idx="1"/>
+          </p:cNvCxnSpPr>
+          <p:nvPr/>
+        </p:nvCxnSpPr>
+        <p:spPr>
+          <a:xfrm flipV="1">
+            <a:off x="7231744" y="1844381"/>
+            <a:ext cx="386024" cy="728884"/>
+          </a:xfrm>
+          <a:prstGeom prst="bentConnector3">
+            <a:avLst>
+              <a:gd name="adj1" fmla="val 50000"/>
+            </a:avLst>
+          </a:prstGeom>
+          <a:ln w="19050">
+            <a:solidFill>
+              <a:srgbClr val="7030A0"/>
+            </a:solidFill>
+            <a:headEnd type="none" w="med" len="med"/>
+            <a:tailEnd type="arrow" w="med" len="med"/>
           </a:ln>
           <a:effectLst/>
         </p:spPr>

--- a/docs/diagrams/ModelComponentClassDiagram.pptx
+++ b/docs/diagrams/ModelComponentClassDiagram.pptx
@@ -208,7 +208,7 @@
           <a:p>
             <a:fld id="{F5CC4B3F-88C1-4FFA-B1B6-F41C21DC6924}" type="datetimeFigureOut">
               <a:rPr lang="en-US" smtClean="0"/>
-              <a:t>9/29/2018</a:t>
+              <a:t>10/15/2018</a:t>
             </a:fld>
             <a:endParaRPr lang="en-US"/>
           </a:p>
@@ -654,7 +654,7 @@
           <a:p>
             <a:fld id="{78C97017-6FC3-485B-9764-EAC9E56C1D49}" type="datetimeFigureOut">
               <a:rPr lang="en-US" smtClean="0"/>
-              <a:t>9/29/2018</a:t>
+              <a:t>10/15/2018</a:t>
             </a:fld>
             <a:endParaRPr lang="en-US"/>
           </a:p>
@@ -822,7 +822,7 @@
           <a:p>
             <a:fld id="{78C97017-6FC3-485B-9764-EAC9E56C1D49}" type="datetimeFigureOut">
               <a:rPr lang="en-US" smtClean="0"/>
-              <a:t>9/29/2018</a:t>
+              <a:t>10/15/2018</a:t>
             </a:fld>
             <a:endParaRPr lang="en-US"/>
           </a:p>
@@ -1000,7 +1000,7 @@
           <a:p>
             <a:fld id="{78C97017-6FC3-485B-9764-EAC9E56C1D49}" type="datetimeFigureOut">
               <a:rPr lang="en-US" smtClean="0"/>
-              <a:t>9/29/2018</a:t>
+              <a:t>10/15/2018</a:t>
             </a:fld>
             <a:endParaRPr lang="en-US"/>
           </a:p>
@@ -1168,7 +1168,7 @@
           <a:p>
             <a:fld id="{78C97017-6FC3-485B-9764-EAC9E56C1D49}" type="datetimeFigureOut">
               <a:rPr lang="en-US" smtClean="0"/>
-              <a:t>9/29/2018</a:t>
+              <a:t>10/15/2018</a:t>
             </a:fld>
             <a:endParaRPr lang="en-US"/>
           </a:p>
@@ -1413,7 +1413,7 @@
           <a:p>
             <a:fld id="{78C97017-6FC3-485B-9764-EAC9E56C1D49}" type="datetimeFigureOut">
               <a:rPr lang="en-US" smtClean="0"/>
-              <a:t>9/29/2018</a:t>
+              <a:t>10/15/2018</a:t>
             </a:fld>
             <a:endParaRPr lang="en-US"/>
           </a:p>
@@ -1698,7 +1698,7 @@
           <a:p>
             <a:fld id="{78C97017-6FC3-485B-9764-EAC9E56C1D49}" type="datetimeFigureOut">
               <a:rPr lang="en-US" smtClean="0"/>
-              <a:t>9/29/2018</a:t>
+              <a:t>10/15/2018</a:t>
             </a:fld>
             <a:endParaRPr lang="en-US"/>
           </a:p>
@@ -2117,7 +2117,7 @@
           <a:p>
             <a:fld id="{78C97017-6FC3-485B-9764-EAC9E56C1D49}" type="datetimeFigureOut">
               <a:rPr lang="en-US" smtClean="0"/>
-              <a:t>9/29/2018</a:t>
+              <a:t>10/15/2018</a:t>
             </a:fld>
             <a:endParaRPr lang="en-US"/>
           </a:p>
@@ -2234,7 +2234,7 @@
           <a:p>
             <a:fld id="{78C97017-6FC3-485B-9764-EAC9E56C1D49}" type="datetimeFigureOut">
               <a:rPr lang="en-US" smtClean="0"/>
-              <a:t>9/29/2018</a:t>
+              <a:t>10/15/2018</a:t>
             </a:fld>
             <a:endParaRPr lang="en-US"/>
           </a:p>
@@ -2329,7 +2329,7 @@
           <a:p>
             <a:fld id="{78C97017-6FC3-485B-9764-EAC9E56C1D49}" type="datetimeFigureOut">
               <a:rPr lang="en-US" smtClean="0"/>
-              <a:t>9/29/2018</a:t>
+              <a:t>10/15/2018</a:t>
             </a:fld>
             <a:endParaRPr lang="en-US"/>
           </a:p>
@@ -2604,7 +2604,7 @@
           <a:p>
             <a:fld id="{78C97017-6FC3-485B-9764-EAC9E56C1D49}" type="datetimeFigureOut">
               <a:rPr lang="en-US" smtClean="0"/>
-              <a:t>9/29/2018</a:t>
+              <a:t>10/15/2018</a:t>
             </a:fld>
             <a:endParaRPr lang="en-US"/>
           </a:p>
@@ -2856,7 +2856,7 @@
           <a:p>
             <a:fld id="{78C97017-6FC3-485B-9764-EAC9E56C1D49}" type="datetimeFigureOut">
               <a:rPr lang="en-US" smtClean="0"/>
-              <a:t>9/29/2018</a:t>
+              <a:t>10/15/2018</a:t>
             </a:fld>
             <a:endParaRPr lang="en-US"/>
           </a:p>
@@ -3067,7 +3067,7 @@
           <a:p>
             <a:fld id="{78C97017-6FC3-485B-9764-EAC9E56C1D49}" type="datetimeFigureOut">
               <a:rPr lang="en-US" smtClean="0"/>
-              <a:t>9/29/2018</a:t>
+              <a:t>10/15/2018</a:t>
             </a:fld>
             <a:endParaRPr lang="en-US"/>
           </a:p>
@@ -3450,8 +3450,8 @@
         </p:nvSpPr>
         <p:spPr>
           <a:xfrm>
-            <a:off x="1143000" y="1143000"/>
-            <a:ext cx="7467600" cy="3581400"/>
+            <a:off x="304801" y="242900"/>
+            <a:ext cx="8839200" cy="5846757"/>
           </a:xfrm>
           <a:prstGeom prst="roundRect">
             <a:avLst>
@@ -3511,7 +3511,7 @@
         </p:nvSpPr>
         <p:spPr>
           <a:xfrm>
-            <a:off x="2877180" y="3463240"/>
+            <a:off x="2109668" y="4443703"/>
             <a:ext cx="1093635" cy="346760"/>
           </a:xfrm>
           <a:prstGeom prst="rect">
@@ -3570,7 +3570,7 @@
         </p:nvSpPr>
         <p:spPr>
           <a:xfrm rot="16200000">
-            <a:off x="1661548" y="3097750"/>
+            <a:off x="894036" y="4078213"/>
             <a:ext cx="1093635" cy="346760"/>
           </a:xfrm>
           <a:prstGeom prst="rect">
@@ -3633,7 +3633,7 @@
         </p:nvCxnSpPr>
         <p:spPr>
           <a:xfrm rot="5400000" flipH="1" flipV="1">
-            <a:off x="4131507" y="1281685"/>
+            <a:off x="3363995" y="2262148"/>
             <a:ext cx="613122" cy="4459404"/>
           </a:xfrm>
           <a:prstGeom prst="bentConnector3">
@@ -3674,7 +3674,7 @@
         </p:nvSpPr>
         <p:spPr>
           <a:xfrm rot="16200000">
-            <a:off x="956202" y="2861202"/>
+            <a:off x="188690" y="3841665"/>
             <a:ext cx="1093635" cy="346760"/>
           </a:xfrm>
           <a:prstGeom prst="rect">
@@ -3744,7 +3744,7 @@
         </p:nvSpPr>
         <p:spPr>
           <a:xfrm rot="16200000">
-            <a:off x="1626910" y="2952291"/>
+            <a:off x="859398" y="3932754"/>
             <a:ext cx="270504" cy="175523"/>
           </a:xfrm>
           <a:prstGeom prst="triangle">
@@ -3794,7 +3794,7 @@
         </p:nvCxnSpPr>
         <p:spPr>
           <a:xfrm>
-            <a:off x="2609828" y="3636620"/>
+            <a:off x="1842316" y="4617083"/>
             <a:ext cx="267352" cy="0"/>
           </a:xfrm>
           <a:prstGeom prst="straightConnector1">
@@ -3832,7 +3832,7 @@
         </p:nvCxnSpPr>
         <p:spPr>
           <a:xfrm>
-            <a:off x="910091" y="3040053"/>
+            <a:off x="179843" y="4006467"/>
             <a:ext cx="419548" cy="2860"/>
           </a:xfrm>
           <a:prstGeom prst="bentConnector3">
@@ -3877,7 +3877,7 @@
         </p:nvCxnSpPr>
         <p:spPr>
           <a:xfrm flipV="1">
-            <a:off x="1849924" y="3040052"/>
+            <a:off x="1082412" y="4020515"/>
             <a:ext cx="216105" cy="1"/>
           </a:xfrm>
           <a:prstGeom prst="line">
@@ -3916,7 +3916,7 @@
         </p:nvSpPr>
         <p:spPr>
           <a:xfrm>
-            <a:off x="2373780" y="3549930"/>
+            <a:off x="1606268" y="4530393"/>
             <a:ext cx="236048" cy="173380"/>
           </a:xfrm>
           <a:prstGeom prst="flowChartDecision">
@@ -3961,7 +3961,7 @@
         </p:nvSpPr>
         <p:spPr>
           <a:xfrm>
-            <a:off x="2825280" y="2846162"/>
+            <a:off x="2057768" y="3826625"/>
             <a:ext cx="1490560" cy="334856"/>
           </a:xfrm>
           <a:prstGeom prst="rect">
@@ -4020,7 +4020,7 @@
         </p:nvCxnSpPr>
         <p:spPr>
           <a:xfrm>
-            <a:off x="2624360" y="3003033"/>
+            <a:off x="1856848" y="3983496"/>
             <a:ext cx="200920" cy="10557"/>
           </a:xfrm>
           <a:prstGeom prst="straightConnector1">
@@ -4058,7 +4058,7 @@
         </p:nvSpPr>
         <p:spPr>
           <a:xfrm>
-            <a:off x="2388312" y="2916343"/>
+            <a:off x="1620800" y="3896806"/>
             <a:ext cx="236048" cy="173380"/>
           </a:xfrm>
           <a:prstGeom prst="flowChartDecision">
@@ -4103,7 +4103,7 @@
         </p:nvSpPr>
         <p:spPr>
           <a:xfrm>
-            <a:off x="4692650" y="2846162"/>
+            <a:off x="3942751" y="3808105"/>
             <a:ext cx="1156969" cy="346760"/>
           </a:xfrm>
           <a:prstGeom prst="rect">
@@ -4159,7 +4159,7 @@
         </p:nvSpPr>
         <p:spPr>
           <a:xfrm>
-            <a:off x="4324972" y="2920532"/>
+            <a:off x="3557460" y="3900995"/>
             <a:ext cx="236048" cy="173380"/>
           </a:xfrm>
           <a:prstGeom prst="flowChartDecision">
@@ -4206,7 +4206,7 @@
         </p:nvSpPr>
         <p:spPr>
           <a:xfrm>
-            <a:off x="6313677" y="2858066"/>
+            <a:off x="5546165" y="3838529"/>
             <a:ext cx="708186" cy="346760"/>
           </a:xfrm>
           <a:prstGeom prst="rect">
@@ -4262,7 +4262,7 @@
         </p:nvSpPr>
         <p:spPr>
           <a:xfrm>
-            <a:off x="5858751" y="2941676"/>
+            <a:off x="5091239" y="3922139"/>
             <a:ext cx="236048" cy="173380"/>
           </a:xfrm>
           <a:prstGeom prst="flowChartDecision">
@@ -4310,7 +4310,7 @@
         </p:nvCxnSpPr>
         <p:spPr>
           <a:xfrm>
-            <a:off x="6094799" y="3028366"/>
+            <a:off x="5327287" y="4008829"/>
             <a:ext cx="218878" cy="3080"/>
           </a:xfrm>
           <a:prstGeom prst="bentConnector3">
@@ -4348,7 +4348,7 @@
         </p:nvSpPr>
         <p:spPr>
           <a:xfrm>
-            <a:off x="7712397" y="2564238"/>
+            <a:off x="7951440" y="4176025"/>
             <a:ext cx="708186" cy="285783"/>
           </a:xfrm>
           <a:prstGeom prst="rect">
@@ -4404,7 +4404,7 @@
         </p:nvSpPr>
         <p:spPr>
           <a:xfrm>
-            <a:off x="7041947" y="2948201"/>
+            <a:off x="6274435" y="3928664"/>
             <a:ext cx="236048" cy="173380"/>
           </a:xfrm>
           <a:prstGeom prst="flowChartDecision">
@@ -4448,13 +4448,14 @@
           <p:cNvPr id="79" name="Elbow Connector 78"/>
           <p:cNvCxnSpPr>
             <a:cxnSpLocks/>
+            <a:endCxn id="76" idx="1"/>
           </p:cNvCxnSpPr>
           <p:nvPr/>
         </p:nvCxnSpPr>
         <p:spPr>
-          <a:xfrm flipV="1">
-            <a:off x="7277995" y="2706821"/>
-            <a:ext cx="434402" cy="327761"/>
+          <a:xfrm>
+            <a:off x="6510483" y="4015046"/>
+            <a:ext cx="1440957" cy="303871"/>
           </a:xfrm>
           <a:prstGeom prst="bentConnector3">
             <a:avLst/>
@@ -4491,7 +4492,7 @@
         </p:nvSpPr>
         <p:spPr>
           <a:xfrm>
-            <a:off x="7712397" y="2887216"/>
+            <a:off x="7951440" y="4499003"/>
             <a:ext cx="708186" cy="285783"/>
           </a:xfrm>
           <a:prstGeom prst="rect">
@@ -4543,15 +4544,16 @@
         <p:nvCxnSpPr>
           <p:cNvPr id="81" name="Elbow Connector 80"/>
           <p:cNvCxnSpPr>
+            <a:cxnSpLocks/>
             <a:stCxn id="78" idx="3"/>
             <a:endCxn id="80" idx="1"/>
           </p:cNvCxnSpPr>
           <p:nvPr/>
         </p:nvCxnSpPr>
         <p:spPr>
-          <a:xfrm flipV="1">
-            <a:off x="7277995" y="3030108"/>
-            <a:ext cx="434402" cy="4783"/>
+          <a:xfrm>
+            <a:off x="6510483" y="4015354"/>
+            <a:ext cx="1440957" cy="626541"/>
           </a:xfrm>
           <a:prstGeom prst="bentConnector3">
             <a:avLst/>
@@ -4588,7 +4590,7 @@
         </p:nvSpPr>
         <p:spPr>
           <a:xfrm>
-            <a:off x="7712397" y="3210194"/>
+            <a:off x="7951440" y="4821981"/>
             <a:ext cx="708186" cy="285783"/>
           </a:xfrm>
           <a:prstGeom prst="rect">
@@ -4640,6 +4642,7 @@
         <p:nvCxnSpPr>
           <p:cNvPr id="84" name="Elbow Connector 83"/>
           <p:cNvCxnSpPr>
+            <a:cxnSpLocks/>
             <a:stCxn id="78" idx="3"/>
             <a:endCxn id="83" idx="1"/>
           </p:cNvCxnSpPr>
@@ -4647,8 +4650,8 @@
         </p:nvCxnSpPr>
         <p:spPr>
           <a:xfrm>
-            <a:off x="7277995" y="3034891"/>
-            <a:ext cx="434402" cy="318195"/>
+            <a:off x="6510483" y="4015354"/>
+            <a:ext cx="1440957" cy="949519"/>
           </a:xfrm>
           <a:prstGeom prst="bentConnector3">
             <a:avLst/>
@@ -4685,7 +4688,7 @@
         </p:nvSpPr>
         <p:spPr>
           <a:xfrm>
-            <a:off x="7712397" y="3533171"/>
+            <a:off x="7951440" y="5144958"/>
             <a:ext cx="708186" cy="285783"/>
           </a:xfrm>
           <a:prstGeom prst="rect">
@@ -4737,6 +4740,7 @@
         <p:nvCxnSpPr>
           <p:cNvPr id="86" name="Elbow Connector 85"/>
           <p:cNvCxnSpPr>
+            <a:cxnSpLocks/>
             <a:stCxn id="78" idx="3"/>
             <a:endCxn id="85" idx="1"/>
           </p:cNvCxnSpPr>
@@ -4744,8 +4748,8 @@
         </p:nvCxnSpPr>
         <p:spPr>
           <a:xfrm>
-            <a:off x="7277995" y="3034891"/>
-            <a:ext cx="434402" cy="641172"/>
+            <a:off x="6510483" y="4015354"/>
+            <a:ext cx="1440957" cy="1272496"/>
           </a:xfrm>
           <a:prstGeom prst="bentConnector3">
             <a:avLst/>
@@ -4784,7 +4788,7 @@
         </p:nvCxnSpPr>
         <p:spPr>
           <a:xfrm rot="5400000">
-            <a:off x="3553611" y="2687559"/>
+            <a:off x="2786099" y="3668022"/>
             <a:ext cx="293825" cy="5938"/>
           </a:xfrm>
           <a:prstGeom prst="bentConnector3">
@@ -4825,7 +4829,7 @@
         </p:nvSpPr>
         <p:spPr>
           <a:xfrm rot="10800000" flipV="1">
-            <a:off x="3562299" y="2386554"/>
+            <a:off x="2794787" y="3367017"/>
             <a:ext cx="282387" cy="157062"/>
           </a:xfrm>
           <a:prstGeom prst="triangle">
@@ -4873,7 +4877,7 @@
         </p:nvSpPr>
         <p:spPr>
           <a:xfrm>
-            <a:off x="1260922" y="1998350"/>
+            <a:off x="493410" y="2978813"/>
             <a:ext cx="1443661" cy="364396"/>
           </a:xfrm>
           <a:prstGeom prst="rect">
@@ -4944,8 +4948,8 @@
         </p:nvSpPr>
         <p:spPr>
           <a:xfrm rot="16200000">
-            <a:off x="6362886" y="3586305"/>
-            <a:ext cx="881018" cy="261610"/>
+            <a:off x="5660669" y="4374947"/>
+            <a:ext cx="881018" cy="430887"/>
           </a:xfrm>
           <a:prstGeom prst="rect">
             <a:avLst/>
@@ -4958,7 +4962,6 @@
           </a:bodyPr>
           <a:lstStyle/>
           <a:p>
-            <a:pPr algn="r"/>
             <a:r>
               <a:rPr lang="en-US" sz="1100" dirty="0">
                 <a:solidFill>
@@ -4967,6 +4970,21 @@
               </a:rPr>
               <a:t>filtered list</a:t>
             </a:r>
+            <a:br>
+              <a:rPr lang="en-US" sz="1100" dirty="0">
+                <a:solidFill>
+                  <a:srgbClr val="7030A0"/>
+                </a:solidFill>
+              </a:rPr>
+            </a:br>
+            <a:r>
+              <a:rPr lang="en-US" sz="1100" dirty="0">
+                <a:solidFill>
+                  <a:srgbClr val="7030A0"/>
+                </a:solidFill>
+              </a:rPr>
+              <a:t>for each</a:t>
+            </a:r>
             <a:endParaRPr lang="en-SG" sz="1100" dirty="0">
               <a:solidFill>
                 <a:srgbClr val="7030A0"/>
@@ -4983,7 +5001,7 @@
         </p:nvSpPr>
         <p:spPr>
           <a:xfrm>
-            <a:off x="2057401" y="4239491"/>
+            <a:off x="1289889" y="5219954"/>
             <a:ext cx="1066800" cy="346760"/>
           </a:xfrm>
           <a:prstGeom prst="rect">
@@ -5057,7 +5075,7 @@
         </p:nvCxnSpPr>
         <p:spPr>
           <a:xfrm rot="16200000" flipH="1">
-            <a:off x="1364475" y="3719944"/>
+            <a:off x="596963" y="4700407"/>
             <a:ext cx="831471" cy="554381"/>
           </a:xfrm>
           <a:prstGeom prst="bentConnector2">
@@ -5096,7 +5114,7 @@
         </p:nvSpPr>
         <p:spPr>
           <a:xfrm>
-            <a:off x="4429979" y="3111479"/>
+            <a:off x="3662467" y="4091942"/>
             <a:ext cx="189257" cy="178683"/>
           </a:xfrm>
           <a:prstGeom prst="rect">
@@ -5135,7 +5153,7 @@
         </p:nvSpPr>
         <p:spPr>
           <a:xfrm>
-            <a:off x="6135256" y="3097917"/>
+            <a:off x="5367744" y="4078380"/>
             <a:ext cx="189257" cy="178683"/>
           </a:xfrm>
           <a:prstGeom prst="rect">
@@ -5174,7 +5192,7 @@
         </p:nvSpPr>
         <p:spPr>
           <a:xfrm>
-            <a:off x="2573394" y="2756715"/>
+            <a:off x="1805882" y="3737178"/>
             <a:ext cx="170110" cy="137542"/>
           </a:xfrm>
           <a:prstGeom prst="rect">
@@ -5213,7 +5231,7 @@
         </p:nvSpPr>
         <p:spPr>
           <a:xfrm>
-            <a:off x="2707070" y="3667737"/>
+            <a:off x="1939558" y="4648200"/>
             <a:ext cx="189257" cy="178683"/>
           </a:xfrm>
           <a:prstGeom prst="rect">
@@ -5252,7 +5270,7 @@
         </p:nvSpPr>
         <p:spPr>
           <a:xfrm>
-            <a:off x="6449896" y="3204826"/>
+            <a:off x="5682384" y="4185289"/>
             <a:ext cx="189257" cy="178683"/>
           </a:xfrm>
           <a:prstGeom prst="rect">
@@ -5297,7 +5315,7 @@
         </p:nvSpPr>
         <p:spPr>
           <a:xfrm>
-            <a:off x="7712397" y="2228817"/>
+            <a:off x="7951440" y="3840604"/>
             <a:ext cx="708186" cy="285783"/>
           </a:xfrm>
           <a:prstGeom prst="rect">
@@ -5363,8 +5381,8 @@
         </p:nvCxnSpPr>
         <p:spPr>
           <a:xfrm flipV="1">
-            <a:off x="7277995" y="2371709"/>
-            <a:ext cx="434402" cy="663182"/>
+            <a:off x="6510483" y="3983496"/>
+            <a:ext cx="1440957" cy="31858"/>
           </a:xfrm>
           <a:prstGeom prst="bentConnector3">
             <a:avLst>
@@ -5409,7 +5427,7 @@
         </p:nvSpPr>
         <p:spPr>
           <a:xfrm>
-            <a:off x="7466243" y="2255711"/>
+            <a:off x="7738788" y="3823821"/>
             <a:ext cx="189257" cy="178683"/>
           </a:xfrm>
           <a:prstGeom prst="rect">
@@ -5448,7 +5466,7 @@
         </p:nvSpPr>
         <p:spPr>
           <a:xfrm>
-            <a:off x="3170181" y="1998350"/>
+            <a:off x="2402669" y="2978813"/>
             <a:ext cx="1060683" cy="364396"/>
           </a:xfrm>
           <a:prstGeom prst="rect">
@@ -5507,9 +5525,9 @@
           <p:nvPr/>
         </p:nvCxnSpPr>
         <p:spPr>
-          <a:xfrm>
-            <a:off x="4324972" y="3007222"/>
-            <a:ext cx="367678" cy="12320"/>
+          <a:xfrm flipV="1">
+            <a:off x="3557460" y="3981485"/>
+            <a:ext cx="385291" cy="6200"/>
           </a:xfrm>
           <a:prstGeom prst="straightConnector1">
             <a:avLst/>
@@ -5546,7 +5564,7 @@
         </p:nvSpPr>
         <p:spPr>
           <a:xfrm rot="16200000">
-            <a:off x="2669073" y="2069158"/>
+            <a:off x="1901561" y="3049621"/>
             <a:ext cx="271014" cy="187417"/>
           </a:xfrm>
           <a:prstGeom prst="triangle">
@@ -5601,7 +5619,7 @@
         </p:nvCxnSpPr>
         <p:spPr>
           <a:xfrm>
-            <a:off x="2898289" y="2177727"/>
+            <a:off x="2130777" y="3158190"/>
             <a:ext cx="271892" cy="2821"/>
           </a:xfrm>
           <a:prstGeom prst="bentConnector3">
@@ -5652,8 +5670,8 @@
         </p:nvCxnSpPr>
         <p:spPr>
           <a:xfrm rot="5400000" flipH="1" flipV="1">
-            <a:off x="4399674" y="2620486"/>
-            <a:ext cx="343368" cy="256724"/>
+            <a:off x="3397849" y="3377774"/>
+            <a:ext cx="800856" cy="245586"/>
           </a:xfrm>
           <a:prstGeom prst="bentConnector2">
             <a:avLst/>
@@ -5697,7 +5715,7 @@
         </p:nvSpPr>
         <p:spPr>
           <a:xfrm>
-            <a:off x="4699720" y="2403784"/>
+            <a:off x="3921070" y="2926759"/>
             <a:ext cx="1156969" cy="346760"/>
           </a:xfrm>
           <a:prstGeom prst="rect">
@@ -5759,7 +5777,7 @@
         </p:nvSpPr>
         <p:spPr>
           <a:xfrm>
-            <a:off x="6287510" y="2402088"/>
+            <a:off x="5631357" y="2897349"/>
             <a:ext cx="708186" cy="346760"/>
           </a:xfrm>
           <a:prstGeom prst="rect">
@@ -5821,7 +5839,7 @@
         </p:nvSpPr>
         <p:spPr>
           <a:xfrm>
-            <a:off x="5861568" y="2486575"/>
+            <a:off x="5077691" y="2975323"/>
             <a:ext cx="236048" cy="173380"/>
           </a:xfrm>
           <a:prstGeom prst="flowChartDecision">
@@ -5876,8 +5894,8 @@
         </p:nvCxnSpPr>
         <p:spPr>
           <a:xfrm>
-            <a:off x="6097616" y="2573265"/>
-            <a:ext cx="189894" cy="2203"/>
+            <a:off x="5313739" y="3062013"/>
+            <a:ext cx="317618" cy="8716"/>
           </a:xfrm>
           <a:prstGeom prst="bentConnector3">
             <a:avLst>
@@ -5922,7 +5940,7 @@
         </p:nvSpPr>
         <p:spPr>
           <a:xfrm>
-            <a:off x="6995696" y="2486575"/>
+            <a:off x="6353644" y="2964291"/>
             <a:ext cx="236048" cy="173380"/>
           </a:xfrm>
           <a:prstGeom prst="flowChartDecision">
@@ -5978,9 +5996,9 @@
           <p:nvPr/>
         </p:nvCxnSpPr>
         <p:spPr>
-          <a:xfrm flipV="1">
-            <a:off x="7231744" y="1486838"/>
-            <a:ext cx="386023" cy="1086427"/>
+          <a:xfrm>
+            <a:off x="6589692" y="3050981"/>
+            <a:ext cx="1334314" cy="173145"/>
           </a:xfrm>
           <a:prstGeom prst="bentConnector3">
             <a:avLst>
@@ -6025,7 +6043,7 @@
         </p:nvSpPr>
         <p:spPr>
           <a:xfrm>
-            <a:off x="7617767" y="1343946"/>
+            <a:off x="7924006" y="3081234"/>
             <a:ext cx="802815" cy="285783"/>
           </a:xfrm>
           <a:prstGeom prst="rect">
@@ -6087,7 +6105,7 @@
         </p:nvSpPr>
         <p:spPr>
           <a:xfrm>
-            <a:off x="7617768" y="1701489"/>
+            <a:off x="7924007" y="3438777"/>
             <a:ext cx="802815" cy="285783"/>
           </a:xfrm>
           <a:prstGeom prst="rect">
@@ -6152,9 +6170,9 @@
           <p:nvPr/>
         </p:nvCxnSpPr>
         <p:spPr>
-          <a:xfrm flipV="1">
-            <a:off x="7231744" y="1844381"/>
-            <a:ext cx="386024" cy="728884"/>
+          <a:xfrm>
+            <a:off x="6589692" y="3050981"/>
+            <a:ext cx="1334315" cy="530688"/>
           </a:xfrm>
           <a:prstGeom prst="bentConnector3">
             <a:avLst>
@@ -6185,6 +6203,1553 @@
           </a:fontRef>
         </p:style>
       </p:cxnSp>
+      <p:sp>
+        <p:nvSpPr>
+          <p:cNvPr id="57" name="Rectangle 8">
+            <a:extLst>
+              <a:ext uri="{FF2B5EF4-FFF2-40B4-BE49-F238E27FC236}">
+                <a16:creationId xmlns:a16="http://schemas.microsoft.com/office/drawing/2014/main" id="{922D981E-570A-482E-8800-1C57A76D76DA}"/>
+              </a:ext>
+            </a:extLst>
+          </p:cNvPr>
+          <p:cNvSpPr/>
+          <p:nvPr/>
+        </p:nvSpPr>
+        <p:spPr>
+          <a:xfrm>
+            <a:off x="3927199" y="2117151"/>
+            <a:ext cx="1164040" cy="346760"/>
+          </a:xfrm>
+          <a:prstGeom prst="rect">
+            <a:avLst/>
+          </a:prstGeom>
+          <a:ln w="19050">
+            <a:solidFill>
+              <a:srgbClr val="7030A0"/>
+            </a:solidFill>
+          </a:ln>
+          <a:effectLst/>
+        </p:spPr>
+        <p:style>
+          <a:lnRef idx="1">
+            <a:schemeClr val="accent4"/>
+          </a:lnRef>
+          <a:fillRef idx="2">
+            <a:schemeClr val="accent4"/>
+          </a:fillRef>
+          <a:effectRef idx="1">
+            <a:schemeClr val="accent4"/>
+          </a:effectRef>
+          <a:fontRef idx="minor">
+            <a:schemeClr val="dk1"/>
+          </a:fontRef>
+        </p:style>
+        <p:txBody>
+          <a:bodyPr rtlCol="0" anchor="ctr"/>
+          <a:lstStyle/>
+          <a:p>
+            <a:pPr algn="ctr"/>
+            <a:r>
+              <a:rPr lang="en-US" sz="1050" dirty="0" err="1">
+                <a:solidFill>
+                  <a:srgbClr val="7030A0"/>
+                </a:solidFill>
+              </a:rPr>
+              <a:t>UniqueJobList</a:t>
+            </a:r>
+            <a:endParaRPr lang="en-SG" sz="1050" dirty="0">
+              <a:solidFill>
+                <a:srgbClr val="7030A0"/>
+              </a:solidFill>
+            </a:endParaRPr>
+          </a:p>
+        </p:txBody>
+      </p:sp>
+      <p:cxnSp>
+        <p:nvCxnSpPr>
+          <p:cNvPr id="59" name="Elbow Connector 106">
+            <a:extLst>
+              <a:ext uri="{FF2B5EF4-FFF2-40B4-BE49-F238E27FC236}">
+                <a16:creationId xmlns:a16="http://schemas.microsoft.com/office/drawing/2014/main" id="{1A6AFCDA-BC83-4CD7-96D8-C83F466B295D}"/>
+              </a:ext>
+            </a:extLst>
+          </p:cNvPr>
+          <p:cNvCxnSpPr>
+            <a:cxnSpLocks/>
+            <a:stCxn id="51" idx="0"/>
+            <a:endCxn id="57" idx="1"/>
+          </p:cNvCxnSpPr>
+          <p:nvPr/>
+        </p:nvCxnSpPr>
+        <p:spPr>
+          <a:xfrm rot="5400000" flipH="1" flipV="1">
+            <a:off x="2996109" y="2969906"/>
+            <a:ext cx="1610464" cy="251715"/>
+          </a:xfrm>
+          <a:prstGeom prst="bentConnector2">
+            <a:avLst/>
+          </a:prstGeom>
+          <a:ln w="19050">
+            <a:solidFill>
+              <a:srgbClr val="7030A0"/>
+            </a:solidFill>
+            <a:prstDash val="solid"/>
+            <a:headEnd type="none" w="med" len="med"/>
+            <a:tailEnd type="arrow" w="med" len="med"/>
+          </a:ln>
+          <a:effectLst/>
+        </p:spPr>
+        <p:style>
+          <a:lnRef idx="1">
+            <a:schemeClr val="accent2"/>
+          </a:lnRef>
+          <a:fillRef idx="2">
+            <a:schemeClr val="accent2"/>
+          </a:fillRef>
+          <a:effectRef idx="1">
+            <a:schemeClr val="accent2"/>
+          </a:effectRef>
+          <a:fontRef idx="minor">
+            <a:schemeClr val="dk1"/>
+          </a:fontRef>
+        </p:style>
+      </p:cxnSp>
+      <p:sp>
+        <p:nvSpPr>
+          <p:cNvPr id="67" name="Rectangle 8">
+            <a:extLst>
+              <a:ext uri="{FF2B5EF4-FFF2-40B4-BE49-F238E27FC236}">
+                <a16:creationId xmlns:a16="http://schemas.microsoft.com/office/drawing/2014/main" id="{8741BBB6-782F-4D4D-BF1A-B6825A4E74CB}"/>
+              </a:ext>
+            </a:extLst>
+          </p:cNvPr>
+          <p:cNvSpPr/>
+          <p:nvPr/>
+        </p:nvSpPr>
+        <p:spPr>
+          <a:xfrm>
+            <a:off x="3922239" y="756663"/>
+            <a:ext cx="1164040" cy="346760"/>
+          </a:xfrm>
+          <a:prstGeom prst="rect">
+            <a:avLst/>
+          </a:prstGeom>
+          <a:ln w="19050">
+            <a:solidFill>
+              <a:srgbClr val="7030A0"/>
+            </a:solidFill>
+          </a:ln>
+          <a:effectLst/>
+        </p:spPr>
+        <p:style>
+          <a:lnRef idx="1">
+            <a:schemeClr val="accent4"/>
+          </a:lnRef>
+          <a:fillRef idx="2">
+            <a:schemeClr val="accent4"/>
+          </a:fillRef>
+          <a:effectRef idx="1">
+            <a:schemeClr val="accent4"/>
+          </a:effectRef>
+          <a:fontRef idx="minor">
+            <a:schemeClr val="dk1"/>
+          </a:fontRef>
+        </p:style>
+        <p:txBody>
+          <a:bodyPr rtlCol="0" anchor="ctr"/>
+          <a:lstStyle/>
+          <a:p>
+            <a:pPr algn="ctr"/>
+            <a:r>
+              <a:rPr lang="en-US" sz="900" dirty="0" err="1">
+                <a:solidFill>
+                  <a:srgbClr val="7030A0"/>
+                </a:solidFill>
+              </a:rPr>
+              <a:t>UniqueMachineList</a:t>
+            </a:r>
+            <a:endParaRPr lang="en-SG" sz="900" dirty="0">
+              <a:solidFill>
+                <a:srgbClr val="7030A0"/>
+              </a:solidFill>
+            </a:endParaRPr>
+          </a:p>
+        </p:txBody>
+      </p:sp>
+      <p:cxnSp>
+        <p:nvCxnSpPr>
+          <p:cNvPr id="71" name="Elbow Connector 106">
+            <a:extLst>
+              <a:ext uri="{FF2B5EF4-FFF2-40B4-BE49-F238E27FC236}">
+                <a16:creationId xmlns:a16="http://schemas.microsoft.com/office/drawing/2014/main" id="{4E6A6D33-6CFD-4AE4-BA22-BEE4FC9970DF}"/>
+              </a:ext>
+            </a:extLst>
+          </p:cNvPr>
+          <p:cNvCxnSpPr>
+            <a:cxnSpLocks/>
+            <a:stCxn id="51" idx="0"/>
+            <a:endCxn id="67" idx="1"/>
+          </p:cNvCxnSpPr>
+          <p:nvPr/>
+        </p:nvCxnSpPr>
+        <p:spPr>
+          <a:xfrm rot="5400000" flipH="1" flipV="1">
+            <a:off x="2313385" y="2292142"/>
+            <a:ext cx="2970952" cy="246755"/>
+          </a:xfrm>
+          <a:prstGeom prst="bentConnector2">
+            <a:avLst/>
+          </a:prstGeom>
+          <a:ln w="19050">
+            <a:solidFill>
+              <a:srgbClr val="7030A0"/>
+            </a:solidFill>
+            <a:prstDash val="solid"/>
+            <a:headEnd type="none" w="med" len="med"/>
+            <a:tailEnd type="arrow" w="med" len="med"/>
+          </a:ln>
+          <a:effectLst/>
+        </p:spPr>
+        <p:style>
+          <a:lnRef idx="1">
+            <a:schemeClr val="accent2"/>
+          </a:lnRef>
+          <a:fillRef idx="2">
+            <a:schemeClr val="accent2"/>
+          </a:fillRef>
+          <a:effectRef idx="1">
+            <a:schemeClr val="accent2"/>
+          </a:effectRef>
+          <a:fontRef idx="minor">
+            <a:schemeClr val="dk1"/>
+          </a:fontRef>
+        </p:style>
+      </p:cxnSp>
+      <p:sp>
+        <p:nvSpPr>
+          <p:cNvPr id="73" name="Flowchart: Decision 96">
+            <a:extLst>
+              <a:ext uri="{FF2B5EF4-FFF2-40B4-BE49-F238E27FC236}">
+                <a16:creationId xmlns:a16="http://schemas.microsoft.com/office/drawing/2014/main" id="{37F9E9DC-CB6B-4981-8CFA-AFE2B498146E}"/>
+              </a:ext>
+            </a:extLst>
+          </p:cNvPr>
+          <p:cNvSpPr/>
+          <p:nvPr/>
+        </p:nvSpPr>
+        <p:spPr>
+          <a:xfrm>
+            <a:off x="5077691" y="2233514"/>
+            <a:ext cx="236048" cy="173380"/>
+          </a:xfrm>
+          <a:prstGeom prst="flowChartDecision">
+            <a:avLst/>
+          </a:prstGeom>
+          <a:noFill/>
+          <a:ln w="19050">
+            <a:solidFill>
+              <a:srgbClr val="7030A0"/>
+            </a:solidFill>
+          </a:ln>
+          <a:effectLst/>
+        </p:spPr>
+        <p:style>
+          <a:lnRef idx="1">
+            <a:schemeClr val="accent6"/>
+          </a:lnRef>
+          <a:fillRef idx="2">
+            <a:schemeClr val="accent6"/>
+          </a:fillRef>
+          <a:effectRef idx="1">
+            <a:schemeClr val="accent6"/>
+          </a:effectRef>
+          <a:fontRef idx="minor">
+            <a:schemeClr val="dk1"/>
+          </a:fontRef>
+        </p:style>
+        <p:txBody>
+          <a:bodyPr rtlCol="0" anchor="ctr"/>
+          <a:lstStyle/>
+          <a:p>
+            <a:pPr algn="ctr"/>
+            <a:endParaRPr lang="en-US" sz="1050"/>
+          </a:p>
+        </p:txBody>
+      </p:sp>
+      <p:sp>
+        <p:nvSpPr>
+          <p:cNvPr id="74" name="Flowchart: Decision 96">
+            <a:extLst>
+              <a:ext uri="{FF2B5EF4-FFF2-40B4-BE49-F238E27FC236}">
+                <a16:creationId xmlns:a16="http://schemas.microsoft.com/office/drawing/2014/main" id="{E073083B-98F5-402A-8651-9EE9C8537F5D}"/>
+              </a:ext>
+            </a:extLst>
+          </p:cNvPr>
+          <p:cNvSpPr/>
+          <p:nvPr/>
+        </p:nvSpPr>
+        <p:spPr>
+          <a:xfrm>
+            <a:off x="5076029" y="852724"/>
+            <a:ext cx="236048" cy="173380"/>
+          </a:xfrm>
+          <a:prstGeom prst="flowChartDecision">
+            <a:avLst/>
+          </a:prstGeom>
+          <a:noFill/>
+          <a:ln w="19050">
+            <a:solidFill>
+              <a:srgbClr val="7030A0"/>
+            </a:solidFill>
+          </a:ln>
+          <a:effectLst/>
+        </p:spPr>
+        <p:style>
+          <a:lnRef idx="1">
+            <a:schemeClr val="accent6"/>
+          </a:lnRef>
+          <a:fillRef idx="2">
+            <a:schemeClr val="accent6"/>
+          </a:fillRef>
+          <a:effectRef idx="1">
+            <a:schemeClr val="accent6"/>
+          </a:effectRef>
+          <a:fontRef idx="minor">
+            <a:schemeClr val="dk1"/>
+          </a:fontRef>
+        </p:style>
+        <p:txBody>
+          <a:bodyPr rtlCol="0" anchor="ctr"/>
+          <a:lstStyle/>
+          <a:p>
+            <a:pPr algn="ctr"/>
+            <a:endParaRPr lang="en-US" sz="1050"/>
+          </a:p>
+        </p:txBody>
+      </p:sp>
+      <p:cxnSp>
+        <p:nvCxnSpPr>
+          <p:cNvPr id="77" name="Elbow Connector 63">
+            <a:extLst>
+              <a:ext uri="{FF2B5EF4-FFF2-40B4-BE49-F238E27FC236}">
+                <a16:creationId xmlns:a16="http://schemas.microsoft.com/office/drawing/2014/main" id="{87166F3F-0F0E-4020-B4A4-74E3835E46A8}"/>
+              </a:ext>
+            </a:extLst>
+          </p:cNvPr>
+          <p:cNvCxnSpPr>
+            <a:cxnSpLocks/>
+            <a:stCxn id="73" idx="3"/>
+            <a:endCxn id="94" idx="1"/>
+          </p:cNvCxnSpPr>
+          <p:nvPr/>
+        </p:nvCxnSpPr>
+        <p:spPr>
+          <a:xfrm>
+            <a:off x="5313739" y="2320204"/>
+            <a:ext cx="293844" cy="5649"/>
+          </a:xfrm>
+          <a:prstGeom prst="bentConnector3">
+            <a:avLst>
+              <a:gd name="adj1" fmla="val 50000"/>
+            </a:avLst>
+          </a:prstGeom>
+          <a:ln w="19050">
+            <a:solidFill>
+              <a:srgbClr val="7030A0"/>
+            </a:solidFill>
+            <a:headEnd type="none" w="med" len="med"/>
+            <a:tailEnd type="arrow" w="med" len="med"/>
+          </a:ln>
+          <a:effectLst/>
+        </p:spPr>
+        <p:style>
+          <a:lnRef idx="1">
+            <a:schemeClr val="accent2"/>
+          </a:lnRef>
+          <a:fillRef idx="2">
+            <a:schemeClr val="accent2"/>
+          </a:fillRef>
+          <a:effectRef idx="1">
+            <a:schemeClr val="accent2"/>
+          </a:effectRef>
+          <a:fontRef idx="minor">
+            <a:schemeClr val="dk1"/>
+          </a:fontRef>
+        </p:style>
+      </p:cxnSp>
+      <p:cxnSp>
+        <p:nvCxnSpPr>
+          <p:cNvPr id="93" name="Elbow Connector 63">
+            <a:extLst>
+              <a:ext uri="{FF2B5EF4-FFF2-40B4-BE49-F238E27FC236}">
+                <a16:creationId xmlns:a16="http://schemas.microsoft.com/office/drawing/2014/main" id="{03F0BE74-DA50-445B-8C7B-B3DF97B36E3F}"/>
+              </a:ext>
+            </a:extLst>
+          </p:cNvPr>
+          <p:cNvCxnSpPr>
+            <a:cxnSpLocks/>
+            <a:stCxn id="74" idx="3"/>
+            <a:endCxn id="95" idx="1"/>
+          </p:cNvCxnSpPr>
+          <p:nvPr/>
+        </p:nvCxnSpPr>
+        <p:spPr>
+          <a:xfrm>
+            <a:off x="5312077" y="939414"/>
+            <a:ext cx="295506" cy="2309"/>
+          </a:xfrm>
+          <a:prstGeom prst="bentConnector3">
+            <a:avLst>
+              <a:gd name="adj1" fmla="val 50000"/>
+            </a:avLst>
+          </a:prstGeom>
+          <a:ln w="19050">
+            <a:solidFill>
+              <a:srgbClr val="7030A0"/>
+            </a:solidFill>
+            <a:headEnd type="none" w="med" len="med"/>
+            <a:tailEnd type="arrow" w="med" len="med"/>
+          </a:ln>
+          <a:effectLst/>
+        </p:spPr>
+        <p:style>
+          <a:lnRef idx="1">
+            <a:schemeClr val="accent2"/>
+          </a:lnRef>
+          <a:fillRef idx="2">
+            <a:schemeClr val="accent2"/>
+          </a:fillRef>
+          <a:effectRef idx="1">
+            <a:schemeClr val="accent2"/>
+          </a:effectRef>
+          <a:fontRef idx="minor">
+            <a:schemeClr val="dk1"/>
+          </a:fontRef>
+        </p:style>
+      </p:cxnSp>
+      <p:sp>
+        <p:nvSpPr>
+          <p:cNvPr id="94" name="Rectangle 8">
+            <a:extLst>
+              <a:ext uri="{FF2B5EF4-FFF2-40B4-BE49-F238E27FC236}">
+                <a16:creationId xmlns:a16="http://schemas.microsoft.com/office/drawing/2014/main" id="{71A51955-8CD3-4434-9E40-4BC7F3243F18}"/>
+              </a:ext>
+            </a:extLst>
+          </p:cNvPr>
+          <p:cNvSpPr/>
+          <p:nvPr/>
+        </p:nvSpPr>
+        <p:spPr>
+          <a:xfrm>
+            <a:off x="5607583" y="2152473"/>
+            <a:ext cx="708186" cy="346760"/>
+          </a:xfrm>
+          <a:prstGeom prst="rect">
+            <a:avLst/>
+          </a:prstGeom>
+          <a:ln w="19050">
+            <a:solidFill>
+              <a:srgbClr val="7030A0"/>
+            </a:solidFill>
+          </a:ln>
+          <a:effectLst/>
+        </p:spPr>
+        <p:style>
+          <a:lnRef idx="1">
+            <a:schemeClr val="accent4"/>
+          </a:lnRef>
+          <a:fillRef idx="2">
+            <a:schemeClr val="accent4"/>
+          </a:fillRef>
+          <a:effectRef idx="1">
+            <a:schemeClr val="accent4"/>
+          </a:effectRef>
+          <a:fontRef idx="minor">
+            <a:schemeClr val="dk1"/>
+          </a:fontRef>
+        </p:style>
+        <p:txBody>
+          <a:bodyPr rtlCol="0" anchor="ctr"/>
+          <a:lstStyle/>
+          <a:p>
+            <a:pPr algn="ctr"/>
+            <a:r>
+              <a:rPr lang="en-US" sz="1050" dirty="0">
+                <a:solidFill>
+                  <a:srgbClr val="7030A0"/>
+                </a:solidFill>
+              </a:rPr>
+              <a:t>Job</a:t>
+            </a:r>
+            <a:endParaRPr lang="en-SG" sz="1050" dirty="0">
+              <a:solidFill>
+                <a:srgbClr val="7030A0"/>
+              </a:solidFill>
+            </a:endParaRPr>
+          </a:p>
+        </p:txBody>
+      </p:sp>
+      <p:sp>
+        <p:nvSpPr>
+          <p:cNvPr id="95" name="Rectangle 8">
+            <a:extLst>
+              <a:ext uri="{FF2B5EF4-FFF2-40B4-BE49-F238E27FC236}">
+                <a16:creationId xmlns:a16="http://schemas.microsoft.com/office/drawing/2014/main" id="{1526FEB3-E8CD-4684-955C-04DDF76C0368}"/>
+              </a:ext>
+            </a:extLst>
+          </p:cNvPr>
+          <p:cNvSpPr/>
+          <p:nvPr/>
+        </p:nvSpPr>
+        <p:spPr>
+          <a:xfrm>
+            <a:off x="5607583" y="768343"/>
+            <a:ext cx="708186" cy="346760"/>
+          </a:xfrm>
+          <a:prstGeom prst="rect">
+            <a:avLst/>
+          </a:prstGeom>
+          <a:ln w="19050">
+            <a:solidFill>
+              <a:srgbClr val="7030A0"/>
+            </a:solidFill>
+          </a:ln>
+          <a:effectLst/>
+        </p:spPr>
+        <p:style>
+          <a:lnRef idx="1">
+            <a:schemeClr val="accent4"/>
+          </a:lnRef>
+          <a:fillRef idx="2">
+            <a:schemeClr val="accent4"/>
+          </a:fillRef>
+          <a:effectRef idx="1">
+            <a:schemeClr val="accent4"/>
+          </a:effectRef>
+          <a:fontRef idx="minor">
+            <a:schemeClr val="dk1"/>
+          </a:fontRef>
+        </p:style>
+        <p:txBody>
+          <a:bodyPr rtlCol="0" anchor="ctr"/>
+          <a:lstStyle/>
+          <a:p>
+            <a:pPr algn="ctr"/>
+            <a:r>
+              <a:rPr lang="en-US" sz="1050" dirty="0">
+                <a:solidFill>
+                  <a:srgbClr val="7030A0"/>
+                </a:solidFill>
+              </a:rPr>
+              <a:t>Machine</a:t>
+            </a:r>
+            <a:endParaRPr lang="en-SG" sz="1050" dirty="0">
+              <a:solidFill>
+                <a:srgbClr val="7030A0"/>
+              </a:solidFill>
+            </a:endParaRPr>
+          </a:p>
+        </p:txBody>
+      </p:sp>
+      <p:sp>
+        <p:nvSpPr>
+          <p:cNvPr id="102" name="Flowchart: Decision 96">
+            <a:extLst>
+              <a:ext uri="{FF2B5EF4-FFF2-40B4-BE49-F238E27FC236}">
+                <a16:creationId xmlns:a16="http://schemas.microsoft.com/office/drawing/2014/main" id="{4BC51942-8D51-4C81-90A6-84629D6CE5E4}"/>
+              </a:ext>
+            </a:extLst>
+          </p:cNvPr>
+          <p:cNvSpPr/>
+          <p:nvPr/>
+        </p:nvSpPr>
+        <p:spPr>
+          <a:xfrm>
+            <a:off x="6311595" y="852724"/>
+            <a:ext cx="236048" cy="173380"/>
+          </a:xfrm>
+          <a:prstGeom prst="flowChartDecision">
+            <a:avLst/>
+          </a:prstGeom>
+          <a:solidFill>
+            <a:srgbClr val="7030A0"/>
+          </a:solidFill>
+          <a:ln w="19050">
+            <a:solidFill>
+              <a:srgbClr val="7030A0"/>
+            </a:solidFill>
+          </a:ln>
+          <a:effectLst/>
+        </p:spPr>
+        <p:style>
+          <a:lnRef idx="1">
+            <a:schemeClr val="accent6"/>
+          </a:lnRef>
+          <a:fillRef idx="2">
+            <a:schemeClr val="accent6"/>
+          </a:fillRef>
+          <a:effectRef idx="1">
+            <a:schemeClr val="accent6"/>
+          </a:effectRef>
+          <a:fontRef idx="minor">
+            <a:schemeClr val="dk1"/>
+          </a:fontRef>
+        </p:style>
+        <p:txBody>
+          <a:bodyPr rtlCol="0" anchor="ctr"/>
+          <a:lstStyle/>
+          <a:p>
+            <a:pPr algn="ctr"/>
+            <a:endParaRPr lang="en-US" sz="1050"/>
+          </a:p>
+        </p:txBody>
+      </p:sp>
+      <p:sp>
+        <p:nvSpPr>
+          <p:cNvPr id="103" name="Flowchart: Decision 96">
+            <a:extLst>
+              <a:ext uri="{FF2B5EF4-FFF2-40B4-BE49-F238E27FC236}">
+                <a16:creationId xmlns:a16="http://schemas.microsoft.com/office/drawing/2014/main" id="{6A463C38-BAA0-4B17-B275-E9F06D83FB01}"/>
+              </a:ext>
+            </a:extLst>
+          </p:cNvPr>
+          <p:cNvSpPr/>
+          <p:nvPr/>
+        </p:nvSpPr>
+        <p:spPr>
+          <a:xfrm>
+            <a:off x="6315769" y="2225391"/>
+            <a:ext cx="236048" cy="173380"/>
+          </a:xfrm>
+          <a:prstGeom prst="flowChartDecision">
+            <a:avLst/>
+          </a:prstGeom>
+          <a:solidFill>
+            <a:srgbClr val="7030A0"/>
+          </a:solidFill>
+          <a:ln w="19050">
+            <a:solidFill>
+              <a:srgbClr val="7030A0"/>
+            </a:solidFill>
+          </a:ln>
+          <a:effectLst/>
+        </p:spPr>
+        <p:style>
+          <a:lnRef idx="1">
+            <a:schemeClr val="accent6"/>
+          </a:lnRef>
+          <a:fillRef idx="2">
+            <a:schemeClr val="accent6"/>
+          </a:fillRef>
+          <a:effectRef idx="1">
+            <a:schemeClr val="accent6"/>
+          </a:effectRef>
+          <a:fontRef idx="minor">
+            <a:schemeClr val="dk1"/>
+          </a:fontRef>
+        </p:style>
+        <p:txBody>
+          <a:bodyPr rtlCol="0" anchor="ctr"/>
+          <a:lstStyle/>
+          <a:p>
+            <a:pPr algn="ctr"/>
+            <a:endParaRPr lang="en-US" sz="1050"/>
+          </a:p>
+        </p:txBody>
+      </p:sp>
+      <p:sp>
+        <p:nvSpPr>
+          <p:cNvPr id="105" name="Rectangle 8">
+            <a:extLst>
+              <a:ext uri="{FF2B5EF4-FFF2-40B4-BE49-F238E27FC236}">
+                <a16:creationId xmlns:a16="http://schemas.microsoft.com/office/drawing/2014/main" id="{854B11E3-2505-4E0A-AE6D-3F98080F35AF}"/>
+              </a:ext>
+            </a:extLst>
+          </p:cNvPr>
+          <p:cNvSpPr/>
+          <p:nvPr/>
+        </p:nvSpPr>
+        <p:spPr>
+          <a:xfrm>
+            <a:off x="7924006" y="2618033"/>
+            <a:ext cx="802815" cy="285783"/>
+          </a:xfrm>
+          <a:prstGeom prst="rect">
+            <a:avLst/>
+          </a:prstGeom>
+          <a:ln w="19050">
+            <a:solidFill>
+              <a:srgbClr val="7030A0"/>
+            </a:solidFill>
+          </a:ln>
+          <a:effectLst/>
+        </p:spPr>
+        <p:style>
+          <a:lnRef idx="1">
+            <a:schemeClr val="accent4"/>
+          </a:lnRef>
+          <a:fillRef idx="2">
+            <a:schemeClr val="accent4"/>
+          </a:fillRef>
+          <a:effectRef idx="1">
+            <a:schemeClr val="accent4"/>
+          </a:effectRef>
+          <a:fontRef idx="minor">
+            <a:schemeClr val="dk1"/>
+          </a:fontRef>
+        </p:style>
+        <p:txBody>
+          <a:bodyPr rtlCol="0" anchor="ctr"/>
+          <a:lstStyle/>
+          <a:p>
+            <a:pPr algn="ctr"/>
+            <a:r>
+              <a:rPr lang="en-US" sz="1050" dirty="0" err="1">
+                <a:solidFill>
+                  <a:srgbClr val="7030A0"/>
+                </a:solidFill>
+              </a:rPr>
+              <a:t>JobName</a:t>
+            </a:r>
+            <a:endParaRPr lang="en-SG" sz="1050" dirty="0">
+              <a:solidFill>
+                <a:srgbClr val="7030A0"/>
+              </a:solidFill>
+            </a:endParaRPr>
+          </a:p>
+        </p:txBody>
+      </p:sp>
+      <p:cxnSp>
+        <p:nvCxnSpPr>
+          <p:cNvPr id="131" name="Elbow Connector 78">
+            <a:extLst>
+              <a:ext uri="{FF2B5EF4-FFF2-40B4-BE49-F238E27FC236}">
+                <a16:creationId xmlns:a16="http://schemas.microsoft.com/office/drawing/2014/main" id="{D32DBDE2-C3AE-457B-90D4-7C4F8FA8D139}"/>
+              </a:ext>
+            </a:extLst>
+          </p:cNvPr>
+          <p:cNvCxnSpPr>
+            <a:cxnSpLocks/>
+            <a:stCxn id="103" idx="3"/>
+            <a:endCxn id="105" idx="1"/>
+          </p:cNvCxnSpPr>
+          <p:nvPr/>
+        </p:nvCxnSpPr>
+        <p:spPr>
+          <a:xfrm>
+            <a:off x="6551817" y="2312081"/>
+            <a:ext cx="1372189" cy="448844"/>
+          </a:xfrm>
+          <a:prstGeom prst="bentConnector3">
+            <a:avLst>
+              <a:gd name="adj1" fmla="val 50000"/>
+            </a:avLst>
+          </a:prstGeom>
+          <a:ln w="19050">
+            <a:solidFill>
+              <a:srgbClr val="7030A0"/>
+            </a:solidFill>
+            <a:headEnd type="none" w="med" len="med"/>
+            <a:tailEnd type="arrow" w="med" len="med"/>
+          </a:ln>
+          <a:effectLst/>
+        </p:spPr>
+        <p:style>
+          <a:lnRef idx="1">
+            <a:schemeClr val="accent2"/>
+          </a:lnRef>
+          <a:fillRef idx="2">
+            <a:schemeClr val="accent2"/>
+          </a:fillRef>
+          <a:effectRef idx="1">
+            <a:schemeClr val="accent2"/>
+          </a:effectRef>
+          <a:fontRef idx="minor">
+            <a:schemeClr val="dk1"/>
+          </a:fontRef>
+        </p:style>
+      </p:cxnSp>
+      <p:sp>
+        <p:nvSpPr>
+          <p:cNvPr id="134" name="Rectangle 8">
+            <a:extLst>
+              <a:ext uri="{FF2B5EF4-FFF2-40B4-BE49-F238E27FC236}">
+                <a16:creationId xmlns:a16="http://schemas.microsoft.com/office/drawing/2014/main" id="{5F32CB65-3074-4202-A33F-809F01C8B63C}"/>
+              </a:ext>
+            </a:extLst>
+          </p:cNvPr>
+          <p:cNvSpPr/>
+          <p:nvPr/>
+        </p:nvSpPr>
+        <p:spPr>
+          <a:xfrm>
+            <a:off x="7938357" y="2250720"/>
+            <a:ext cx="802815" cy="285783"/>
+          </a:xfrm>
+          <a:prstGeom prst="rect">
+            <a:avLst/>
+          </a:prstGeom>
+          <a:ln w="19050">
+            <a:solidFill>
+              <a:srgbClr val="7030A0"/>
+            </a:solidFill>
+          </a:ln>
+          <a:effectLst/>
+        </p:spPr>
+        <p:style>
+          <a:lnRef idx="1">
+            <a:schemeClr val="accent4"/>
+          </a:lnRef>
+          <a:fillRef idx="2">
+            <a:schemeClr val="accent4"/>
+          </a:fillRef>
+          <a:effectRef idx="1">
+            <a:schemeClr val="accent4"/>
+          </a:effectRef>
+          <a:fontRef idx="minor">
+            <a:schemeClr val="dk1"/>
+          </a:fontRef>
+        </p:style>
+        <p:txBody>
+          <a:bodyPr rtlCol="0" anchor="ctr"/>
+          <a:lstStyle/>
+          <a:p>
+            <a:pPr algn="ctr"/>
+            <a:r>
+              <a:rPr lang="en-US" sz="1050" dirty="0" err="1">
+                <a:solidFill>
+                  <a:srgbClr val="7030A0"/>
+                </a:solidFill>
+              </a:rPr>
+              <a:t>JobNote</a:t>
+            </a:r>
+            <a:endParaRPr lang="en-SG" sz="1050" dirty="0">
+              <a:solidFill>
+                <a:srgbClr val="7030A0"/>
+              </a:solidFill>
+            </a:endParaRPr>
+          </a:p>
+        </p:txBody>
+      </p:sp>
+      <p:cxnSp>
+        <p:nvCxnSpPr>
+          <p:cNvPr id="135" name="Elbow Connector 78">
+            <a:extLst>
+              <a:ext uri="{FF2B5EF4-FFF2-40B4-BE49-F238E27FC236}">
+                <a16:creationId xmlns:a16="http://schemas.microsoft.com/office/drawing/2014/main" id="{2F74F8B5-6E28-4721-8BFE-E940B61C6D68}"/>
+              </a:ext>
+            </a:extLst>
+          </p:cNvPr>
+          <p:cNvCxnSpPr>
+            <a:cxnSpLocks/>
+            <a:stCxn id="103" idx="3"/>
+            <a:endCxn id="134" idx="1"/>
+          </p:cNvCxnSpPr>
+          <p:nvPr/>
+        </p:nvCxnSpPr>
+        <p:spPr>
+          <a:xfrm>
+            <a:off x="6551817" y="2312081"/>
+            <a:ext cx="1386540" cy="81531"/>
+          </a:xfrm>
+          <a:prstGeom prst="bentConnector3">
+            <a:avLst>
+              <a:gd name="adj1" fmla="val 50000"/>
+            </a:avLst>
+          </a:prstGeom>
+          <a:ln w="19050">
+            <a:solidFill>
+              <a:srgbClr val="7030A0"/>
+            </a:solidFill>
+            <a:headEnd type="none" w="med" len="med"/>
+            <a:tailEnd type="arrow" w="med" len="med"/>
+          </a:ln>
+          <a:effectLst/>
+        </p:spPr>
+        <p:style>
+          <a:lnRef idx="1">
+            <a:schemeClr val="accent2"/>
+          </a:lnRef>
+          <a:fillRef idx="2">
+            <a:schemeClr val="accent2"/>
+          </a:fillRef>
+          <a:effectRef idx="1">
+            <a:schemeClr val="accent2"/>
+          </a:effectRef>
+          <a:fontRef idx="minor">
+            <a:schemeClr val="dk1"/>
+          </a:fontRef>
+        </p:style>
+      </p:cxnSp>
+      <p:sp>
+        <p:nvSpPr>
+          <p:cNvPr id="138" name="Rectangle 8">
+            <a:extLst>
+              <a:ext uri="{FF2B5EF4-FFF2-40B4-BE49-F238E27FC236}">
+                <a16:creationId xmlns:a16="http://schemas.microsoft.com/office/drawing/2014/main" id="{556D06F9-C36A-4534-B480-B13976F2CD1E}"/>
+              </a:ext>
+            </a:extLst>
+          </p:cNvPr>
+          <p:cNvSpPr/>
+          <p:nvPr/>
+        </p:nvSpPr>
+        <p:spPr>
+          <a:xfrm>
+            <a:off x="7919805" y="1854091"/>
+            <a:ext cx="802815" cy="285783"/>
+          </a:xfrm>
+          <a:prstGeom prst="rect">
+            <a:avLst/>
+          </a:prstGeom>
+          <a:ln w="19050">
+            <a:solidFill>
+              <a:srgbClr val="7030A0"/>
+            </a:solidFill>
+          </a:ln>
+          <a:effectLst/>
+        </p:spPr>
+        <p:style>
+          <a:lnRef idx="1">
+            <a:schemeClr val="accent4"/>
+          </a:lnRef>
+          <a:fillRef idx="2">
+            <a:schemeClr val="accent4"/>
+          </a:fillRef>
+          <a:effectRef idx="1">
+            <a:schemeClr val="accent4"/>
+          </a:effectRef>
+          <a:fontRef idx="minor">
+            <a:schemeClr val="dk1"/>
+          </a:fontRef>
+        </p:style>
+        <p:txBody>
+          <a:bodyPr rtlCol="0" anchor="ctr"/>
+          <a:lstStyle/>
+          <a:p>
+            <a:pPr algn="ctr"/>
+            <a:r>
+              <a:rPr lang="en-US" sz="1050" dirty="0" err="1">
+                <a:solidFill>
+                  <a:srgbClr val="7030A0"/>
+                </a:solidFill>
+              </a:rPr>
+              <a:t>TimeStamp</a:t>
+            </a:r>
+            <a:r>
+              <a:rPr lang="en-US" sz="1050" dirty="0">
+                <a:solidFill>
+                  <a:srgbClr val="7030A0"/>
+                </a:solidFill>
+              </a:rPr>
+              <a:t> </a:t>
+            </a:r>
+            <a:endParaRPr lang="en-SG" sz="1050" dirty="0">
+              <a:solidFill>
+                <a:srgbClr val="7030A0"/>
+              </a:solidFill>
+            </a:endParaRPr>
+          </a:p>
+        </p:txBody>
+      </p:sp>
+      <p:cxnSp>
+        <p:nvCxnSpPr>
+          <p:cNvPr id="139" name="Elbow Connector 78">
+            <a:extLst>
+              <a:ext uri="{FF2B5EF4-FFF2-40B4-BE49-F238E27FC236}">
+                <a16:creationId xmlns:a16="http://schemas.microsoft.com/office/drawing/2014/main" id="{65B0586E-EEB1-473D-9E5B-9E3B69CBA047}"/>
+              </a:ext>
+            </a:extLst>
+          </p:cNvPr>
+          <p:cNvCxnSpPr>
+            <a:cxnSpLocks/>
+            <a:stCxn id="103" idx="3"/>
+            <a:endCxn id="138" idx="1"/>
+          </p:cNvCxnSpPr>
+          <p:nvPr/>
+        </p:nvCxnSpPr>
+        <p:spPr>
+          <a:xfrm flipV="1">
+            <a:off x="6551817" y="1996983"/>
+            <a:ext cx="1367988" cy="315098"/>
+          </a:xfrm>
+          <a:prstGeom prst="bentConnector3">
+            <a:avLst>
+              <a:gd name="adj1" fmla="val 50000"/>
+            </a:avLst>
+          </a:prstGeom>
+          <a:ln w="19050">
+            <a:solidFill>
+              <a:srgbClr val="7030A0"/>
+            </a:solidFill>
+            <a:headEnd type="none" w="med" len="med"/>
+            <a:tailEnd type="arrow" w="med" len="med"/>
+          </a:ln>
+          <a:effectLst/>
+        </p:spPr>
+        <p:style>
+          <a:lnRef idx="1">
+            <a:schemeClr val="accent2"/>
+          </a:lnRef>
+          <a:fillRef idx="2">
+            <a:schemeClr val="accent2"/>
+          </a:fillRef>
+          <a:effectRef idx="1">
+            <a:schemeClr val="accent2"/>
+          </a:effectRef>
+          <a:fontRef idx="minor">
+            <a:schemeClr val="dk1"/>
+          </a:fontRef>
+        </p:style>
+      </p:cxnSp>
+      <p:sp>
+        <p:nvSpPr>
+          <p:cNvPr id="142" name="Rectangle 8">
+            <a:extLst>
+              <a:ext uri="{FF2B5EF4-FFF2-40B4-BE49-F238E27FC236}">
+                <a16:creationId xmlns:a16="http://schemas.microsoft.com/office/drawing/2014/main" id="{65DC92D2-4418-4CFC-9929-F51FBE58847E}"/>
+              </a:ext>
+            </a:extLst>
+          </p:cNvPr>
+          <p:cNvSpPr/>
+          <p:nvPr/>
+        </p:nvSpPr>
+        <p:spPr>
+          <a:xfrm>
+            <a:off x="7955436" y="615162"/>
+            <a:ext cx="802815" cy="285783"/>
+          </a:xfrm>
+          <a:prstGeom prst="rect">
+            <a:avLst/>
+          </a:prstGeom>
+          <a:ln w="19050">
+            <a:solidFill>
+              <a:srgbClr val="7030A0"/>
+            </a:solidFill>
+          </a:ln>
+          <a:effectLst/>
+        </p:spPr>
+        <p:style>
+          <a:lnRef idx="1">
+            <a:schemeClr val="accent4"/>
+          </a:lnRef>
+          <a:fillRef idx="2">
+            <a:schemeClr val="accent4"/>
+          </a:fillRef>
+          <a:effectRef idx="1">
+            <a:schemeClr val="accent4"/>
+          </a:effectRef>
+          <a:fontRef idx="minor">
+            <a:schemeClr val="dk1"/>
+          </a:fontRef>
+        </p:style>
+        <p:txBody>
+          <a:bodyPr rtlCol="0" anchor="ctr"/>
+          <a:lstStyle/>
+          <a:p>
+            <a:pPr algn="ctr"/>
+            <a:r>
+              <a:rPr lang="en-SG" sz="1050" dirty="0">
+                <a:solidFill>
+                  <a:srgbClr val="7030A0"/>
+                </a:solidFill>
+              </a:rPr>
+              <a:t>Tag</a:t>
+            </a:r>
+          </a:p>
+        </p:txBody>
+      </p:sp>
+      <p:sp>
+        <p:nvSpPr>
+          <p:cNvPr id="143" name="Rectangle 8">
+            <a:extLst>
+              <a:ext uri="{FF2B5EF4-FFF2-40B4-BE49-F238E27FC236}">
+                <a16:creationId xmlns:a16="http://schemas.microsoft.com/office/drawing/2014/main" id="{E4AE6698-6118-49A1-8DEC-F325F085E10A}"/>
+              </a:ext>
+            </a:extLst>
+          </p:cNvPr>
+          <p:cNvSpPr/>
+          <p:nvPr/>
+        </p:nvSpPr>
+        <p:spPr>
+          <a:xfrm>
+            <a:off x="7956213" y="972288"/>
+            <a:ext cx="802815" cy="285783"/>
+          </a:xfrm>
+          <a:prstGeom prst="rect">
+            <a:avLst/>
+          </a:prstGeom>
+          <a:ln w="19050">
+            <a:solidFill>
+              <a:srgbClr val="7030A0"/>
+            </a:solidFill>
+          </a:ln>
+          <a:effectLst/>
+        </p:spPr>
+        <p:style>
+          <a:lnRef idx="1">
+            <a:schemeClr val="accent4"/>
+          </a:lnRef>
+          <a:fillRef idx="2">
+            <a:schemeClr val="accent4"/>
+          </a:fillRef>
+          <a:effectRef idx="1">
+            <a:schemeClr val="accent4"/>
+          </a:effectRef>
+          <a:fontRef idx="minor">
+            <a:schemeClr val="dk1"/>
+          </a:fontRef>
+        </p:style>
+        <p:txBody>
+          <a:bodyPr rtlCol="0" anchor="ctr"/>
+          <a:lstStyle/>
+          <a:p>
+            <a:pPr algn="ctr"/>
+            <a:r>
+              <a:rPr lang="en-SG" sz="1050" dirty="0">
+                <a:solidFill>
+                  <a:srgbClr val="7030A0"/>
+                </a:solidFill>
+              </a:rPr>
+              <a:t>Status</a:t>
+            </a:r>
+          </a:p>
+        </p:txBody>
+      </p:sp>
+      <p:sp>
+        <p:nvSpPr>
+          <p:cNvPr id="144" name="Rectangle 8">
+            <a:extLst>
+              <a:ext uri="{FF2B5EF4-FFF2-40B4-BE49-F238E27FC236}">
+                <a16:creationId xmlns:a16="http://schemas.microsoft.com/office/drawing/2014/main" id="{9035E566-D72B-49AA-80C5-96AB01B7F7AB}"/>
+              </a:ext>
+            </a:extLst>
+          </p:cNvPr>
+          <p:cNvSpPr/>
+          <p:nvPr/>
+        </p:nvSpPr>
+        <p:spPr>
+          <a:xfrm>
+            <a:off x="7934413" y="1367024"/>
+            <a:ext cx="985596" cy="310801"/>
+          </a:xfrm>
+          <a:prstGeom prst="rect">
+            <a:avLst/>
+          </a:prstGeom>
+          <a:ln w="19050">
+            <a:solidFill>
+              <a:srgbClr val="7030A0"/>
+            </a:solidFill>
+          </a:ln>
+          <a:effectLst/>
+        </p:spPr>
+        <p:style>
+          <a:lnRef idx="1">
+            <a:schemeClr val="accent4"/>
+          </a:lnRef>
+          <a:fillRef idx="2">
+            <a:schemeClr val="accent4"/>
+          </a:fillRef>
+          <a:effectRef idx="1">
+            <a:schemeClr val="accent4"/>
+          </a:effectRef>
+          <a:fontRef idx="minor">
+            <a:schemeClr val="dk1"/>
+          </a:fontRef>
+        </p:style>
+        <p:txBody>
+          <a:bodyPr rtlCol="0" anchor="ctr"/>
+          <a:lstStyle/>
+          <a:p>
+            <a:pPr algn="ctr"/>
+            <a:r>
+              <a:rPr lang="en-SG" sz="1050" dirty="0" err="1">
+                <a:solidFill>
+                  <a:srgbClr val="7030A0"/>
+                </a:solidFill>
+              </a:rPr>
+              <a:t>MachineName</a:t>
+            </a:r>
+            <a:endParaRPr lang="en-SG" sz="1050" dirty="0">
+              <a:solidFill>
+                <a:srgbClr val="7030A0"/>
+              </a:solidFill>
+            </a:endParaRPr>
+          </a:p>
+        </p:txBody>
+      </p:sp>
+      <p:cxnSp>
+        <p:nvCxnSpPr>
+          <p:cNvPr id="145" name="Elbow Connector 78">
+            <a:extLst>
+              <a:ext uri="{FF2B5EF4-FFF2-40B4-BE49-F238E27FC236}">
+                <a16:creationId xmlns:a16="http://schemas.microsoft.com/office/drawing/2014/main" id="{10B3D476-36FD-4BAA-90C1-6E220D04F3E3}"/>
+              </a:ext>
+            </a:extLst>
+          </p:cNvPr>
+          <p:cNvCxnSpPr>
+            <a:cxnSpLocks/>
+            <a:stCxn id="102" idx="3"/>
+            <a:endCxn id="142" idx="1"/>
+          </p:cNvCxnSpPr>
+          <p:nvPr/>
+        </p:nvCxnSpPr>
+        <p:spPr>
+          <a:xfrm flipV="1">
+            <a:off x="6547643" y="758054"/>
+            <a:ext cx="1407793" cy="181360"/>
+          </a:xfrm>
+          <a:prstGeom prst="bentConnector3">
+            <a:avLst>
+              <a:gd name="adj1" fmla="val 50000"/>
+            </a:avLst>
+          </a:prstGeom>
+          <a:ln w="19050">
+            <a:solidFill>
+              <a:srgbClr val="7030A0"/>
+            </a:solidFill>
+            <a:headEnd type="none" w="med" len="med"/>
+            <a:tailEnd type="arrow" w="med" len="med"/>
+          </a:ln>
+          <a:effectLst/>
+        </p:spPr>
+        <p:style>
+          <a:lnRef idx="1">
+            <a:schemeClr val="accent2"/>
+          </a:lnRef>
+          <a:fillRef idx="2">
+            <a:schemeClr val="accent2"/>
+          </a:fillRef>
+          <a:effectRef idx="1">
+            <a:schemeClr val="accent2"/>
+          </a:effectRef>
+          <a:fontRef idx="minor">
+            <a:schemeClr val="dk1"/>
+          </a:fontRef>
+        </p:style>
+      </p:cxnSp>
+      <p:cxnSp>
+        <p:nvCxnSpPr>
+          <p:cNvPr id="148" name="Elbow Connector 78">
+            <a:extLst>
+              <a:ext uri="{FF2B5EF4-FFF2-40B4-BE49-F238E27FC236}">
+                <a16:creationId xmlns:a16="http://schemas.microsoft.com/office/drawing/2014/main" id="{8333803A-2662-4291-8DE3-A6605D95638D}"/>
+              </a:ext>
+            </a:extLst>
+          </p:cNvPr>
+          <p:cNvCxnSpPr>
+            <a:cxnSpLocks/>
+            <a:stCxn id="102" idx="3"/>
+            <a:endCxn id="143" idx="1"/>
+          </p:cNvCxnSpPr>
+          <p:nvPr/>
+        </p:nvCxnSpPr>
+        <p:spPr>
+          <a:xfrm>
+            <a:off x="6547643" y="939414"/>
+            <a:ext cx="1408570" cy="175766"/>
+          </a:xfrm>
+          <a:prstGeom prst="bentConnector3">
+            <a:avLst>
+              <a:gd name="adj1" fmla="val 50000"/>
+            </a:avLst>
+          </a:prstGeom>
+          <a:ln w="19050">
+            <a:solidFill>
+              <a:srgbClr val="7030A0"/>
+            </a:solidFill>
+            <a:headEnd type="none" w="med" len="med"/>
+            <a:tailEnd type="arrow" w="med" len="med"/>
+          </a:ln>
+          <a:effectLst/>
+        </p:spPr>
+        <p:style>
+          <a:lnRef idx="1">
+            <a:schemeClr val="accent2"/>
+          </a:lnRef>
+          <a:fillRef idx="2">
+            <a:schemeClr val="accent2"/>
+          </a:fillRef>
+          <a:effectRef idx="1">
+            <a:schemeClr val="accent2"/>
+          </a:effectRef>
+          <a:fontRef idx="minor">
+            <a:schemeClr val="dk1"/>
+          </a:fontRef>
+        </p:style>
+      </p:cxnSp>
+      <p:cxnSp>
+        <p:nvCxnSpPr>
+          <p:cNvPr id="151" name="Elbow Connector 78">
+            <a:extLst>
+              <a:ext uri="{FF2B5EF4-FFF2-40B4-BE49-F238E27FC236}">
+                <a16:creationId xmlns:a16="http://schemas.microsoft.com/office/drawing/2014/main" id="{0CF94AF9-BF72-4174-BE9A-4E83DBD76D12}"/>
+              </a:ext>
+            </a:extLst>
+          </p:cNvPr>
+          <p:cNvCxnSpPr>
+            <a:cxnSpLocks/>
+            <a:stCxn id="102" idx="3"/>
+            <a:endCxn id="144" idx="1"/>
+          </p:cNvCxnSpPr>
+          <p:nvPr/>
+        </p:nvCxnSpPr>
+        <p:spPr>
+          <a:xfrm>
+            <a:off x="6547643" y="939414"/>
+            <a:ext cx="1386770" cy="583011"/>
+          </a:xfrm>
+          <a:prstGeom prst="bentConnector3">
+            <a:avLst>
+              <a:gd name="adj1" fmla="val 50000"/>
+            </a:avLst>
+          </a:prstGeom>
+          <a:ln w="19050">
+            <a:solidFill>
+              <a:srgbClr val="7030A0"/>
+            </a:solidFill>
+            <a:headEnd type="none" w="med" len="med"/>
+            <a:tailEnd type="arrow" w="med" len="med"/>
+          </a:ln>
+          <a:effectLst/>
+        </p:spPr>
+        <p:style>
+          <a:lnRef idx="1">
+            <a:schemeClr val="accent2"/>
+          </a:lnRef>
+          <a:fillRef idx="2">
+            <a:schemeClr val="accent2"/>
+          </a:fillRef>
+          <a:effectRef idx="1">
+            <a:schemeClr val="accent2"/>
+          </a:effectRef>
+          <a:fontRef idx="minor">
+            <a:schemeClr val="dk1"/>
+          </a:fontRef>
+        </p:style>
+      </p:cxnSp>
+      <p:cxnSp>
+        <p:nvCxnSpPr>
+          <p:cNvPr id="162" name="Straight Connector 161">
+            <a:extLst>
+              <a:ext uri="{FF2B5EF4-FFF2-40B4-BE49-F238E27FC236}">
+                <a16:creationId xmlns:a16="http://schemas.microsoft.com/office/drawing/2014/main" id="{4F33EFB9-0269-41DE-9D10-6E64F98FBD95}"/>
+              </a:ext>
+            </a:extLst>
+          </p:cNvPr>
+          <p:cNvCxnSpPr>
+            <a:cxnSpLocks/>
+            <a:stCxn id="95" idx="2"/>
+            <a:endCxn id="94" idx="0"/>
+          </p:cNvCxnSpPr>
+          <p:nvPr/>
+        </p:nvCxnSpPr>
+        <p:spPr>
+          <a:xfrm>
+            <a:off x="5961676" y="1115103"/>
+            <a:ext cx="0" cy="1037370"/>
+          </a:xfrm>
+          <a:prstGeom prst="line">
+            <a:avLst/>
+          </a:prstGeom>
+          <a:ln w="19050"/>
+        </p:spPr>
+        <p:style>
+          <a:lnRef idx="1">
+            <a:schemeClr val="accent4"/>
+          </a:lnRef>
+          <a:fillRef idx="0">
+            <a:schemeClr val="accent4"/>
+          </a:fillRef>
+          <a:effectRef idx="0">
+            <a:schemeClr val="accent4"/>
+          </a:effectRef>
+          <a:fontRef idx="minor">
+            <a:schemeClr val="tx1"/>
+          </a:fontRef>
+        </p:style>
+      </p:cxnSp>
+      <p:sp>
+        <p:nvSpPr>
+          <p:cNvPr id="165" name="TextBox 164">
+            <a:extLst>
+              <a:ext uri="{FF2B5EF4-FFF2-40B4-BE49-F238E27FC236}">
+                <a16:creationId xmlns:a16="http://schemas.microsoft.com/office/drawing/2014/main" id="{2770A01A-E74B-487C-A057-B46F241A2C7C}"/>
+              </a:ext>
+            </a:extLst>
+          </p:cNvPr>
+          <p:cNvSpPr txBox="1"/>
+          <p:nvPr/>
+        </p:nvSpPr>
+        <p:spPr>
+          <a:xfrm rot="16200000">
+            <a:off x="5376978" y="1593766"/>
+            <a:ext cx="973343" cy="246221"/>
+          </a:xfrm>
+          <a:prstGeom prst="rect">
+            <a:avLst/>
+          </a:prstGeom>
+          <a:noFill/>
+        </p:spPr>
+        <p:txBody>
+          <a:bodyPr wrap="none" rtlCol="0">
+            <a:spAutoFit/>
+          </a:bodyPr>
+          <a:lstStyle/>
+          <a:p>
+            <a:r>
+              <a:rPr lang="en-SG" sz="1000" dirty="0">
+                <a:solidFill>
+                  <a:schemeClr val="accent4"/>
+                </a:solidFill>
+              </a:rPr>
+              <a:t>Is assigned to a</a:t>
+            </a:r>
+          </a:p>
+        </p:txBody>
+      </p:sp>
+      <p:sp>
+        <p:nvSpPr>
+          <p:cNvPr id="166" name="Isosceles Triangle 165">
+            <a:extLst>
+              <a:ext uri="{FF2B5EF4-FFF2-40B4-BE49-F238E27FC236}">
+                <a16:creationId xmlns:a16="http://schemas.microsoft.com/office/drawing/2014/main" id="{C3F1EBBE-6338-4375-966B-FEFDA7613AD9}"/>
+              </a:ext>
+            </a:extLst>
+          </p:cNvPr>
+          <p:cNvSpPr/>
+          <p:nvPr/>
+        </p:nvSpPr>
+        <p:spPr>
+          <a:xfrm>
+            <a:off x="5817564" y="1201733"/>
+            <a:ext cx="119029" cy="105129"/>
+          </a:xfrm>
+          <a:prstGeom prst="triangle">
+            <a:avLst/>
+          </a:prstGeom>
+          <a:solidFill>
+            <a:schemeClr val="accent4"/>
+          </a:solidFill>
+          <a:ln>
+            <a:noFill/>
+          </a:ln>
+        </p:spPr>
+        <p:style>
+          <a:lnRef idx="2">
+            <a:schemeClr val="accent1">
+              <a:shade val="50000"/>
+            </a:schemeClr>
+          </a:lnRef>
+          <a:fillRef idx="1">
+            <a:schemeClr val="accent1"/>
+          </a:fillRef>
+          <a:effectRef idx="0">
+            <a:schemeClr val="accent1"/>
+          </a:effectRef>
+          <a:fontRef idx="minor">
+            <a:schemeClr val="lt1"/>
+          </a:fontRef>
+        </p:style>
+        <p:txBody>
+          <a:bodyPr rtlCol="0" anchor="ctr"/>
+          <a:lstStyle/>
+          <a:p>
+            <a:pPr algn="ctr"/>
+            <a:endParaRPr lang="en-SG"/>
+          </a:p>
+        </p:txBody>
+      </p:sp>
+      <p:sp>
+        <p:nvSpPr>
+          <p:cNvPr id="167" name="TextBox 166">
+            <a:extLst>
+              <a:ext uri="{FF2B5EF4-FFF2-40B4-BE49-F238E27FC236}">
+                <a16:creationId xmlns:a16="http://schemas.microsoft.com/office/drawing/2014/main" id="{81C6D562-9042-4344-B1CE-DA92FC1AAF94}"/>
+              </a:ext>
+            </a:extLst>
+          </p:cNvPr>
+          <p:cNvSpPr txBox="1"/>
+          <p:nvPr/>
+        </p:nvSpPr>
+        <p:spPr>
+          <a:xfrm rot="5400000">
+            <a:off x="5850587" y="1712145"/>
+            <a:ext cx="468398" cy="246221"/>
+          </a:xfrm>
+          <a:prstGeom prst="rect">
+            <a:avLst/>
+          </a:prstGeom>
+          <a:noFill/>
+        </p:spPr>
+        <p:txBody>
+          <a:bodyPr wrap="none" rtlCol="0">
+            <a:spAutoFit/>
+          </a:bodyPr>
+          <a:lstStyle/>
+          <a:p>
+            <a:r>
+              <a:rPr lang="en-SG" sz="1000" dirty="0">
+                <a:solidFill>
+                  <a:schemeClr val="accent4"/>
+                </a:solidFill>
+              </a:rPr>
+              <a:t>Has *</a:t>
+            </a:r>
+          </a:p>
+        </p:txBody>
+      </p:sp>
+      <p:sp>
+        <p:nvSpPr>
+          <p:cNvPr id="168" name="Isosceles Triangle 167">
+            <a:extLst>
+              <a:ext uri="{FF2B5EF4-FFF2-40B4-BE49-F238E27FC236}">
+                <a16:creationId xmlns:a16="http://schemas.microsoft.com/office/drawing/2014/main" id="{F6A2074D-61EB-4519-AAC9-19ACC85E830D}"/>
+              </a:ext>
+            </a:extLst>
+          </p:cNvPr>
+          <p:cNvSpPr/>
+          <p:nvPr/>
+        </p:nvSpPr>
+        <p:spPr>
+          <a:xfrm rot="10800000">
+            <a:off x="6005883" y="1999173"/>
+            <a:ext cx="119029" cy="105129"/>
+          </a:xfrm>
+          <a:prstGeom prst="triangle">
+            <a:avLst/>
+          </a:prstGeom>
+          <a:solidFill>
+            <a:schemeClr val="accent4"/>
+          </a:solidFill>
+          <a:ln>
+            <a:noFill/>
+          </a:ln>
+        </p:spPr>
+        <p:style>
+          <a:lnRef idx="2">
+            <a:schemeClr val="accent1">
+              <a:shade val="50000"/>
+            </a:schemeClr>
+          </a:lnRef>
+          <a:fillRef idx="1">
+            <a:schemeClr val="accent1"/>
+          </a:fillRef>
+          <a:effectRef idx="0">
+            <a:schemeClr val="accent1"/>
+          </a:effectRef>
+          <a:fontRef idx="minor">
+            <a:schemeClr val="lt1"/>
+          </a:fontRef>
+        </p:style>
+        <p:txBody>
+          <a:bodyPr rtlCol="0" anchor="ctr"/>
+          <a:lstStyle/>
+          <a:p>
+            <a:pPr algn="ctr"/>
+            <a:endParaRPr lang="en-SG"/>
+          </a:p>
+        </p:txBody>
+      </p:sp>
     </p:spTree>
     <p:extLst>
       <p:ext uri="{BB962C8B-B14F-4D97-AF65-F5344CB8AC3E}">

--- a/docs/diagrams/ModelComponentClassDiagram.pptx
+++ b/docs/diagrams/ModelComponentClassDiagram.pptx
@@ -208,7 +208,7 @@
           <a:p>
             <a:fld id="{F5CC4B3F-88C1-4FFA-B1B6-F41C21DC6924}" type="datetimeFigureOut">
               <a:rPr lang="en-US" smtClean="0"/>
-              <a:t>10/15/2018</a:t>
+              <a:t>17-Oct-18</a:t>
             </a:fld>
             <a:endParaRPr lang="en-US"/>
           </a:p>
@@ -654,7 +654,7 @@
           <a:p>
             <a:fld id="{78C97017-6FC3-485B-9764-EAC9E56C1D49}" type="datetimeFigureOut">
               <a:rPr lang="en-US" smtClean="0"/>
-              <a:t>10/15/2018</a:t>
+              <a:t>17-Oct-18</a:t>
             </a:fld>
             <a:endParaRPr lang="en-US"/>
           </a:p>
@@ -822,7 +822,7 @@
           <a:p>
             <a:fld id="{78C97017-6FC3-485B-9764-EAC9E56C1D49}" type="datetimeFigureOut">
               <a:rPr lang="en-US" smtClean="0"/>
-              <a:t>10/15/2018</a:t>
+              <a:t>17-Oct-18</a:t>
             </a:fld>
             <a:endParaRPr lang="en-US"/>
           </a:p>
@@ -1000,7 +1000,7 @@
           <a:p>
             <a:fld id="{78C97017-6FC3-485B-9764-EAC9E56C1D49}" type="datetimeFigureOut">
               <a:rPr lang="en-US" smtClean="0"/>
-              <a:t>10/15/2018</a:t>
+              <a:t>17-Oct-18</a:t>
             </a:fld>
             <a:endParaRPr lang="en-US"/>
           </a:p>
@@ -1168,7 +1168,7 @@
           <a:p>
             <a:fld id="{78C97017-6FC3-485B-9764-EAC9E56C1D49}" type="datetimeFigureOut">
               <a:rPr lang="en-US" smtClean="0"/>
-              <a:t>10/15/2018</a:t>
+              <a:t>17-Oct-18</a:t>
             </a:fld>
             <a:endParaRPr lang="en-US"/>
           </a:p>
@@ -1413,7 +1413,7 @@
           <a:p>
             <a:fld id="{78C97017-6FC3-485B-9764-EAC9E56C1D49}" type="datetimeFigureOut">
               <a:rPr lang="en-US" smtClean="0"/>
-              <a:t>10/15/2018</a:t>
+              <a:t>17-Oct-18</a:t>
             </a:fld>
             <a:endParaRPr lang="en-US"/>
           </a:p>
@@ -1698,7 +1698,7 @@
           <a:p>
             <a:fld id="{78C97017-6FC3-485B-9764-EAC9E56C1D49}" type="datetimeFigureOut">
               <a:rPr lang="en-US" smtClean="0"/>
-              <a:t>10/15/2018</a:t>
+              <a:t>17-Oct-18</a:t>
             </a:fld>
             <a:endParaRPr lang="en-US"/>
           </a:p>
@@ -2117,7 +2117,7 @@
           <a:p>
             <a:fld id="{78C97017-6FC3-485B-9764-EAC9E56C1D49}" type="datetimeFigureOut">
               <a:rPr lang="en-US" smtClean="0"/>
-              <a:t>10/15/2018</a:t>
+              <a:t>17-Oct-18</a:t>
             </a:fld>
             <a:endParaRPr lang="en-US"/>
           </a:p>
@@ -2234,7 +2234,7 @@
           <a:p>
             <a:fld id="{78C97017-6FC3-485B-9764-EAC9E56C1D49}" type="datetimeFigureOut">
               <a:rPr lang="en-US" smtClean="0"/>
-              <a:t>10/15/2018</a:t>
+              <a:t>17-Oct-18</a:t>
             </a:fld>
             <a:endParaRPr lang="en-US"/>
           </a:p>
@@ -2329,7 +2329,7 @@
           <a:p>
             <a:fld id="{78C97017-6FC3-485B-9764-EAC9E56C1D49}" type="datetimeFigureOut">
               <a:rPr lang="en-US" smtClean="0"/>
-              <a:t>10/15/2018</a:t>
+              <a:t>17-Oct-18</a:t>
             </a:fld>
             <a:endParaRPr lang="en-US"/>
           </a:p>
@@ -2604,7 +2604,7 @@
           <a:p>
             <a:fld id="{78C97017-6FC3-485B-9764-EAC9E56C1D49}" type="datetimeFigureOut">
               <a:rPr lang="en-US" smtClean="0"/>
-              <a:t>10/15/2018</a:t>
+              <a:t>17-Oct-18</a:t>
             </a:fld>
             <a:endParaRPr lang="en-US"/>
           </a:p>
@@ -2856,7 +2856,7 @@
           <a:p>
             <a:fld id="{78C97017-6FC3-485B-9764-EAC9E56C1D49}" type="datetimeFigureOut">
               <a:rPr lang="en-US" smtClean="0"/>
-              <a:t>10/15/2018</a:t>
+              <a:t>17-Oct-18</a:t>
             </a:fld>
             <a:endParaRPr lang="en-US"/>
           </a:p>
@@ -3067,7 +3067,7 @@
           <a:p>
             <a:fld id="{78C97017-6FC3-485B-9764-EAC9E56C1D49}" type="datetimeFigureOut">
               <a:rPr lang="en-US" smtClean="0"/>
-              <a:t>10/15/2018</a:t>
+              <a:t>17-Oct-18</a:t>
             </a:fld>
             <a:endParaRPr lang="en-US"/>
           </a:p>
@@ -3450,8 +3450,8 @@
         </p:nvSpPr>
         <p:spPr>
           <a:xfrm>
-            <a:off x="304801" y="242900"/>
-            <a:ext cx="8839200" cy="5846757"/>
+            <a:off x="304801" y="236898"/>
+            <a:ext cx="8839200" cy="6089657"/>
           </a:xfrm>
           <a:prstGeom prst="roundRect">
             <a:avLst>
@@ -4348,7 +4348,7 @@
         </p:nvSpPr>
         <p:spPr>
           <a:xfrm>
-            <a:off x="7951440" y="4176025"/>
+            <a:off x="7955436" y="4736791"/>
             <a:ext cx="708186" cy="285783"/>
           </a:xfrm>
           <a:prstGeom prst="rect">
@@ -4448,14 +4448,15 @@
           <p:cNvPr id="79" name="Elbow Connector 78"/>
           <p:cNvCxnSpPr>
             <a:cxnSpLocks/>
+            <a:stCxn id="78" idx="3"/>
             <a:endCxn id="76" idx="1"/>
           </p:cNvCxnSpPr>
           <p:nvPr/>
         </p:nvCxnSpPr>
         <p:spPr>
           <a:xfrm>
-            <a:off x="6510483" y="4015046"/>
-            <a:ext cx="1440957" cy="303871"/>
+            <a:off x="6510483" y="4015354"/>
+            <a:ext cx="1444953" cy="864329"/>
           </a:xfrm>
           <a:prstGeom prst="bentConnector3">
             <a:avLst/>
@@ -4492,7 +4493,7 @@
         </p:nvSpPr>
         <p:spPr>
           <a:xfrm>
-            <a:off x="7951440" y="4499003"/>
+            <a:off x="7955436" y="5059769"/>
             <a:ext cx="708186" cy="285783"/>
           </a:xfrm>
           <a:prstGeom prst="rect">
@@ -4553,7 +4554,7 @@
         <p:spPr>
           <a:xfrm>
             <a:off x="6510483" y="4015354"/>
-            <a:ext cx="1440957" cy="626541"/>
+            <a:ext cx="1444953" cy="1187307"/>
           </a:xfrm>
           <a:prstGeom prst="bentConnector3">
             <a:avLst/>
@@ -4590,7 +4591,7 @@
         </p:nvSpPr>
         <p:spPr>
           <a:xfrm>
-            <a:off x="7951440" y="4821981"/>
+            <a:off x="7955436" y="5382747"/>
             <a:ext cx="708186" cy="285783"/>
           </a:xfrm>
           <a:prstGeom prst="rect">
@@ -4651,7 +4652,7 @@
         <p:spPr>
           <a:xfrm>
             <a:off x="6510483" y="4015354"/>
-            <a:ext cx="1440957" cy="949519"/>
+            <a:ext cx="1444953" cy="1510285"/>
           </a:xfrm>
           <a:prstGeom prst="bentConnector3">
             <a:avLst/>
@@ -4688,7 +4689,7 @@
         </p:nvSpPr>
         <p:spPr>
           <a:xfrm>
-            <a:off x="7951440" y="5144958"/>
+            <a:off x="7965363" y="5657214"/>
             <a:ext cx="708186" cy="285783"/>
           </a:xfrm>
           <a:prstGeom prst="rect">
@@ -4749,7 +4750,7 @@
         <p:spPr>
           <a:xfrm>
             <a:off x="6510483" y="4015354"/>
-            <a:ext cx="1440957" cy="1272496"/>
+            <a:ext cx="1454880" cy="1784752"/>
           </a:xfrm>
           <a:prstGeom prst="bentConnector3">
             <a:avLst/>
@@ -5315,7 +5316,7 @@
         </p:nvSpPr>
         <p:spPr>
           <a:xfrm>
-            <a:off x="7951440" y="3840604"/>
+            <a:off x="7955436" y="4401370"/>
             <a:ext cx="708186" cy="285783"/>
           </a:xfrm>
           <a:prstGeom prst="rect">
@@ -5380,9 +5381,9 @@
           <p:nvPr/>
         </p:nvCxnSpPr>
         <p:spPr>
-          <a:xfrm flipV="1">
-            <a:off x="6510483" y="3983496"/>
-            <a:ext cx="1440957" cy="31858"/>
+          <a:xfrm>
+            <a:off x="6510483" y="4015354"/>
+            <a:ext cx="1444953" cy="528908"/>
           </a:xfrm>
           <a:prstGeom prst="bentConnector3">
             <a:avLst>
@@ -5427,7 +5428,7 @@
         </p:nvSpPr>
         <p:spPr>
           <a:xfrm>
-            <a:off x="7738788" y="3823821"/>
+            <a:off x="7798329" y="4302898"/>
             <a:ext cx="189257" cy="178683"/>
           </a:xfrm>
           <a:prstGeom prst="rect">
@@ -5670,8 +5671,8 @@
         </p:nvCxnSpPr>
         <p:spPr>
           <a:xfrm rot="5400000" flipH="1" flipV="1">
-            <a:off x="3397849" y="3377774"/>
-            <a:ext cx="800856" cy="245586"/>
+            <a:off x="3482064" y="3472257"/>
+            <a:ext cx="622158" cy="235319"/>
           </a:xfrm>
           <a:prstGeom prst="bentConnector2">
             <a:avLst/>
@@ -5715,7 +5716,7 @@
         </p:nvSpPr>
         <p:spPr>
           <a:xfrm>
-            <a:off x="3921070" y="2926759"/>
+            <a:off x="3910803" y="3105457"/>
             <a:ext cx="1156969" cy="346760"/>
           </a:xfrm>
           <a:prstGeom prst="rect">
@@ -5777,7 +5778,7 @@
         </p:nvSpPr>
         <p:spPr>
           <a:xfrm>
-            <a:off x="5631357" y="2897349"/>
+            <a:off x="5635365" y="3116846"/>
             <a:ext cx="708186" cy="346760"/>
           </a:xfrm>
           <a:prstGeom prst="rect">
@@ -5839,7 +5840,7 @@
         </p:nvSpPr>
         <p:spPr>
           <a:xfrm>
-            <a:off x="5077691" y="2975323"/>
+            <a:off x="5072239" y="3212221"/>
             <a:ext cx="236048" cy="173380"/>
           </a:xfrm>
           <a:prstGeom prst="flowChartDecision">
@@ -5887,15 +5888,13 @@
           </p:cNvPr>
           <p:cNvCxnSpPr>
             <a:cxnSpLocks/>
-            <a:stCxn id="88" idx="3"/>
-            <a:endCxn id="87" idx="1"/>
           </p:cNvCxnSpPr>
           <p:nvPr/>
         </p:nvCxnSpPr>
         <p:spPr>
-          <a:xfrm>
-            <a:off x="5313739" y="3062013"/>
-            <a:ext cx="317618" cy="8716"/>
+          <a:xfrm flipV="1">
+            <a:off x="5313739" y="3293018"/>
+            <a:ext cx="317618" cy="5893"/>
           </a:xfrm>
           <a:prstGeom prst="bentConnector3">
             <a:avLst>
@@ -5940,7 +5939,7 @@
         </p:nvSpPr>
         <p:spPr>
           <a:xfrm>
-            <a:off x="6353644" y="2964291"/>
+            <a:off x="6354253" y="3195360"/>
             <a:ext cx="236048" cy="173380"/>
           </a:xfrm>
           <a:prstGeom prst="flowChartDecision">
@@ -5997,8 +5996,8 @@
         </p:nvCxnSpPr>
         <p:spPr>
           <a:xfrm>
-            <a:off x="6589692" y="3050981"/>
-            <a:ext cx="1334314" cy="173145"/>
+            <a:off x="6590301" y="3282050"/>
+            <a:ext cx="1312856" cy="319260"/>
           </a:xfrm>
           <a:prstGeom prst="bentConnector3">
             <a:avLst>
@@ -6043,7 +6042,7 @@
         </p:nvSpPr>
         <p:spPr>
           <a:xfrm>
-            <a:off x="7924006" y="3081234"/>
+            <a:off x="7903157" y="3458418"/>
             <a:ext cx="802815" cy="285783"/>
           </a:xfrm>
           <a:prstGeom prst="rect">
@@ -6105,7 +6104,7 @@
         </p:nvSpPr>
         <p:spPr>
           <a:xfrm>
-            <a:off x="7924007" y="3438777"/>
+            <a:off x="7903158" y="3815961"/>
             <a:ext cx="802815" cy="285783"/>
           </a:xfrm>
           <a:prstGeom prst="rect">
@@ -6171,8 +6170,8 @@
         </p:nvCxnSpPr>
         <p:spPr>
           <a:xfrm>
-            <a:off x="6589692" y="3050981"/>
-            <a:ext cx="1334315" cy="530688"/>
+            <a:off x="6590301" y="3282050"/>
+            <a:ext cx="1312857" cy="676803"/>
           </a:xfrm>
           <a:prstGeom prst="bentConnector3">
             <a:avLst>
@@ -6871,7 +6870,7 @@
         </p:nvSpPr>
         <p:spPr>
           <a:xfrm>
-            <a:off x="7924006" y="2618033"/>
+            <a:off x="7903156" y="2391826"/>
             <a:ext cx="802815" cy="285783"/>
           </a:xfrm>
           <a:prstGeom prst="rect">
@@ -6938,7 +6937,7 @@
         <p:spPr>
           <a:xfrm>
             <a:off x="6551817" y="2312081"/>
-            <a:ext cx="1372189" cy="448844"/>
+            <a:ext cx="1351339" cy="222637"/>
           </a:xfrm>
           <a:prstGeom prst="bentConnector3">
             <a:avLst>
@@ -6983,7 +6982,7 @@
         </p:nvSpPr>
         <p:spPr>
           <a:xfrm>
-            <a:off x="7938357" y="2250720"/>
+            <a:off x="7914063" y="2014930"/>
             <a:ext cx="802815" cy="285783"/>
           </a:xfrm>
           <a:prstGeom prst="rect">
@@ -7048,9 +7047,9 @@
           <p:nvPr/>
         </p:nvCxnSpPr>
         <p:spPr>
-          <a:xfrm>
-            <a:off x="6551817" y="2312081"/>
-            <a:ext cx="1386540" cy="81531"/>
+          <a:xfrm flipV="1">
+            <a:off x="6551817" y="2157822"/>
+            <a:ext cx="1362246" cy="154259"/>
           </a:xfrm>
           <a:prstGeom prst="bentConnector3">
             <a:avLst>
@@ -7095,7 +7094,7 @@
         </p:nvSpPr>
         <p:spPr>
           <a:xfrm>
-            <a:off x="7919805" y="1854091"/>
+            <a:off x="7919805" y="1610499"/>
             <a:ext cx="802815" cy="285783"/>
           </a:xfrm>
           <a:prstGeom prst="rect">
@@ -7169,8 +7168,8 @@
         </p:nvCxnSpPr>
         <p:spPr>
           <a:xfrm flipV="1">
-            <a:off x="6551817" y="1996983"/>
-            <a:ext cx="1367988" cy="315098"/>
+            <a:off x="6551817" y="1753391"/>
+            <a:ext cx="1367988" cy="558690"/>
           </a:xfrm>
           <a:prstGeom prst="bentConnector3">
             <a:avLst>
@@ -7215,7 +7214,7 @@
         </p:nvSpPr>
         <p:spPr>
           <a:xfrm>
-            <a:off x="7955436" y="615162"/>
+            <a:off x="7938357" y="33731"/>
             <a:ext cx="802815" cy="285783"/>
           </a:xfrm>
           <a:prstGeom prst="rect">
@@ -7272,7 +7271,7 @@
         </p:nvSpPr>
         <p:spPr>
           <a:xfrm>
-            <a:off x="7956213" y="972288"/>
+            <a:off x="7939134" y="390857"/>
             <a:ext cx="802815" cy="285783"/>
           </a:xfrm>
           <a:prstGeom prst="rect">
@@ -7329,7 +7328,7 @@
         </p:nvSpPr>
         <p:spPr>
           <a:xfrm>
-            <a:off x="7934413" y="1367024"/>
+            <a:off x="7917334" y="785593"/>
             <a:ext cx="985596" cy="310801"/>
           </a:xfrm>
           <a:prstGeom prst="rect">
@@ -7395,8 +7394,8 @@
         </p:nvCxnSpPr>
         <p:spPr>
           <a:xfrm flipV="1">
-            <a:off x="6547643" y="758054"/>
-            <a:ext cx="1407793" cy="181360"/>
+            <a:off x="6547643" y="176623"/>
+            <a:ext cx="1390714" cy="762791"/>
           </a:xfrm>
           <a:prstGeom prst="bentConnector3">
             <a:avLst>
@@ -7444,9 +7443,9 @@
           <p:nvPr/>
         </p:nvCxnSpPr>
         <p:spPr>
-          <a:xfrm>
-            <a:off x="6547643" y="939414"/>
-            <a:ext cx="1408570" cy="175766"/>
+          <a:xfrm flipV="1">
+            <a:off x="6547643" y="533749"/>
+            <a:ext cx="1391491" cy="405665"/>
           </a:xfrm>
           <a:prstGeom prst="bentConnector3">
             <a:avLst>
@@ -7496,7 +7495,7 @@
         <p:spPr>
           <a:xfrm>
             <a:off x="6547643" y="939414"/>
-            <a:ext cx="1386770" cy="583011"/>
+            <a:ext cx="1369691" cy="1580"/>
           </a:xfrm>
           <a:prstGeom prst="bentConnector3">
             <a:avLst>
@@ -7750,6 +7749,358 @@
           </a:p>
         </p:txBody>
       </p:sp>
+      <p:sp>
+        <p:nvSpPr>
+          <p:cNvPr id="96" name="Rectangle 8">
+            <a:extLst>
+              <a:ext uri="{FF2B5EF4-FFF2-40B4-BE49-F238E27FC236}">
+                <a16:creationId xmlns:a16="http://schemas.microsoft.com/office/drawing/2014/main" id="{5CBD8EB9-0EFF-4C42-9864-A72CF8576243}"/>
+              </a:ext>
+            </a:extLst>
+          </p:cNvPr>
+          <p:cNvSpPr/>
+          <p:nvPr/>
+        </p:nvSpPr>
+        <p:spPr>
+          <a:xfrm>
+            <a:off x="7903156" y="2721403"/>
+            <a:ext cx="802815" cy="285783"/>
+          </a:xfrm>
+          <a:prstGeom prst="rect">
+            <a:avLst/>
+          </a:prstGeom>
+          <a:ln w="19050">
+            <a:solidFill>
+              <a:srgbClr val="7030A0"/>
+            </a:solidFill>
+          </a:ln>
+          <a:effectLst/>
+        </p:spPr>
+        <p:style>
+          <a:lnRef idx="1">
+            <a:schemeClr val="accent4"/>
+          </a:lnRef>
+          <a:fillRef idx="2">
+            <a:schemeClr val="accent4"/>
+          </a:fillRef>
+          <a:effectRef idx="1">
+            <a:schemeClr val="accent4"/>
+          </a:effectRef>
+          <a:fontRef idx="minor">
+            <a:schemeClr val="dk1"/>
+          </a:fontRef>
+        </p:style>
+        <p:txBody>
+          <a:bodyPr rtlCol="0" anchor="ctr"/>
+          <a:lstStyle/>
+          <a:p>
+            <a:pPr algn="ctr"/>
+            <a:r>
+              <a:rPr lang="en-US" sz="1050" dirty="0" err="1">
+                <a:solidFill>
+                  <a:srgbClr val="7030A0"/>
+                </a:solidFill>
+              </a:rPr>
+              <a:t>JobOwner</a:t>
+            </a:r>
+            <a:r>
+              <a:rPr lang="en-US" sz="1050" dirty="0">
+                <a:solidFill>
+                  <a:srgbClr val="7030A0"/>
+                </a:solidFill>
+              </a:rPr>
+              <a:t> </a:t>
+            </a:r>
+            <a:endParaRPr lang="en-SG" sz="1050" dirty="0">
+              <a:solidFill>
+                <a:srgbClr val="7030A0"/>
+              </a:solidFill>
+            </a:endParaRPr>
+          </a:p>
+        </p:txBody>
+      </p:sp>
+      <p:sp>
+        <p:nvSpPr>
+          <p:cNvPr id="104" name="Rectangle 8">
+            <a:extLst>
+              <a:ext uri="{FF2B5EF4-FFF2-40B4-BE49-F238E27FC236}">
+                <a16:creationId xmlns:a16="http://schemas.microsoft.com/office/drawing/2014/main" id="{50FC044C-01BD-4A81-A146-6CB3554AF062}"/>
+              </a:ext>
+            </a:extLst>
+          </p:cNvPr>
+          <p:cNvSpPr/>
+          <p:nvPr/>
+        </p:nvSpPr>
+        <p:spPr>
+          <a:xfrm>
+            <a:off x="7903157" y="1232887"/>
+            <a:ext cx="802815" cy="285783"/>
+          </a:xfrm>
+          <a:prstGeom prst="rect">
+            <a:avLst/>
+          </a:prstGeom>
+          <a:ln w="19050">
+            <a:solidFill>
+              <a:srgbClr val="7030A0"/>
+            </a:solidFill>
+          </a:ln>
+          <a:effectLst/>
+        </p:spPr>
+        <p:style>
+          <a:lnRef idx="1">
+            <a:schemeClr val="accent4"/>
+          </a:lnRef>
+          <a:fillRef idx="2">
+            <a:schemeClr val="accent4"/>
+          </a:fillRef>
+          <a:effectRef idx="1">
+            <a:schemeClr val="accent4"/>
+          </a:effectRef>
+          <a:fontRef idx="minor">
+            <a:schemeClr val="dk1"/>
+          </a:fontRef>
+        </p:style>
+        <p:txBody>
+          <a:bodyPr rtlCol="0" anchor="ctr"/>
+          <a:lstStyle/>
+          <a:p>
+            <a:pPr algn="ctr"/>
+            <a:r>
+              <a:rPr lang="en-US" sz="1050" dirty="0">
+                <a:solidFill>
+                  <a:srgbClr val="7030A0"/>
+                </a:solidFill>
+              </a:rPr>
+              <a:t>Tag </a:t>
+            </a:r>
+            <a:endParaRPr lang="en-SG" sz="1050" dirty="0">
+              <a:solidFill>
+                <a:srgbClr val="7030A0"/>
+              </a:solidFill>
+            </a:endParaRPr>
+          </a:p>
+        </p:txBody>
+      </p:sp>
+      <p:sp>
+        <p:nvSpPr>
+          <p:cNvPr id="106" name="Rectangle 8">
+            <a:extLst>
+              <a:ext uri="{FF2B5EF4-FFF2-40B4-BE49-F238E27FC236}">
+                <a16:creationId xmlns:a16="http://schemas.microsoft.com/office/drawing/2014/main" id="{6D17DF41-12F9-455A-A2B5-C4264BDCA0EE}"/>
+              </a:ext>
+            </a:extLst>
+          </p:cNvPr>
+          <p:cNvSpPr/>
+          <p:nvPr/>
+        </p:nvSpPr>
+        <p:spPr>
+          <a:xfrm>
+            <a:off x="7914062" y="3031963"/>
+            <a:ext cx="802815" cy="285783"/>
+          </a:xfrm>
+          <a:prstGeom prst="rect">
+            <a:avLst/>
+          </a:prstGeom>
+          <a:ln w="19050">
+            <a:solidFill>
+              <a:srgbClr val="7030A0"/>
+            </a:solidFill>
+          </a:ln>
+          <a:effectLst/>
+        </p:spPr>
+        <p:style>
+          <a:lnRef idx="1">
+            <a:schemeClr val="accent4"/>
+          </a:lnRef>
+          <a:fillRef idx="2">
+            <a:schemeClr val="accent4"/>
+          </a:fillRef>
+          <a:effectRef idx="1">
+            <a:schemeClr val="accent4"/>
+          </a:effectRef>
+          <a:fontRef idx="minor">
+            <a:schemeClr val="dk1"/>
+          </a:fontRef>
+        </p:style>
+        <p:txBody>
+          <a:bodyPr rtlCol="0" anchor="ctr"/>
+          <a:lstStyle/>
+          <a:p>
+            <a:pPr algn="ctr"/>
+            <a:r>
+              <a:rPr lang="en-US" sz="1050" dirty="0" err="1">
+                <a:solidFill>
+                  <a:srgbClr val="7030A0"/>
+                </a:solidFill>
+              </a:rPr>
+              <a:t>JobPriority</a:t>
+            </a:r>
+            <a:r>
+              <a:rPr lang="en-US" sz="1050" dirty="0">
+                <a:solidFill>
+                  <a:srgbClr val="7030A0"/>
+                </a:solidFill>
+              </a:rPr>
+              <a:t> </a:t>
+            </a:r>
+            <a:endParaRPr lang="en-SG" sz="1050" dirty="0">
+              <a:solidFill>
+                <a:srgbClr val="7030A0"/>
+              </a:solidFill>
+            </a:endParaRPr>
+          </a:p>
+        </p:txBody>
+      </p:sp>
+      <p:cxnSp>
+        <p:nvCxnSpPr>
+          <p:cNvPr id="108" name="Elbow Connector 78">
+            <a:extLst>
+              <a:ext uri="{FF2B5EF4-FFF2-40B4-BE49-F238E27FC236}">
+                <a16:creationId xmlns:a16="http://schemas.microsoft.com/office/drawing/2014/main" id="{A47D4034-F509-4F71-A6A3-9C40530F3789}"/>
+              </a:ext>
+            </a:extLst>
+          </p:cNvPr>
+          <p:cNvCxnSpPr>
+            <a:cxnSpLocks/>
+            <a:stCxn id="103" idx="3"/>
+            <a:endCxn id="96" idx="1"/>
+          </p:cNvCxnSpPr>
+          <p:nvPr/>
+        </p:nvCxnSpPr>
+        <p:spPr>
+          <a:xfrm>
+            <a:off x="6551817" y="2312081"/>
+            <a:ext cx="1351339" cy="552214"/>
+          </a:xfrm>
+          <a:prstGeom prst="bentConnector3">
+            <a:avLst>
+              <a:gd name="adj1" fmla="val 50000"/>
+            </a:avLst>
+          </a:prstGeom>
+          <a:ln w="19050">
+            <a:solidFill>
+              <a:srgbClr val="7030A0"/>
+            </a:solidFill>
+            <a:headEnd type="none" w="med" len="med"/>
+            <a:tailEnd type="arrow" w="med" len="med"/>
+          </a:ln>
+          <a:effectLst/>
+        </p:spPr>
+        <p:style>
+          <a:lnRef idx="1">
+            <a:schemeClr val="accent2"/>
+          </a:lnRef>
+          <a:fillRef idx="2">
+            <a:schemeClr val="accent2"/>
+          </a:fillRef>
+          <a:effectRef idx="1">
+            <a:schemeClr val="accent2"/>
+          </a:effectRef>
+          <a:fontRef idx="minor">
+            <a:schemeClr val="dk1"/>
+          </a:fontRef>
+        </p:style>
+      </p:cxnSp>
+      <p:cxnSp>
+        <p:nvCxnSpPr>
+          <p:cNvPr id="109" name="Elbow Connector 78">
+            <a:extLst>
+              <a:ext uri="{FF2B5EF4-FFF2-40B4-BE49-F238E27FC236}">
+                <a16:creationId xmlns:a16="http://schemas.microsoft.com/office/drawing/2014/main" id="{6F8EA660-4A49-4239-87F4-C7C06F0FD6CC}"/>
+              </a:ext>
+            </a:extLst>
+          </p:cNvPr>
+          <p:cNvCxnSpPr>
+            <a:cxnSpLocks/>
+            <a:stCxn id="103" idx="3"/>
+            <a:endCxn id="104" idx="1"/>
+          </p:cNvCxnSpPr>
+          <p:nvPr/>
+        </p:nvCxnSpPr>
+        <p:spPr>
+          <a:xfrm flipV="1">
+            <a:off x="6551817" y="1375779"/>
+            <a:ext cx="1351340" cy="936302"/>
+          </a:xfrm>
+          <a:prstGeom prst="bentConnector3">
+            <a:avLst>
+              <a:gd name="adj1" fmla="val 50000"/>
+            </a:avLst>
+          </a:prstGeom>
+          <a:ln w="19050">
+            <a:solidFill>
+              <a:srgbClr val="7030A0"/>
+            </a:solidFill>
+            <a:headEnd type="none" w="med" len="med"/>
+            <a:tailEnd type="arrow" w="med" len="med"/>
+          </a:ln>
+          <a:effectLst/>
+        </p:spPr>
+        <p:style>
+          <a:lnRef idx="1">
+            <a:schemeClr val="accent2"/>
+          </a:lnRef>
+          <a:fillRef idx="2">
+            <a:schemeClr val="accent2"/>
+          </a:fillRef>
+          <a:effectRef idx="1">
+            <a:schemeClr val="accent2"/>
+          </a:effectRef>
+          <a:fontRef idx="minor">
+            <a:schemeClr val="dk1"/>
+          </a:fontRef>
+        </p:style>
+      </p:cxnSp>
+      <p:cxnSp>
+        <p:nvCxnSpPr>
+          <p:cNvPr id="111" name="Elbow Connector 78">
+            <a:extLst>
+              <a:ext uri="{FF2B5EF4-FFF2-40B4-BE49-F238E27FC236}">
+                <a16:creationId xmlns:a16="http://schemas.microsoft.com/office/drawing/2014/main" id="{14F9C892-C3FD-4FB3-8EDB-1155D51E14C6}"/>
+              </a:ext>
+            </a:extLst>
+          </p:cNvPr>
+          <p:cNvCxnSpPr>
+            <a:cxnSpLocks/>
+            <a:stCxn id="103" idx="3"/>
+            <a:endCxn id="106" idx="1"/>
+          </p:cNvCxnSpPr>
+          <p:nvPr/>
+        </p:nvCxnSpPr>
+        <p:spPr>
+          <a:xfrm>
+            <a:off x="6551817" y="2312081"/>
+            <a:ext cx="1362245" cy="862774"/>
+          </a:xfrm>
+          <a:prstGeom prst="bentConnector3">
+            <a:avLst>
+              <a:gd name="adj1" fmla="val 50000"/>
+            </a:avLst>
+          </a:prstGeom>
+          <a:ln w="19050">
+            <a:solidFill>
+              <a:srgbClr val="7030A0"/>
+            </a:solidFill>
+            <a:headEnd type="none" w="med" len="med"/>
+            <a:tailEnd type="arrow" w="med" len="med"/>
+          </a:ln>
+          <a:effectLst/>
+        </p:spPr>
+        <p:style>
+          <a:lnRef idx="1">
+            <a:schemeClr val="accent2"/>
+          </a:lnRef>
+          <a:fillRef idx="2">
+            <a:schemeClr val="accent2"/>
+          </a:fillRef>
+          <a:effectRef idx="1">
+            <a:schemeClr val="accent2"/>
+          </a:effectRef>
+          <a:fontRef idx="minor">
+            <a:schemeClr val="dk1"/>
+          </a:fontRef>
+        </p:style>
+      </p:cxnSp>
     </p:spTree>
     <p:extLst>
       <p:ext uri="{BB962C8B-B14F-4D97-AF65-F5344CB8AC3E}">

--- a/docs/diagrams/ModelComponentClassDiagram.pptx
+++ b/docs/diagrams/ModelComponentClassDiagram.pptx
@@ -208,7 +208,7 @@
           <a:p>
             <a:fld id="{F5CC4B3F-88C1-4FFA-B1B6-F41C21DC6924}" type="datetimeFigureOut">
               <a:rPr lang="en-US" smtClean="0"/>
-              <a:t>17-Oct-18</a:t>
+              <a:t>10/19/2018</a:t>
             </a:fld>
             <a:endParaRPr lang="en-US"/>
           </a:p>
@@ -654,7 +654,7 @@
           <a:p>
             <a:fld id="{78C97017-6FC3-485B-9764-EAC9E56C1D49}" type="datetimeFigureOut">
               <a:rPr lang="en-US" smtClean="0"/>
-              <a:t>17-Oct-18</a:t>
+              <a:t>10/19/2018</a:t>
             </a:fld>
             <a:endParaRPr lang="en-US"/>
           </a:p>
@@ -822,7 +822,7 @@
           <a:p>
             <a:fld id="{78C97017-6FC3-485B-9764-EAC9E56C1D49}" type="datetimeFigureOut">
               <a:rPr lang="en-US" smtClean="0"/>
-              <a:t>17-Oct-18</a:t>
+              <a:t>10/19/2018</a:t>
             </a:fld>
             <a:endParaRPr lang="en-US"/>
           </a:p>
@@ -1000,7 +1000,7 @@
           <a:p>
             <a:fld id="{78C97017-6FC3-485B-9764-EAC9E56C1D49}" type="datetimeFigureOut">
               <a:rPr lang="en-US" smtClean="0"/>
-              <a:t>17-Oct-18</a:t>
+              <a:t>10/19/2018</a:t>
             </a:fld>
             <a:endParaRPr lang="en-US"/>
           </a:p>
@@ -1168,7 +1168,7 @@
           <a:p>
             <a:fld id="{78C97017-6FC3-485B-9764-EAC9E56C1D49}" type="datetimeFigureOut">
               <a:rPr lang="en-US" smtClean="0"/>
-              <a:t>17-Oct-18</a:t>
+              <a:t>10/19/2018</a:t>
             </a:fld>
             <a:endParaRPr lang="en-US"/>
           </a:p>
@@ -1413,7 +1413,7 @@
           <a:p>
             <a:fld id="{78C97017-6FC3-485B-9764-EAC9E56C1D49}" type="datetimeFigureOut">
               <a:rPr lang="en-US" smtClean="0"/>
-              <a:t>17-Oct-18</a:t>
+              <a:t>10/19/2018</a:t>
             </a:fld>
             <a:endParaRPr lang="en-US"/>
           </a:p>
@@ -1698,7 +1698,7 @@
           <a:p>
             <a:fld id="{78C97017-6FC3-485B-9764-EAC9E56C1D49}" type="datetimeFigureOut">
               <a:rPr lang="en-US" smtClean="0"/>
-              <a:t>17-Oct-18</a:t>
+              <a:t>10/19/2018</a:t>
             </a:fld>
             <a:endParaRPr lang="en-US"/>
           </a:p>
@@ -2117,7 +2117,7 @@
           <a:p>
             <a:fld id="{78C97017-6FC3-485B-9764-EAC9E56C1D49}" type="datetimeFigureOut">
               <a:rPr lang="en-US" smtClean="0"/>
-              <a:t>17-Oct-18</a:t>
+              <a:t>10/19/2018</a:t>
             </a:fld>
             <a:endParaRPr lang="en-US"/>
           </a:p>
@@ -2234,7 +2234,7 @@
           <a:p>
             <a:fld id="{78C97017-6FC3-485B-9764-EAC9E56C1D49}" type="datetimeFigureOut">
               <a:rPr lang="en-US" smtClean="0"/>
-              <a:t>17-Oct-18</a:t>
+              <a:t>10/19/2018</a:t>
             </a:fld>
             <a:endParaRPr lang="en-US"/>
           </a:p>
@@ -2329,7 +2329,7 @@
           <a:p>
             <a:fld id="{78C97017-6FC3-485B-9764-EAC9E56C1D49}" type="datetimeFigureOut">
               <a:rPr lang="en-US" smtClean="0"/>
-              <a:t>17-Oct-18</a:t>
+              <a:t>10/19/2018</a:t>
             </a:fld>
             <a:endParaRPr lang="en-US"/>
           </a:p>
@@ -2604,7 +2604,7 @@
           <a:p>
             <a:fld id="{78C97017-6FC3-485B-9764-EAC9E56C1D49}" type="datetimeFigureOut">
               <a:rPr lang="en-US" smtClean="0"/>
-              <a:t>17-Oct-18</a:t>
+              <a:t>10/19/2018</a:t>
             </a:fld>
             <a:endParaRPr lang="en-US"/>
           </a:p>
@@ -2856,7 +2856,7 @@
           <a:p>
             <a:fld id="{78C97017-6FC3-485B-9764-EAC9E56C1D49}" type="datetimeFigureOut">
               <a:rPr lang="en-US" smtClean="0"/>
-              <a:t>17-Oct-18</a:t>
+              <a:t>10/19/2018</a:t>
             </a:fld>
             <a:endParaRPr lang="en-US"/>
           </a:p>
@@ -3067,7 +3067,7 @@
           <a:p>
             <a:fld id="{78C97017-6FC3-485B-9764-EAC9E56C1D49}" type="datetimeFigureOut">
               <a:rPr lang="en-US" smtClean="0"/>
-              <a:t>17-Oct-18</a:t>
+              <a:t>10/19/2018</a:t>
             </a:fld>
             <a:endParaRPr lang="en-US"/>
           </a:p>
@@ -3450,8 +3450,8 @@
         </p:nvSpPr>
         <p:spPr>
           <a:xfrm>
-            <a:off x="304801" y="236898"/>
-            <a:ext cx="8839200" cy="6089657"/>
+            <a:off x="-76199" y="1"/>
+            <a:ext cx="9243528" cy="7569644"/>
           </a:xfrm>
           <a:prstGeom prst="roundRect">
             <a:avLst>
@@ -3511,7 +3511,7 @@
         </p:nvSpPr>
         <p:spPr>
           <a:xfrm>
-            <a:off x="2109668" y="4443703"/>
+            <a:off x="2132995" y="5189078"/>
             <a:ext cx="1093635" cy="346760"/>
           </a:xfrm>
           <a:prstGeom prst="rect">
@@ -3570,7 +3570,7 @@
         </p:nvSpPr>
         <p:spPr>
           <a:xfrm rot="16200000">
-            <a:off x="894036" y="4078213"/>
+            <a:off x="917363" y="4823588"/>
             <a:ext cx="1093635" cy="346760"/>
           </a:xfrm>
           <a:prstGeom prst="rect">
@@ -3633,7 +3633,7 @@
         </p:nvCxnSpPr>
         <p:spPr>
           <a:xfrm rot="5400000" flipH="1" flipV="1">
-            <a:off x="3363995" y="2262148"/>
+            <a:off x="3387322" y="3007523"/>
             <a:ext cx="613122" cy="4459404"/>
           </a:xfrm>
           <a:prstGeom prst="bentConnector3">
@@ -3674,7 +3674,7 @@
         </p:nvSpPr>
         <p:spPr>
           <a:xfrm rot="16200000">
-            <a:off x="188690" y="3841665"/>
+            <a:off x="212017" y="4587040"/>
             <a:ext cx="1093635" cy="346760"/>
           </a:xfrm>
           <a:prstGeom prst="rect">
@@ -3744,7 +3744,7 @@
         </p:nvSpPr>
         <p:spPr>
           <a:xfrm rot="16200000">
-            <a:off x="859398" y="3932754"/>
+            <a:off x="882725" y="4678129"/>
             <a:ext cx="270504" cy="175523"/>
           </a:xfrm>
           <a:prstGeom prst="triangle">
@@ -3794,7 +3794,7 @@
         </p:nvCxnSpPr>
         <p:spPr>
           <a:xfrm>
-            <a:off x="1842316" y="4617083"/>
+            <a:off x="1865643" y="5362458"/>
             <a:ext cx="267352" cy="0"/>
           </a:xfrm>
           <a:prstGeom prst="straightConnector1">
@@ -3832,7 +3832,7 @@
         </p:nvCxnSpPr>
         <p:spPr>
           <a:xfrm>
-            <a:off x="179843" y="4006467"/>
+            <a:off x="203170" y="4751842"/>
             <a:ext cx="419548" cy="2860"/>
           </a:xfrm>
           <a:prstGeom prst="bentConnector3">
@@ -3877,7 +3877,7 @@
         </p:nvCxnSpPr>
         <p:spPr>
           <a:xfrm flipV="1">
-            <a:off x="1082412" y="4020515"/>
+            <a:off x="1105739" y="4765890"/>
             <a:ext cx="216105" cy="1"/>
           </a:xfrm>
           <a:prstGeom prst="line">
@@ -3916,7 +3916,7 @@
         </p:nvSpPr>
         <p:spPr>
           <a:xfrm>
-            <a:off x="1606268" y="4530393"/>
+            <a:off x="1629595" y="5275768"/>
             <a:ext cx="236048" cy="173380"/>
           </a:xfrm>
           <a:prstGeom prst="flowChartDecision">
@@ -3961,7 +3961,7 @@
         </p:nvSpPr>
         <p:spPr>
           <a:xfrm>
-            <a:off x="2057768" y="3826625"/>
+            <a:off x="2081095" y="4572000"/>
             <a:ext cx="1490560" cy="334856"/>
           </a:xfrm>
           <a:prstGeom prst="rect">
@@ -4020,7 +4020,7 @@
         </p:nvCxnSpPr>
         <p:spPr>
           <a:xfrm>
-            <a:off x="1856848" y="3983496"/>
+            <a:off x="1880175" y="4728871"/>
             <a:ext cx="200920" cy="10557"/>
           </a:xfrm>
           <a:prstGeom prst="straightConnector1">
@@ -4058,7 +4058,7 @@
         </p:nvSpPr>
         <p:spPr>
           <a:xfrm>
-            <a:off x="1620800" y="3896806"/>
+            <a:off x="1644127" y="4642181"/>
             <a:ext cx="236048" cy="173380"/>
           </a:xfrm>
           <a:prstGeom prst="flowChartDecision">
@@ -4103,7 +4103,7 @@
         </p:nvSpPr>
         <p:spPr>
           <a:xfrm>
-            <a:off x="3942751" y="3808105"/>
+            <a:off x="3966078" y="4553480"/>
             <a:ext cx="1156969" cy="346760"/>
           </a:xfrm>
           <a:prstGeom prst="rect">
@@ -4159,7 +4159,7 @@
         </p:nvSpPr>
         <p:spPr>
           <a:xfrm>
-            <a:off x="3557460" y="3900995"/>
+            <a:off x="3580787" y="4646370"/>
             <a:ext cx="236048" cy="173380"/>
           </a:xfrm>
           <a:prstGeom prst="flowChartDecision">
@@ -4206,7 +4206,7 @@
         </p:nvSpPr>
         <p:spPr>
           <a:xfrm>
-            <a:off x="5546165" y="3838529"/>
+            <a:off x="5569492" y="4583904"/>
             <a:ext cx="708186" cy="346760"/>
           </a:xfrm>
           <a:prstGeom prst="rect">
@@ -4262,7 +4262,7 @@
         </p:nvSpPr>
         <p:spPr>
           <a:xfrm>
-            <a:off x="5091239" y="3922139"/>
+            <a:off x="5114566" y="4667514"/>
             <a:ext cx="236048" cy="173380"/>
           </a:xfrm>
           <a:prstGeom prst="flowChartDecision">
@@ -4310,7 +4310,7 @@
         </p:nvCxnSpPr>
         <p:spPr>
           <a:xfrm>
-            <a:off x="5327287" y="4008829"/>
+            <a:off x="5350614" y="4754204"/>
             <a:ext cx="218878" cy="3080"/>
           </a:xfrm>
           <a:prstGeom prst="bentConnector3">
@@ -4348,7 +4348,7 @@
         </p:nvSpPr>
         <p:spPr>
           <a:xfrm>
-            <a:off x="7955436" y="4736791"/>
+            <a:off x="7978763" y="5482166"/>
             <a:ext cx="708186" cy="285783"/>
           </a:xfrm>
           <a:prstGeom prst="rect">
@@ -4404,7 +4404,7 @@
         </p:nvSpPr>
         <p:spPr>
           <a:xfrm>
-            <a:off x="6274435" y="3928664"/>
+            <a:off x="6297762" y="4674039"/>
             <a:ext cx="236048" cy="173380"/>
           </a:xfrm>
           <a:prstGeom prst="flowChartDecision">
@@ -4455,7 +4455,7 @@
         </p:nvCxnSpPr>
         <p:spPr>
           <a:xfrm>
-            <a:off x="6510483" y="4015354"/>
+            <a:off x="6533810" y="4760729"/>
             <a:ext cx="1444953" cy="864329"/>
           </a:xfrm>
           <a:prstGeom prst="bentConnector3">
@@ -4493,7 +4493,7 @@
         </p:nvSpPr>
         <p:spPr>
           <a:xfrm>
-            <a:off x="7955436" y="5059769"/>
+            <a:off x="7978763" y="5805144"/>
             <a:ext cx="708186" cy="285783"/>
           </a:xfrm>
           <a:prstGeom prst="rect">
@@ -4553,7 +4553,7 @@
         </p:nvCxnSpPr>
         <p:spPr>
           <a:xfrm>
-            <a:off x="6510483" y="4015354"/>
+            <a:off x="6533810" y="4760729"/>
             <a:ext cx="1444953" cy="1187307"/>
           </a:xfrm>
           <a:prstGeom prst="bentConnector3">
@@ -4591,7 +4591,7 @@
         </p:nvSpPr>
         <p:spPr>
           <a:xfrm>
-            <a:off x="7955436" y="5382747"/>
+            <a:off x="7978763" y="6128122"/>
             <a:ext cx="708186" cy="285783"/>
           </a:xfrm>
           <a:prstGeom prst="rect">
@@ -4651,7 +4651,7 @@
         </p:nvCxnSpPr>
         <p:spPr>
           <a:xfrm>
-            <a:off x="6510483" y="4015354"/>
+            <a:off x="6533810" y="4760729"/>
             <a:ext cx="1444953" cy="1510285"/>
           </a:xfrm>
           <a:prstGeom prst="bentConnector3">
@@ -4689,7 +4689,7 @@
         </p:nvSpPr>
         <p:spPr>
           <a:xfrm>
-            <a:off x="7965363" y="5657214"/>
+            <a:off x="7988690" y="6402589"/>
             <a:ext cx="708186" cy="285783"/>
           </a:xfrm>
           <a:prstGeom prst="rect">
@@ -4749,7 +4749,7 @@
         </p:nvCxnSpPr>
         <p:spPr>
           <a:xfrm>
-            <a:off x="6510483" y="4015354"/>
+            <a:off x="6533810" y="4760729"/>
             <a:ext cx="1454880" cy="1784752"/>
           </a:xfrm>
           <a:prstGeom prst="bentConnector3">
@@ -4789,7 +4789,7 @@
         </p:nvCxnSpPr>
         <p:spPr>
           <a:xfrm rot="5400000">
-            <a:off x="2786099" y="3668022"/>
+            <a:off x="2809426" y="4413397"/>
             <a:ext cx="293825" cy="5938"/>
           </a:xfrm>
           <a:prstGeom prst="bentConnector3">
@@ -4830,7 +4830,7 @@
         </p:nvSpPr>
         <p:spPr>
           <a:xfrm rot="10800000" flipV="1">
-            <a:off x="2794787" y="3367017"/>
+            <a:off x="2818114" y="4112392"/>
             <a:ext cx="282387" cy="157062"/>
           </a:xfrm>
           <a:prstGeom prst="triangle">
@@ -4878,7 +4878,7 @@
         </p:nvSpPr>
         <p:spPr>
           <a:xfrm>
-            <a:off x="493410" y="2978813"/>
+            <a:off x="516737" y="3724188"/>
             <a:ext cx="1443661" cy="364396"/>
           </a:xfrm>
           <a:prstGeom prst="rect">
@@ -4949,7 +4949,7 @@
         </p:nvSpPr>
         <p:spPr>
           <a:xfrm rot="16200000">
-            <a:off x="5660669" y="4374947"/>
+            <a:off x="5683996" y="5120322"/>
             <a:ext cx="881018" cy="430887"/>
           </a:xfrm>
           <a:prstGeom prst="rect">
@@ -5002,7 +5002,7 @@
         </p:nvSpPr>
         <p:spPr>
           <a:xfrm>
-            <a:off x="1289889" y="5219954"/>
+            <a:off x="1313216" y="5965329"/>
             <a:ext cx="1066800" cy="346760"/>
           </a:xfrm>
           <a:prstGeom prst="rect">
@@ -5076,7 +5076,7 @@
         </p:nvCxnSpPr>
         <p:spPr>
           <a:xfrm rot="16200000" flipH="1">
-            <a:off x="596963" y="4700407"/>
+            <a:off x="620290" y="5445782"/>
             <a:ext cx="831471" cy="554381"/>
           </a:xfrm>
           <a:prstGeom prst="bentConnector2">
@@ -5115,7 +5115,7 @@
         </p:nvSpPr>
         <p:spPr>
           <a:xfrm>
-            <a:off x="3662467" y="4091942"/>
+            <a:off x="3685794" y="4837317"/>
             <a:ext cx="189257" cy="178683"/>
           </a:xfrm>
           <a:prstGeom prst="rect">
@@ -5154,7 +5154,7 @@
         </p:nvSpPr>
         <p:spPr>
           <a:xfrm>
-            <a:off x="5367744" y="4078380"/>
+            <a:off x="5391071" y="4823755"/>
             <a:ext cx="189257" cy="178683"/>
           </a:xfrm>
           <a:prstGeom prst="rect">
@@ -5193,7 +5193,7 @@
         </p:nvSpPr>
         <p:spPr>
           <a:xfrm>
-            <a:off x="1805882" y="3737178"/>
+            <a:off x="1829209" y="4482553"/>
             <a:ext cx="170110" cy="137542"/>
           </a:xfrm>
           <a:prstGeom prst="rect">
@@ -5232,7 +5232,7 @@
         </p:nvSpPr>
         <p:spPr>
           <a:xfrm>
-            <a:off x="1939558" y="4648200"/>
+            <a:off x="1962885" y="5393575"/>
             <a:ext cx="189257" cy="178683"/>
           </a:xfrm>
           <a:prstGeom prst="rect">
@@ -5271,7 +5271,7 @@
         </p:nvSpPr>
         <p:spPr>
           <a:xfrm>
-            <a:off x="5682384" y="4185289"/>
+            <a:off x="5705711" y="4930664"/>
             <a:ext cx="189257" cy="178683"/>
           </a:xfrm>
           <a:prstGeom prst="rect">
@@ -5316,7 +5316,7 @@
         </p:nvSpPr>
         <p:spPr>
           <a:xfrm>
-            <a:off x="7955436" y="4401370"/>
+            <a:off x="7978763" y="5146745"/>
             <a:ext cx="708186" cy="285783"/>
           </a:xfrm>
           <a:prstGeom prst="rect">
@@ -5382,7 +5382,7 @@
         </p:nvCxnSpPr>
         <p:spPr>
           <a:xfrm>
-            <a:off x="6510483" y="4015354"/>
+            <a:off x="6533810" y="4760729"/>
             <a:ext cx="1444953" cy="528908"/>
           </a:xfrm>
           <a:prstGeom prst="bentConnector3">
@@ -5428,7 +5428,7 @@
         </p:nvSpPr>
         <p:spPr>
           <a:xfrm>
-            <a:off x="7798329" y="4302898"/>
+            <a:off x="7821656" y="5048273"/>
             <a:ext cx="189257" cy="178683"/>
           </a:xfrm>
           <a:prstGeom prst="rect">
@@ -5467,7 +5467,7 @@
         </p:nvSpPr>
         <p:spPr>
           <a:xfrm>
-            <a:off x="2402669" y="2978813"/>
+            <a:off x="2425996" y="3724188"/>
             <a:ext cx="1060683" cy="364396"/>
           </a:xfrm>
           <a:prstGeom prst="rect">
@@ -5527,7 +5527,7 @@
         </p:nvCxnSpPr>
         <p:spPr>
           <a:xfrm flipV="1">
-            <a:off x="3557460" y="3981485"/>
+            <a:off x="3580787" y="4726860"/>
             <a:ext cx="385291" cy="6200"/>
           </a:xfrm>
           <a:prstGeom prst="straightConnector1">
@@ -5565,7 +5565,7 @@
         </p:nvSpPr>
         <p:spPr>
           <a:xfrm rot="16200000">
-            <a:off x="1901561" y="3049621"/>
+            <a:off x="1924888" y="3794996"/>
             <a:ext cx="271014" cy="187417"/>
           </a:xfrm>
           <a:prstGeom prst="triangle">
@@ -5620,7 +5620,7 @@
         </p:nvCxnSpPr>
         <p:spPr>
           <a:xfrm>
-            <a:off x="2130777" y="3158190"/>
+            <a:off x="2154104" y="3903565"/>
             <a:ext cx="271892" cy="2821"/>
           </a:xfrm>
           <a:prstGeom prst="bentConnector3">
@@ -5671,7 +5671,7 @@
         </p:nvCxnSpPr>
         <p:spPr>
           <a:xfrm rot="5400000" flipH="1" flipV="1">
-            <a:off x="3482064" y="3472257"/>
+            <a:off x="3505391" y="4217632"/>
             <a:ext cx="622158" cy="235319"/>
           </a:xfrm>
           <a:prstGeom prst="bentConnector2">
@@ -5716,7 +5716,7 @@
         </p:nvSpPr>
         <p:spPr>
           <a:xfrm>
-            <a:off x="3910803" y="3105457"/>
+            <a:off x="3934130" y="3850832"/>
             <a:ext cx="1156969" cy="346760"/>
           </a:xfrm>
           <a:prstGeom prst="rect">
@@ -5778,7 +5778,7 @@
         </p:nvSpPr>
         <p:spPr>
           <a:xfrm>
-            <a:off x="5635365" y="3116846"/>
+            <a:off x="5658692" y="3862221"/>
             <a:ext cx="708186" cy="346760"/>
           </a:xfrm>
           <a:prstGeom prst="rect">
@@ -5840,7 +5840,7 @@
         </p:nvSpPr>
         <p:spPr>
           <a:xfrm>
-            <a:off x="5072239" y="3212221"/>
+            <a:off x="5095566" y="3957596"/>
             <a:ext cx="236048" cy="173380"/>
           </a:xfrm>
           <a:prstGeom prst="flowChartDecision">
@@ -5893,7 +5893,7 @@
         </p:nvCxnSpPr>
         <p:spPr>
           <a:xfrm flipV="1">
-            <a:off x="5313739" y="3293018"/>
+            <a:off x="5337066" y="4038393"/>
             <a:ext cx="317618" cy="5893"/>
           </a:xfrm>
           <a:prstGeom prst="bentConnector3">
@@ -5939,7 +5939,7 @@
         </p:nvSpPr>
         <p:spPr>
           <a:xfrm>
-            <a:off x="6354253" y="3195360"/>
+            <a:off x="6377580" y="3940735"/>
             <a:ext cx="236048" cy="173380"/>
           </a:xfrm>
           <a:prstGeom prst="flowChartDecision">
@@ -5996,7 +5996,7 @@
         </p:nvCxnSpPr>
         <p:spPr>
           <a:xfrm>
-            <a:off x="6590301" y="3282050"/>
+            <a:off x="6613628" y="4027425"/>
             <a:ext cx="1312856" cy="319260"/>
           </a:xfrm>
           <a:prstGeom prst="bentConnector3">
@@ -6042,7 +6042,7 @@
         </p:nvSpPr>
         <p:spPr>
           <a:xfrm>
-            <a:off x="7903157" y="3458418"/>
+            <a:off x="7926484" y="4203793"/>
             <a:ext cx="802815" cy="285783"/>
           </a:xfrm>
           <a:prstGeom prst="rect">
@@ -6104,7 +6104,7 @@
         </p:nvSpPr>
         <p:spPr>
           <a:xfrm>
-            <a:off x="7903158" y="3815961"/>
+            <a:off x="7926485" y="4561336"/>
             <a:ext cx="802815" cy="285783"/>
           </a:xfrm>
           <a:prstGeom prst="rect">
@@ -6170,7 +6170,7 @@
         </p:nvCxnSpPr>
         <p:spPr>
           <a:xfrm>
-            <a:off x="6590301" y="3282050"/>
+            <a:off x="6613628" y="4027425"/>
             <a:ext cx="1312857" cy="676803"/>
           </a:xfrm>
           <a:prstGeom prst="bentConnector3">
@@ -6216,7 +6216,7 @@
         </p:nvSpPr>
         <p:spPr>
           <a:xfrm>
-            <a:off x="3927199" y="2117151"/>
+            <a:off x="3950526" y="2862526"/>
             <a:ext cx="1164040" cy="346760"/>
           </a:xfrm>
           <a:prstGeom prst="rect">
@@ -6282,7 +6282,7 @@
         </p:nvCxnSpPr>
         <p:spPr>
           <a:xfrm rot="5400000" flipH="1" flipV="1">
-            <a:off x="2996109" y="2969906"/>
+            <a:off x="3019436" y="3715281"/>
             <a:ext cx="1610464" cy="251715"/>
           </a:xfrm>
           <a:prstGeom prst="bentConnector2">
@@ -6327,7 +6327,7 @@
         </p:nvSpPr>
         <p:spPr>
           <a:xfrm>
-            <a:off x="3922239" y="756663"/>
+            <a:off x="3945566" y="1502038"/>
             <a:ext cx="1164040" cy="346760"/>
           </a:xfrm>
           <a:prstGeom prst="rect">
@@ -6393,7 +6393,7 @@
         </p:nvCxnSpPr>
         <p:spPr>
           <a:xfrm rot="5400000" flipH="1" flipV="1">
-            <a:off x="2313385" y="2292142"/>
+            <a:off x="2336712" y="3037517"/>
             <a:ext cx="2970952" cy="246755"/>
           </a:xfrm>
           <a:prstGeom prst="bentConnector2">
@@ -6438,7 +6438,7 @@
         </p:nvSpPr>
         <p:spPr>
           <a:xfrm>
-            <a:off x="5077691" y="2233514"/>
+            <a:off x="5101018" y="2978889"/>
             <a:ext cx="236048" cy="173380"/>
           </a:xfrm>
           <a:prstGeom prst="flowChartDecision">
@@ -6489,7 +6489,7 @@
         </p:nvSpPr>
         <p:spPr>
           <a:xfrm>
-            <a:off x="5076029" y="852724"/>
+            <a:off x="5099356" y="1598099"/>
             <a:ext cx="236048" cy="173380"/>
           </a:xfrm>
           <a:prstGeom prst="flowChartDecision">
@@ -6544,7 +6544,7 @@
         </p:nvCxnSpPr>
         <p:spPr>
           <a:xfrm>
-            <a:off x="5313739" y="2320204"/>
+            <a:off x="5337066" y="3065579"/>
             <a:ext cx="293844" cy="5649"/>
           </a:xfrm>
           <a:prstGeom prst="bentConnector3">
@@ -6594,7 +6594,7 @@
         </p:nvCxnSpPr>
         <p:spPr>
           <a:xfrm>
-            <a:off x="5312077" y="939414"/>
+            <a:off x="5335404" y="1684789"/>
             <a:ext cx="295506" cy="2309"/>
           </a:xfrm>
           <a:prstGeom prst="bentConnector3">
@@ -6640,7 +6640,7 @@
         </p:nvSpPr>
         <p:spPr>
           <a:xfrm>
-            <a:off x="5607583" y="2152473"/>
+            <a:off x="5630910" y="2897848"/>
             <a:ext cx="708186" cy="346760"/>
           </a:xfrm>
           <a:prstGeom prst="rect">
@@ -6702,7 +6702,7 @@
         </p:nvSpPr>
         <p:spPr>
           <a:xfrm>
-            <a:off x="5607583" y="768343"/>
+            <a:off x="5630910" y="1513718"/>
             <a:ext cx="708186" cy="346760"/>
           </a:xfrm>
           <a:prstGeom prst="rect">
@@ -6764,7 +6764,7 @@
         </p:nvSpPr>
         <p:spPr>
           <a:xfrm>
-            <a:off x="6311595" y="852724"/>
+            <a:off x="6334922" y="1598099"/>
             <a:ext cx="236048" cy="173380"/>
           </a:xfrm>
           <a:prstGeom prst="flowChartDecision">
@@ -6817,7 +6817,7 @@
         </p:nvSpPr>
         <p:spPr>
           <a:xfrm>
-            <a:off x="6315769" y="2225391"/>
+            <a:off x="6339096" y="2970766"/>
             <a:ext cx="236048" cy="173380"/>
           </a:xfrm>
           <a:prstGeom prst="flowChartDecision">
@@ -6870,7 +6870,7 @@
         </p:nvSpPr>
         <p:spPr>
           <a:xfrm>
-            <a:off x="7903156" y="2391826"/>
+            <a:off x="7926483" y="3137201"/>
             <a:ext cx="802815" cy="285783"/>
           </a:xfrm>
           <a:prstGeom prst="rect">
@@ -6936,7 +6936,7 @@
         </p:nvCxnSpPr>
         <p:spPr>
           <a:xfrm>
-            <a:off x="6551817" y="2312081"/>
+            <a:off x="6575144" y="3057456"/>
             <a:ext cx="1351339" cy="222637"/>
           </a:xfrm>
           <a:prstGeom prst="bentConnector3">
@@ -6982,7 +6982,7 @@
         </p:nvSpPr>
         <p:spPr>
           <a:xfrm>
-            <a:off x="7914063" y="2014930"/>
+            <a:off x="7937390" y="2760305"/>
             <a:ext cx="802815" cy="285783"/>
           </a:xfrm>
           <a:prstGeom prst="rect">
@@ -7048,7 +7048,7 @@
         </p:nvCxnSpPr>
         <p:spPr>
           <a:xfrm flipV="1">
-            <a:off x="6551817" y="2157822"/>
+            <a:off x="6575144" y="2903197"/>
             <a:ext cx="1362246" cy="154259"/>
           </a:xfrm>
           <a:prstGeom prst="bentConnector3">
@@ -7094,7 +7094,7 @@
         </p:nvSpPr>
         <p:spPr>
           <a:xfrm>
-            <a:off x="7919805" y="1610499"/>
+            <a:off x="7943132" y="2355874"/>
             <a:ext cx="802815" cy="285783"/>
           </a:xfrm>
           <a:prstGeom prst="rect">
@@ -7168,7 +7168,7 @@
         </p:nvCxnSpPr>
         <p:spPr>
           <a:xfrm flipV="1">
-            <a:off x="6551817" y="1753391"/>
+            <a:off x="6575144" y="2498766"/>
             <a:ext cx="1367988" cy="558690"/>
           </a:xfrm>
           <a:prstGeom prst="bentConnector3">
@@ -7214,7 +7214,7 @@
         </p:nvSpPr>
         <p:spPr>
           <a:xfrm>
-            <a:off x="7938357" y="33731"/>
+            <a:off x="7821656" y="172782"/>
             <a:ext cx="802815" cy="285783"/>
           </a:xfrm>
           <a:prstGeom prst="rect">
@@ -7271,7 +7271,7 @@
         </p:nvSpPr>
         <p:spPr>
           <a:xfrm>
-            <a:off x="7939134" y="390857"/>
+            <a:off x="7822433" y="529908"/>
             <a:ext cx="802815" cy="285783"/>
           </a:xfrm>
           <a:prstGeom prst="rect">
@@ -7328,7 +7328,7 @@
         </p:nvSpPr>
         <p:spPr>
           <a:xfrm>
-            <a:off x="7917334" y="785593"/>
+            <a:off x="7800633" y="924644"/>
             <a:ext cx="985596" cy="310801"/>
           </a:xfrm>
           <a:prstGeom prst="rect">
@@ -7394,8 +7394,8 @@
         </p:nvCxnSpPr>
         <p:spPr>
           <a:xfrm flipV="1">
-            <a:off x="6547643" y="176623"/>
-            <a:ext cx="1390714" cy="762791"/>
+            <a:off x="6570970" y="315674"/>
+            <a:ext cx="1250686" cy="1369115"/>
           </a:xfrm>
           <a:prstGeom prst="bentConnector3">
             <a:avLst>
@@ -7444,8 +7444,8 @@
         </p:nvCxnSpPr>
         <p:spPr>
           <a:xfrm flipV="1">
-            <a:off x="6547643" y="533749"/>
-            <a:ext cx="1391491" cy="405665"/>
+            <a:off x="6570970" y="672800"/>
+            <a:ext cx="1251463" cy="1011989"/>
           </a:xfrm>
           <a:prstGeom prst="bentConnector3">
             <a:avLst>
@@ -7493,9 +7493,9 @@
           <p:nvPr/>
         </p:nvCxnSpPr>
         <p:spPr>
-          <a:xfrm>
-            <a:off x="6547643" y="939414"/>
-            <a:ext cx="1369691" cy="1580"/>
+          <a:xfrm flipV="1">
+            <a:off x="6570970" y="1080045"/>
+            <a:ext cx="1229663" cy="604744"/>
           </a:xfrm>
           <a:prstGeom prst="bentConnector3">
             <a:avLst>
@@ -7544,7 +7544,7 @@
         </p:nvCxnSpPr>
         <p:spPr>
           <a:xfrm>
-            <a:off x="5961676" y="1115103"/>
+            <a:off x="5985003" y="1860478"/>
             <a:ext cx="0" cy="1037370"/>
           </a:xfrm>
           <a:prstGeom prst="line">
@@ -7581,7 +7581,7 @@
         </p:nvSpPr>
         <p:spPr>
           <a:xfrm rot="16200000">
-            <a:off x="5376978" y="1593766"/>
+            <a:off x="5400305" y="2339141"/>
             <a:ext cx="973343" cy="246221"/>
           </a:xfrm>
           <a:prstGeom prst="rect">
@@ -7620,7 +7620,7 @@
         </p:nvSpPr>
         <p:spPr>
           <a:xfrm>
-            <a:off x="5817564" y="1201733"/>
+            <a:off x="5840891" y="1947108"/>
             <a:ext cx="119029" cy="105129"/>
           </a:xfrm>
           <a:prstGeom prst="triangle">
@@ -7672,7 +7672,7 @@
         </p:nvSpPr>
         <p:spPr>
           <a:xfrm rot="5400000">
-            <a:off x="5850587" y="1712145"/>
+            <a:off x="5873914" y="2457520"/>
             <a:ext cx="468398" cy="246221"/>
           </a:xfrm>
           <a:prstGeom prst="rect">
@@ -7711,7 +7711,7 @@
         </p:nvSpPr>
         <p:spPr>
           <a:xfrm rot="10800000">
-            <a:off x="6005883" y="1999173"/>
+            <a:off x="6029210" y="2744548"/>
             <a:ext cx="119029" cy="105129"/>
           </a:xfrm>
           <a:prstGeom prst="triangle">
@@ -7763,7 +7763,7 @@
         </p:nvSpPr>
         <p:spPr>
           <a:xfrm>
-            <a:off x="7903156" y="2721403"/>
+            <a:off x="7926483" y="3466778"/>
             <a:ext cx="802815" cy="285783"/>
           </a:xfrm>
           <a:prstGeom prst="rect">
@@ -7833,7 +7833,7 @@
         </p:nvSpPr>
         <p:spPr>
           <a:xfrm>
-            <a:off x="7903157" y="1232887"/>
+            <a:off x="7926484" y="1978262"/>
             <a:ext cx="802815" cy="285783"/>
           </a:xfrm>
           <a:prstGeom prst="rect">
@@ -7895,7 +7895,7 @@
         </p:nvSpPr>
         <p:spPr>
           <a:xfrm>
-            <a:off x="7914062" y="3031963"/>
+            <a:off x="7937389" y="3777338"/>
             <a:ext cx="802815" cy="285783"/>
           </a:xfrm>
           <a:prstGeom prst="rect">
@@ -7928,20 +7928,12 @@
           <a:p>
             <a:pPr algn="ctr"/>
             <a:r>
-              <a:rPr lang="en-US" sz="1050" dirty="0" err="1">
-                <a:solidFill>
-                  <a:srgbClr val="7030A0"/>
-                </a:solidFill>
-              </a:rPr>
-              <a:t>JobPriority</a:t>
-            </a:r>
-            <a:r>
               <a:rPr lang="en-US" sz="1050" dirty="0">
                 <a:solidFill>
                   <a:srgbClr val="7030A0"/>
                 </a:solidFill>
               </a:rPr>
-              <a:t> </a:t>
+              <a:t>Priority </a:t>
             </a:r>
             <a:endParaRPr lang="en-SG" sz="1050" dirty="0">
               <a:solidFill>
@@ -7969,7 +7961,7 @@
         </p:nvCxnSpPr>
         <p:spPr>
           <a:xfrm>
-            <a:off x="6551817" y="2312081"/>
+            <a:off x="6575144" y="3057456"/>
             <a:ext cx="1351339" cy="552214"/>
           </a:xfrm>
           <a:prstGeom prst="bentConnector3">
@@ -8019,7 +8011,7 @@
         </p:nvCxnSpPr>
         <p:spPr>
           <a:xfrm flipV="1">
-            <a:off x="6551817" y="1375779"/>
+            <a:off x="6575144" y="2121154"/>
             <a:ext cx="1351340" cy="936302"/>
           </a:xfrm>
           <a:prstGeom prst="bentConnector3">
@@ -8069,8 +8061,120 @@
         </p:nvCxnSpPr>
         <p:spPr>
           <a:xfrm>
-            <a:off x="6551817" y="2312081"/>
+            <a:off x="6575144" y="3057456"/>
             <a:ext cx="1362245" cy="862774"/>
+          </a:xfrm>
+          <a:prstGeom prst="bentConnector3">
+            <a:avLst>
+              <a:gd name="adj1" fmla="val 50000"/>
+            </a:avLst>
+          </a:prstGeom>
+          <a:ln w="19050">
+            <a:solidFill>
+              <a:srgbClr val="7030A0"/>
+            </a:solidFill>
+            <a:headEnd type="none" w="med" len="med"/>
+            <a:tailEnd type="arrow" w="med" len="med"/>
+          </a:ln>
+          <a:effectLst/>
+        </p:spPr>
+        <p:style>
+          <a:lnRef idx="1">
+            <a:schemeClr val="accent2"/>
+          </a:lnRef>
+          <a:fillRef idx="2">
+            <a:schemeClr val="accent2"/>
+          </a:fillRef>
+          <a:effectRef idx="1">
+            <a:schemeClr val="accent2"/>
+          </a:effectRef>
+          <a:fontRef idx="minor">
+            <a:schemeClr val="dk1"/>
+          </a:fontRef>
+        </p:style>
+      </p:cxnSp>
+      <p:sp>
+        <p:nvSpPr>
+          <p:cNvPr id="110" name="Rectangle 8">
+            <a:extLst>
+              <a:ext uri="{FF2B5EF4-FFF2-40B4-BE49-F238E27FC236}">
+                <a16:creationId xmlns:a16="http://schemas.microsoft.com/office/drawing/2014/main" id="{D9F9D33E-B3A4-498B-BE0D-4FB3D77516CD}"/>
+              </a:ext>
+            </a:extLst>
+          </p:cNvPr>
+          <p:cNvSpPr/>
+          <p:nvPr/>
+        </p:nvSpPr>
+        <p:spPr>
+          <a:xfrm>
+            <a:off x="7931659" y="1590110"/>
+            <a:ext cx="802815" cy="285783"/>
+          </a:xfrm>
+          <a:prstGeom prst="rect">
+            <a:avLst/>
+          </a:prstGeom>
+          <a:ln w="19050">
+            <a:solidFill>
+              <a:srgbClr val="7030A0"/>
+            </a:solidFill>
+          </a:ln>
+          <a:effectLst/>
+        </p:spPr>
+        <p:style>
+          <a:lnRef idx="1">
+            <a:schemeClr val="accent4"/>
+          </a:lnRef>
+          <a:fillRef idx="2">
+            <a:schemeClr val="accent4"/>
+          </a:fillRef>
+          <a:effectRef idx="1">
+            <a:schemeClr val="accent4"/>
+          </a:effectRef>
+          <a:fontRef idx="minor">
+            <a:schemeClr val="dk1"/>
+          </a:fontRef>
+        </p:style>
+        <p:txBody>
+          <a:bodyPr rtlCol="0" anchor="ctr"/>
+          <a:lstStyle/>
+          <a:p>
+            <a:pPr algn="ctr"/>
+            <a:r>
+              <a:rPr lang="en-US" sz="1050" dirty="0">
+                <a:solidFill>
+                  <a:srgbClr val="7030A0"/>
+                </a:solidFill>
+              </a:rPr>
+              <a:t>Status </a:t>
+            </a:r>
+            <a:endParaRPr lang="en-SG" sz="1050" dirty="0">
+              <a:solidFill>
+                <a:srgbClr val="7030A0"/>
+              </a:solidFill>
+            </a:endParaRPr>
+          </a:p>
+        </p:txBody>
+      </p:sp>
+      <p:cxnSp>
+        <p:nvCxnSpPr>
+          <p:cNvPr id="112" name="Elbow Connector 78">
+            <a:extLst>
+              <a:ext uri="{FF2B5EF4-FFF2-40B4-BE49-F238E27FC236}">
+                <a16:creationId xmlns:a16="http://schemas.microsoft.com/office/drawing/2014/main" id="{6A5FEAEE-BB4E-4E17-9E04-5A8FE46294D4}"/>
+              </a:ext>
+            </a:extLst>
+          </p:cNvPr>
+          <p:cNvCxnSpPr>
+            <a:cxnSpLocks/>
+            <a:stCxn id="103" idx="3"/>
+            <a:endCxn id="110" idx="1"/>
+          </p:cNvCxnSpPr>
+          <p:nvPr/>
+        </p:nvCxnSpPr>
+        <p:spPr>
+          <a:xfrm flipV="1">
+            <a:off x="6575144" y="1733002"/>
+            <a:ext cx="1356515" cy="1324454"/>
           </a:xfrm>
           <a:prstGeom prst="bentConnector3">
             <a:avLst>

--- a/docs/diagrams/ModelComponentClassDiagram.pptx
+++ b/docs/diagrams/ModelComponentClassDiagram.pptx
@@ -208,7 +208,7 @@
           <a:p>
             <a:fld id="{F5CC4B3F-88C1-4FFA-B1B6-F41C21DC6924}" type="datetimeFigureOut">
               <a:rPr lang="en-US" smtClean="0"/>
-              <a:t>10/19/2018</a:t>
+              <a:t>10/30/2018</a:t>
             </a:fld>
             <a:endParaRPr lang="en-US"/>
           </a:p>
@@ -654,7 +654,7 @@
           <a:p>
             <a:fld id="{78C97017-6FC3-485B-9764-EAC9E56C1D49}" type="datetimeFigureOut">
               <a:rPr lang="en-US" smtClean="0"/>
-              <a:t>10/19/2018</a:t>
+              <a:t>10/30/2018</a:t>
             </a:fld>
             <a:endParaRPr lang="en-US"/>
           </a:p>
@@ -822,7 +822,7 @@
           <a:p>
             <a:fld id="{78C97017-6FC3-485B-9764-EAC9E56C1D49}" type="datetimeFigureOut">
               <a:rPr lang="en-US" smtClean="0"/>
-              <a:t>10/19/2018</a:t>
+              <a:t>10/30/2018</a:t>
             </a:fld>
             <a:endParaRPr lang="en-US"/>
           </a:p>
@@ -1000,7 +1000,7 @@
           <a:p>
             <a:fld id="{78C97017-6FC3-485B-9764-EAC9E56C1D49}" type="datetimeFigureOut">
               <a:rPr lang="en-US" smtClean="0"/>
-              <a:t>10/19/2018</a:t>
+              <a:t>10/30/2018</a:t>
             </a:fld>
             <a:endParaRPr lang="en-US"/>
           </a:p>
@@ -1168,7 +1168,7 @@
           <a:p>
             <a:fld id="{78C97017-6FC3-485B-9764-EAC9E56C1D49}" type="datetimeFigureOut">
               <a:rPr lang="en-US" smtClean="0"/>
-              <a:t>10/19/2018</a:t>
+              <a:t>10/30/2018</a:t>
             </a:fld>
             <a:endParaRPr lang="en-US"/>
           </a:p>
@@ -1413,7 +1413,7 @@
           <a:p>
             <a:fld id="{78C97017-6FC3-485B-9764-EAC9E56C1D49}" type="datetimeFigureOut">
               <a:rPr lang="en-US" smtClean="0"/>
-              <a:t>10/19/2018</a:t>
+              <a:t>10/30/2018</a:t>
             </a:fld>
             <a:endParaRPr lang="en-US"/>
           </a:p>
@@ -1698,7 +1698,7 @@
           <a:p>
             <a:fld id="{78C97017-6FC3-485B-9764-EAC9E56C1D49}" type="datetimeFigureOut">
               <a:rPr lang="en-US" smtClean="0"/>
-              <a:t>10/19/2018</a:t>
+              <a:t>10/30/2018</a:t>
             </a:fld>
             <a:endParaRPr lang="en-US"/>
           </a:p>
@@ -2117,7 +2117,7 @@
           <a:p>
             <a:fld id="{78C97017-6FC3-485B-9764-EAC9E56C1D49}" type="datetimeFigureOut">
               <a:rPr lang="en-US" smtClean="0"/>
-              <a:t>10/19/2018</a:t>
+              <a:t>10/30/2018</a:t>
             </a:fld>
             <a:endParaRPr lang="en-US"/>
           </a:p>
@@ -2234,7 +2234,7 @@
           <a:p>
             <a:fld id="{78C97017-6FC3-485B-9764-EAC9E56C1D49}" type="datetimeFigureOut">
               <a:rPr lang="en-US" smtClean="0"/>
-              <a:t>10/19/2018</a:t>
+              <a:t>10/30/2018</a:t>
             </a:fld>
             <a:endParaRPr lang="en-US"/>
           </a:p>
@@ -2329,7 +2329,7 @@
           <a:p>
             <a:fld id="{78C97017-6FC3-485B-9764-EAC9E56C1D49}" type="datetimeFigureOut">
               <a:rPr lang="en-US" smtClean="0"/>
-              <a:t>10/19/2018</a:t>
+              <a:t>10/30/2018</a:t>
             </a:fld>
             <a:endParaRPr lang="en-US"/>
           </a:p>
@@ -2604,7 +2604,7 @@
           <a:p>
             <a:fld id="{78C97017-6FC3-485B-9764-EAC9E56C1D49}" type="datetimeFigureOut">
               <a:rPr lang="en-US" smtClean="0"/>
-              <a:t>10/19/2018</a:t>
+              <a:t>10/30/2018</a:t>
             </a:fld>
             <a:endParaRPr lang="en-US"/>
           </a:p>
@@ -2856,7 +2856,7 @@
           <a:p>
             <a:fld id="{78C97017-6FC3-485B-9764-EAC9E56C1D49}" type="datetimeFigureOut">
               <a:rPr lang="en-US" smtClean="0"/>
-              <a:t>10/19/2018</a:t>
+              <a:t>10/30/2018</a:t>
             </a:fld>
             <a:endParaRPr lang="en-US"/>
           </a:p>
@@ -3067,7 +3067,7 @@
           <a:p>
             <a:fld id="{78C97017-6FC3-485B-9764-EAC9E56C1D49}" type="datetimeFigureOut">
               <a:rPr lang="en-US" smtClean="0"/>
-              <a:t>10/19/2018</a:t>
+              <a:t>10/30/2018</a:t>
             </a:fld>
             <a:endParaRPr lang="en-US"/>
           </a:p>
@@ -3505,65 +3505,6 @@
       </p:sp>
       <p:sp>
         <p:nvSpPr>
-          <p:cNvPr id="2" name="Rectangle 8"/>
-          <p:cNvSpPr/>
-          <p:nvPr/>
-        </p:nvSpPr>
-        <p:spPr>
-          <a:xfrm>
-            <a:off x="2132995" y="5189078"/>
-            <a:ext cx="1093635" cy="346760"/>
-          </a:xfrm>
-          <a:prstGeom prst="rect">
-            <a:avLst/>
-          </a:prstGeom>
-          <a:solidFill>
-            <a:srgbClr val="7030A0"/>
-          </a:solidFill>
-          <a:ln w="19050">
-            <a:solidFill>
-              <a:srgbClr val="7030A0"/>
-            </a:solidFill>
-          </a:ln>
-          <a:effectLst/>
-        </p:spPr>
-        <p:style>
-          <a:lnRef idx="1">
-            <a:schemeClr val="accent2"/>
-          </a:lnRef>
-          <a:fillRef idx="2">
-            <a:schemeClr val="accent2"/>
-          </a:fillRef>
-          <a:effectRef idx="1">
-            <a:schemeClr val="accent2"/>
-          </a:effectRef>
-          <a:fontRef idx="minor">
-            <a:schemeClr val="dk1"/>
-          </a:fontRef>
-        </p:style>
-        <p:txBody>
-          <a:bodyPr rtlCol="0" anchor="ctr"/>
-          <a:lstStyle/>
-          <a:p>
-            <a:pPr algn="ctr"/>
-            <a:r>
-              <a:rPr lang="en-US" sz="1050" dirty="0" err="1">
-                <a:solidFill>
-                  <a:schemeClr val="bg1"/>
-                </a:solidFill>
-              </a:rPr>
-              <a:t>UserPref</a:t>
-            </a:r>
-            <a:endParaRPr lang="en-SG" sz="1050" dirty="0">
-              <a:solidFill>
-                <a:schemeClr val="bg1"/>
-              </a:solidFill>
-            </a:endParaRPr>
-          </a:p>
-        </p:txBody>
-      </p:sp>
-      <p:sp>
-        <p:nvSpPr>
           <p:cNvPr id="9" name="Rectangle 62"/>
           <p:cNvSpPr/>
           <p:nvPr/>
@@ -3785,47 +3726,6 @@
       </p:sp>
       <p:cxnSp>
         <p:nvCxnSpPr>
-          <p:cNvPr id="58" name="Straight Arrow Connector 57"/>
-          <p:cNvCxnSpPr>
-            <a:stCxn id="42" idx="3"/>
-            <a:endCxn id="2" idx="1"/>
-          </p:cNvCxnSpPr>
-          <p:nvPr/>
-        </p:nvCxnSpPr>
-        <p:spPr>
-          <a:xfrm>
-            <a:off x="1865643" y="5362458"/>
-            <a:ext cx="267352" cy="0"/>
-          </a:xfrm>
-          <a:prstGeom prst="straightConnector1">
-            <a:avLst/>
-          </a:prstGeom>
-          <a:ln w="19050">
-            <a:solidFill>
-              <a:srgbClr val="7030A0"/>
-            </a:solidFill>
-            <a:headEnd type="none" w="med" len="med"/>
-            <a:tailEnd type="arrow" w="med" len="med"/>
-          </a:ln>
-          <a:effectLst/>
-        </p:spPr>
-        <p:style>
-          <a:lnRef idx="1">
-            <a:schemeClr val="accent2"/>
-          </a:lnRef>
-          <a:fillRef idx="2">
-            <a:schemeClr val="accent2"/>
-          </a:fillRef>
-          <a:effectRef idx="1">
-            <a:schemeClr val="accent2"/>
-          </a:effectRef>
-          <a:fontRef idx="minor">
-            <a:schemeClr val="dk1"/>
-          </a:fontRef>
-        </p:style>
-      </p:cxnSp>
-      <p:cxnSp>
-        <p:nvCxnSpPr>
           <p:cNvPr id="75" name="Elbow Connector 122"/>
           <p:cNvCxnSpPr/>
           <p:nvPr/>
@@ -3910,13 +3810,110 @@
       </p:cxnSp>
       <p:sp>
         <p:nvSpPr>
-          <p:cNvPr id="42" name="Flowchart: Decision 96"/>
+          <p:cNvPr id="46" name="Rectangle 8"/>
           <p:cNvSpPr/>
           <p:nvPr/>
         </p:nvSpPr>
         <p:spPr>
           <a:xfrm>
-            <a:off x="1629595" y="5275768"/>
+            <a:off x="2081095" y="4572000"/>
+            <a:ext cx="1490560" cy="334856"/>
+          </a:xfrm>
+          <a:prstGeom prst="rect">
+            <a:avLst/>
+          </a:prstGeom>
+          <a:ln w="19050">
+            <a:solidFill>
+              <a:srgbClr val="7030A0"/>
+            </a:solidFill>
+          </a:ln>
+          <a:effectLst/>
+        </p:spPr>
+        <p:style>
+          <a:lnRef idx="1">
+            <a:schemeClr val="accent4"/>
+          </a:lnRef>
+          <a:fillRef idx="2">
+            <a:schemeClr val="accent4"/>
+          </a:fillRef>
+          <a:effectRef idx="1">
+            <a:schemeClr val="accent4"/>
+          </a:effectRef>
+          <a:fontRef idx="minor">
+            <a:schemeClr val="dk1"/>
+          </a:fontRef>
+        </p:style>
+        <p:txBody>
+          <a:bodyPr rtlCol="0" anchor="ctr"/>
+          <a:lstStyle/>
+          <a:p>
+            <a:pPr algn="ctr"/>
+            <a:r>
+              <a:rPr lang="en-US" sz="1050" dirty="0" err="1">
+                <a:solidFill>
+                  <a:srgbClr val="7030A0"/>
+                </a:solidFill>
+              </a:rPr>
+              <a:t>VersionedAddressBook</a:t>
+            </a:r>
+            <a:endParaRPr lang="en-SG" sz="1050" dirty="0">
+              <a:solidFill>
+                <a:srgbClr val="7030A0"/>
+              </a:solidFill>
+            </a:endParaRPr>
+          </a:p>
+        </p:txBody>
+      </p:sp>
+      <p:cxnSp>
+        <p:nvCxnSpPr>
+          <p:cNvPr id="47" name="Straight Arrow Connector 46"/>
+          <p:cNvCxnSpPr>
+            <a:stCxn id="48" idx="3"/>
+            <a:endCxn id="46" idx="1"/>
+          </p:cNvCxnSpPr>
+          <p:nvPr/>
+        </p:nvCxnSpPr>
+        <p:spPr>
+          <a:xfrm>
+            <a:off x="1880175" y="4728871"/>
+            <a:ext cx="200920" cy="10557"/>
+          </a:xfrm>
+          <a:prstGeom prst="straightConnector1">
+            <a:avLst/>
+          </a:prstGeom>
+          <a:ln w="19050">
+            <a:solidFill>
+              <a:srgbClr val="7030A0"/>
+            </a:solidFill>
+            <a:headEnd type="none" w="med" len="med"/>
+            <a:tailEnd type="arrow" w="med" len="med"/>
+          </a:ln>
+          <a:effectLst/>
+        </p:spPr>
+        <p:style>
+          <a:lnRef idx="1">
+            <a:schemeClr val="accent2"/>
+          </a:lnRef>
+          <a:fillRef idx="2">
+            <a:schemeClr val="accent2"/>
+          </a:fillRef>
+          <a:effectRef idx="1">
+            <a:schemeClr val="accent2"/>
+          </a:effectRef>
+          <a:fontRef idx="minor">
+            <a:schemeClr val="dk1"/>
+          </a:fontRef>
+        </p:style>
+      </p:cxnSp>
+      <p:sp>
+        <p:nvSpPr>
+          <p:cNvPr id="48" name="Flowchart: Decision 96"/>
+          <p:cNvSpPr/>
+          <p:nvPr/>
+        </p:nvSpPr>
+        <p:spPr>
+          <a:xfrm>
+            <a:off x="1644127" y="4642181"/>
             <a:ext cx="236048" cy="173380"/>
           </a:xfrm>
           <a:prstGeom prst="flowChartDecision">
@@ -3955,14 +3952,14 @@
       </p:sp>
       <p:sp>
         <p:nvSpPr>
-          <p:cNvPr id="46" name="Rectangle 8"/>
+          <p:cNvPr id="49" name="Rectangle 8"/>
           <p:cNvSpPr/>
           <p:nvPr/>
         </p:nvSpPr>
         <p:spPr>
           <a:xfrm>
-            <a:off x="2081095" y="4572000"/>
-            <a:ext cx="1490560" cy="334856"/>
+            <a:off x="3966078" y="4553480"/>
+            <a:ext cx="1156969" cy="346760"/>
           </a:xfrm>
           <a:prstGeom prst="rect">
             <a:avLst/>
@@ -3999,7 +3996,7 @@
                   <a:srgbClr val="7030A0"/>
                 </a:solidFill>
               </a:rPr>
-              <a:t>VersionedAddressBook</a:t>
+              <a:t>UniquePersonList</a:t>
             </a:r>
             <a:endParaRPr lang="en-SG" sz="1050" dirty="0">
               <a:solidFill>
@@ -4009,62 +4006,23 @@
           </a:p>
         </p:txBody>
       </p:sp>
-      <p:cxnSp>
-        <p:nvCxnSpPr>
-          <p:cNvPr id="47" name="Straight Arrow Connector 46"/>
-          <p:cNvCxnSpPr>
-            <a:stCxn id="48" idx="3"/>
-            <a:endCxn id="46" idx="1"/>
-          </p:cNvCxnSpPr>
-          <p:nvPr/>
-        </p:nvCxnSpPr>
-        <p:spPr>
-          <a:xfrm>
-            <a:off x="1880175" y="4728871"/>
-            <a:ext cx="200920" cy="10557"/>
-          </a:xfrm>
-          <a:prstGeom prst="straightConnector1">
-            <a:avLst/>
-          </a:prstGeom>
-          <a:ln w="19050">
-            <a:solidFill>
-              <a:srgbClr val="7030A0"/>
-            </a:solidFill>
-            <a:headEnd type="none" w="med" len="med"/>
-            <a:tailEnd type="arrow" w="med" len="med"/>
-          </a:ln>
-          <a:effectLst/>
-        </p:spPr>
-        <p:style>
-          <a:lnRef idx="1">
-            <a:schemeClr val="accent2"/>
-          </a:lnRef>
-          <a:fillRef idx="2">
-            <a:schemeClr val="accent2"/>
-          </a:fillRef>
-          <a:effectRef idx="1">
-            <a:schemeClr val="accent2"/>
-          </a:effectRef>
-          <a:fontRef idx="minor">
-            <a:schemeClr val="dk1"/>
-          </a:fontRef>
-        </p:style>
-      </p:cxnSp>
-      <p:sp>
-        <p:nvSpPr>
-          <p:cNvPr id="48" name="Flowchart: Decision 96"/>
+      <p:sp>
+        <p:nvSpPr>
+          <p:cNvPr id="51" name="Flowchart: Decision 96"/>
           <p:cNvSpPr/>
           <p:nvPr/>
         </p:nvSpPr>
         <p:spPr>
           <a:xfrm>
-            <a:off x="1644127" y="4642181"/>
+            <a:off x="3580787" y="4646370"/>
             <a:ext cx="236048" cy="173380"/>
           </a:xfrm>
           <a:prstGeom prst="flowChartDecision">
             <a:avLst/>
           </a:prstGeom>
-          <a:noFill/>
+          <a:solidFill>
+            <a:srgbClr val="7030A0"/>
+          </a:solidFill>
           <a:ln w="19050">
             <a:solidFill>
               <a:srgbClr val="7030A0"/>
@@ -4097,14 +4055,14 @@
       </p:sp>
       <p:sp>
         <p:nvSpPr>
-          <p:cNvPr id="49" name="Rectangle 8"/>
+          <p:cNvPr id="62" name="Rectangle 8"/>
           <p:cNvSpPr/>
           <p:nvPr/>
         </p:nvSpPr>
         <p:spPr>
           <a:xfrm>
-            <a:off x="3966078" y="4553480"/>
-            <a:ext cx="1156969" cy="346760"/>
+            <a:off x="5569492" y="4583904"/>
+            <a:ext cx="708186" cy="346760"/>
           </a:xfrm>
           <a:prstGeom prst="rect">
             <a:avLst/>
@@ -4136,12 +4094,12 @@
           <a:p>
             <a:pPr algn="ctr"/>
             <a:r>
-              <a:rPr lang="en-US" sz="1050" dirty="0" err="1">
+              <a:rPr lang="en-US" sz="1050" dirty="0">
                 <a:solidFill>
                   <a:srgbClr val="7030A0"/>
                 </a:solidFill>
               </a:rPr>
-              <a:t>UniquePersonList</a:t>
+              <a:t>Person</a:t>
             </a:r>
             <a:endParaRPr lang="en-SG" sz="1050" dirty="0">
               <a:solidFill>
@@ -4153,21 +4111,19 @@
       </p:sp>
       <p:sp>
         <p:nvSpPr>
-          <p:cNvPr id="51" name="Flowchart: Decision 96"/>
+          <p:cNvPr id="63" name="Flowchart: Decision 96"/>
           <p:cNvSpPr/>
           <p:nvPr/>
         </p:nvSpPr>
         <p:spPr>
           <a:xfrm>
-            <a:off x="3580787" y="4646370"/>
+            <a:off x="5114566" y="4667514"/>
             <a:ext cx="236048" cy="173380"/>
           </a:xfrm>
           <a:prstGeom prst="flowChartDecision">
             <a:avLst/>
           </a:prstGeom>
-          <a:solidFill>
-            <a:srgbClr val="7030A0"/>
-          </a:solidFill>
+          <a:noFill/>
           <a:ln w="19050">
             <a:solidFill>
               <a:srgbClr val="7030A0"/>
@@ -4198,16 +4154,57 @@
           </a:p>
         </p:txBody>
       </p:sp>
-      <p:sp>
-        <p:nvSpPr>
-          <p:cNvPr id="62" name="Rectangle 8"/>
+      <p:cxnSp>
+        <p:nvCxnSpPr>
+          <p:cNvPr id="64" name="Elbow Connector 63"/>
+          <p:cNvCxnSpPr>
+            <a:stCxn id="63" idx="3"/>
+            <a:endCxn id="62" idx="1"/>
+          </p:cNvCxnSpPr>
+          <p:nvPr/>
+        </p:nvCxnSpPr>
+        <p:spPr>
+          <a:xfrm>
+            <a:off x="5350614" y="4754204"/>
+            <a:ext cx="218878" cy="3080"/>
+          </a:xfrm>
+          <a:prstGeom prst="bentConnector3">
+            <a:avLst/>
+          </a:prstGeom>
+          <a:ln w="19050">
+            <a:solidFill>
+              <a:srgbClr val="7030A0"/>
+            </a:solidFill>
+            <a:headEnd type="none" w="med" len="med"/>
+            <a:tailEnd type="arrow" w="med" len="med"/>
+          </a:ln>
+          <a:effectLst/>
+        </p:spPr>
+        <p:style>
+          <a:lnRef idx="1">
+            <a:schemeClr val="accent2"/>
+          </a:lnRef>
+          <a:fillRef idx="2">
+            <a:schemeClr val="accent2"/>
+          </a:fillRef>
+          <a:effectRef idx="1">
+            <a:schemeClr val="accent2"/>
+          </a:effectRef>
+          <a:fontRef idx="minor">
+            <a:schemeClr val="dk1"/>
+          </a:fontRef>
+        </p:style>
+      </p:cxnSp>
+      <p:sp>
+        <p:nvSpPr>
+          <p:cNvPr id="76" name="Rectangle 8"/>
           <p:cNvSpPr/>
           <p:nvPr/>
         </p:nvSpPr>
         <p:spPr>
           <a:xfrm>
-            <a:off x="5569492" y="4583904"/>
-            <a:ext cx="708186" cy="346760"/>
+            <a:off x="7978763" y="5482166"/>
+            <a:ext cx="708186" cy="285783"/>
           </a:xfrm>
           <a:prstGeom prst="rect">
             <a:avLst/>
@@ -4244,7 +4241,7 @@
                   <a:srgbClr val="7030A0"/>
                 </a:solidFill>
               </a:rPr>
-              <a:t>Person</a:t>
+              <a:t>Name</a:t>
             </a:r>
             <a:endParaRPr lang="en-SG" sz="1050" dirty="0">
               <a:solidFill>
@@ -4256,19 +4253,21 @@
       </p:sp>
       <p:sp>
         <p:nvSpPr>
-          <p:cNvPr id="63" name="Flowchart: Decision 96"/>
+          <p:cNvPr id="78" name="Flowchart: Decision 96"/>
           <p:cNvSpPr/>
           <p:nvPr/>
         </p:nvSpPr>
         <p:spPr>
           <a:xfrm>
-            <a:off x="5114566" y="4667514"/>
+            <a:off x="6297762" y="4674039"/>
             <a:ext cx="236048" cy="173380"/>
           </a:xfrm>
           <a:prstGeom prst="flowChartDecision">
             <a:avLst/>
           </a:prstGeom>
-          <a:noFill/>
+          <a:solidFill>
+            <a:srgbClr val="7030A0"/>
+          </a:solidFill>
           <a:ln w="19050">
             <a:solidFill>
               <a:srgbClr val="7030A0"/>
@@ -4301,150 +4300,6 @@
       </p:sp>
       <p:cxnSp>
         <p:nvCxnSpPr>
-          <p:cNvPr id="64" name="Elbow Connector 63"/>
-          <p:cNvCxnSpPr>
-            <a:stCxn id="63" idx="3"/>
-            <a:endCxn id="62" idx="1"/>
-          </p:cNvCxnSpPr>
-          <p:nvPr/>
-        </p:nvCxnSpPr>
-        <p:spPr>
-          <a:xfrm>
-            <a:off x="5350614" y="4754204"/>
-            <a:ext cx="218878" cy="3080"/>
-          </a:xfrm>
-          <a:prstGeom prst="bentConnector3">
-            <a:avLst/>
-          </a:prstGeom>
-          <a:ln w="19050">
-            <a:solidFill>
-              <a:srgbClr val="7030A0"/>
-            </a:solidFill>
-            <a:headEnd type="none" w="med" len="med"/>
-            <a:tailEnd type="arrow" w="med" len="med"/>
-          </a:ln>
-          <a:effectLst/>
-        </p:spPr>
-        <p:style>
-          <a:lnRef idx="1">
-            <a:schemeClr val="accent2"/>
-          </a:lnRef>
-          <a:fillRef idx="2">
-            <a:schemeClr val="accent2"/>
-          </a:fillRef>
-          <a:effectRef idx="1">
-            <a:schemeClr val="accent2"/>
-          </a:effectRef>
-          <a:fontRef idx="minor">
-            <a:schemeClr val="dk1"/>
-          </a:fontRef>
-        </p:style>
-      </p:cxnSp>
-      <p:sp>
-        <p:nvSpPr>
-          <p:cNvPr id="76" name="Rectangle 8"/>
-          <p:cNvSpPr/>
-          <p:nvPr/>
-        </p:nvSpPr>
-        <p:spPr>
-          <a:xfrm>
-            <a:off x="7978763" y="5482166"/>
-            <a:ext cx="708186" cy="285783"/>
-          </a:xfrm>
-          <a:prstGeom prst="rect">
-            <a:avLst/>
-          </a:prstGeom>
-          <a:ln w="19050">
-            <a:solidFill>
-              <a:srgbClr val="7030A0"/>
-            </a:solidFill>
-          </a:ln>
-          <a:effectLst/>
-        </p:spPr>
-        <p:style>
-          <a:lnRef idx="1">
-            <a:schemeClr val="accent4"/>
-          </a:lnRef>
-          <a:fillRef idx="2">
-            <a:schemeClr val="accent4"/>
-          </a:fillRef>
-          <a:effectRef idx="1">
-            <a:schemeClr val="accent4"/>
-          </a:effectRef>
-          <a:fontRef idx="minor">
-            <a:schemeClr val="dk1"/>
-          </a:fontRef>
-        </p:style>
-        <p:txBody>
-          <a:bodyPr rtlCol="0" anchor="ctr"/>
-          <a:lstStyle/>
-          <a:p>
-            <a:pPr algn="ctr"/>
-            <a:r>
-              <a:rPr lang="en-US" sz="1050" dirty="0">
-                <a:solidFill>
-                  <a:srgbClr val="7030A0"/>
-                </a:solidFill>
-              </a:rPr>
-              <a:t>Name</a:t>
-            </a:r>
-            <a:endParaRPr lang="en-SG" sz="1050" dirty="0">
-              <a:solidFill>
-                <a:srgbClr val="7030A0"/>
-              </a:solidFill>
-            </a:endParaRPr>
-          </a:p>
-        </p:txBody>
-      </p:sp>
-      <p:sp>
-        <p:nvSpPr>
-          <p:cNvPr id="78" name="Flowchart: Decision 96"/>
-          <p:cNvSpPr/>
-          <p:nvPr/>
-        </p:nvSpPr>
-        <p:spPr>
-          <a:xfrm>
-            <a:off x="6297762" y="4674039"/>
-            <a:ext cx="236048" cy="173380"/>
-          </a:xfrm>
-          <a:prstGeom prst="flowChartDecision">
-            <a:avLst/>
-          </a:prstGeom>
-          <a:solidFill>
-            <a:srgbClr val="7030A0"/>
-          </a:solidFill>
-          <a:ln w="19050">
-            <a:solidFill>
-              <a:srgbClr val="7030A0"/>
-            </a:solidFill>
-          </a:ln>
-          <a:effectLst/>
-        </p:spPr>
-        <p:style>
-          <a:lnRef idx="1">
-            <a:schemeClr val="accent6"/>
-          </a:lnRef>
-          <a:fillRef idx="2">
-            <a:schemeClr val="accent6"/>
-          </a:fillRef>
-          <a:effectRef idx="1">
-            <a:schemeClr val="accent6"/>
-          </a:effectRef>
-          <a:fontRef idx="minor">
-            <a:schemeClr val="dk1"/>
-          </a:fontRef>
-        </p:style>
-        <p:txBody>
-          <a:bodyPr rtlCol="0" anchor="ctr"/>
-          <a:lstStyle/>
-          <a:p>
-            <a:pPr algn="ctr"/>
-            <a:endParaRPr lang="en-US" sz="1050"/>
-          </a:p>
-        </p:txBody>
-      </p:sp>
-      <p:cxnSp>
-        <p:nvCxnSpPr>
           <p:cNvPr id="79" name="Elbow Connector 78"/>
           <p:cNvCxnSpPr>
             <a:cxnSpLocks/>
@@ -5195,45 +5050,6 @@
           <a:xfrm>
             <a:off x="1829209" y="4482553"/>
             <a:ext cx="170110" cy="137542"/>
-          </a:xfrm>
-          <a:prstGeom prst="rect">
-            <a:avLst/>
-          </a:prstGeom>
-          <a:noFill/>
-        </p:spPr>
-        <p:txBody>
-          <a:bodyPr wrap="square" lIns="0" tIns="0" rIns="0" bIns="0" rtlCol="0">
-            <a:noAutofit/>
-          </a:bodyPr>
-          <a:lstStyle/>
-          <a:p>
-            <a:pPr algn="ctr"/>
-            <a:r>
-              <a:rPr lang="en-US" sz="1100" dirty="0">
-                <a:solidFill>
-                  <a:srgbClr val="7030A0"/>
-                </a:solidFill>
-              </a:rPr>
-              <a:t>1</a:t>
-            </a:r>
-            <a:endParaRPr lang="en-SG" sz="1100" dirty="0">
-              <a:solidFill>
-                <a:srgbClr val="7030A0"/>
-              </a:solidFill>
-            </a:endParaRPr>
-          </a:p>
-        </p:txBody>
-      </p:sp>
-      <p:sp>
-        <p:nvSpPr>
-          <p:cNvPr id="66" name="TextBox 65"/>
-          <p:cNvSpPr txBox="1"/>
-          <p:nvPr/>
-        </p:nvSpPr>
-        <p:spPr>
-          <a:xfrm>
-            <a:off x="1962885" y="5393575"/>
-            <a:ext cx="189257" cy="178683"/>
           </a:xfrm>
           <a:prstGeom prst="rect">
             <a:avLst/>
